--- a/Livrables/Diapo_Projet_Web.pptx
+++ b/Livrables/Diapo_Projet_Web.pptx
@@ -5061,7 +5061,7 @@
           <a:p>
             <a:fld id="{B822595C-B4CE-48B9-8059-2C40167B1D91}" type="slidenum">
               <a:rPr lang="fr-FR" smtClean="0"/>
-              <a:t>3</a:t>
+              <a:t>1</a:t>
             </a:fld>
             <a:endParaRPr lang="fr-FR"/>
           </a:p>
@@ -5070,7 +5070,7 @@
     </p:spTree>
     <p:extLst>
       <p:ext uri="{BB962C8B-B14F-4D97-AF65-F5344CB8AC3E}">
-        <p14:creationId xmlns:p14="http://schemas.microsoft.com/office/powerpoint/2010/main" val="818186129"/>
+        <p14:creationId xmlns:p14="http://schemas.microsoft.com/office/powerpoint/2010/main" val="575221542"/>
       </p:ext>
     </p:extLst>
   </p:cSld>
@@ -5145,7 +5145,7 @@
           <a:p>
             <a:fld id="{B822595C-B4CE-48B9-8059-2C40167B1D91}" type="slidenum">
               <a:rPr lang="fr-FR" smtClean="0"/>
-              <a:t>5</a:t>
+              <a:t>3</a:t>
             </a:fld>
             <a:endParaRPr lang="fr-FR"/>
           </a:p>
@@ -5154,7 +5154,7 @@
     </p:spTree>
     <p:extLst>
       <p:ext uri="{BB962C8B-B14F-4D97-AF65-F5344CB8AC3E}">
-        <p14:creationId xmlns:p14="http://schemas.microsoft.com/office/powerpoint/2010/main" val="3504260046"/>
+        <p14:creationId xmlns:p14="http://schemas.microsoft.com/office/powerpoint/2010/main" val="818186129"/>
       </p:ext>
     </p:extLst>
   </p:cSld>
@@ -5229,7 +5229,7 @@
           <a:p>
             <a:fld id="{B822595C-B4CE-48B9-8059-2C40167B1D91}" type="slidenum">
               <a:rPr lang="fr-FR" smtClean="0"/>
-              <a:t>10</a:t>
+              <a:t>5</a:t>
             </a:fld>
             <a:endParaRPr lang="fr-FR"/>
           </a:p>
@@ -5238,7 +5238,7 @@
     </p:spTree>
     <p:extLst>
       <p:ext uri="{BB962C8B-B14F-4D97-AF65-F5344CB8AC3E}">
-        <p14:creationId xmlns:p14="http://schemas.microsoft.com/office/powerpoint/2010/main" val="2883288252"/>
+        <p14:creationId xmlns:p14="http://schemas.microsoft.com/office/powerpoint/2010/main" val="3504260046"/>
       </p:ext>
     </p:extLst>
   </p:cSld>
@@ -5313,7 +5313,7 @@
           <a:p>
             <a:fld id="{B822595C-B4CE-48B9-8059-2C40167B1D91}" type="slidenum">
               <a:rPr lang="fr-FR" smtClean="0"/>
-              <a:t>11</a:t>
+              <a:t>10</a:t>
             </a:fld>
             <a:endParaRPr lang="fr-FR"/>
           </a:p>
@@ -5322,7 +5322,7 @@
     </p:spTree>
     <p:extLst>
       <p:ext uri="{BB962C8B-B14F-4D97-AF65-F5344CB8AC3E}">
-        <p14:creationId xmlns:p14="http://schemas.microsoft.com/office/powerpoint/2010/main" val="3158505642"/>
+        <p14:creationId xmlns:p14="http://schemas.microsoft.com/office/powerpoint/2010/main" val="2883288252"/>
       </p:ext>
     </p:extLst>
   </p:cSld>
@@ -5397,7 +5397,7 @@
           <a:p>
             <a:fld id="{B822595C-B4CE-48B9-8059-2C40167B1D91}" type="slidenum">
               <a:rPr lang="fr-FR" smtClean="0"/>
-              <a:t>12</a:t>
+              <a:t>11</a:t>
             </a:fld>
             <a:endParaRPr lang="fr-FR"/>
           </a:p>
@@ -5406,7 +5406,7 @@
     </p:spTree>
     <p:extLst>
       <p:ext uri="{BB962C8B-B14F-4D97-AF65-F5344CB8AC3E}">
-        <p14:creationId xmlns:p14="http://schemas.microsoft.com/office/powerpoint/2010/main" val="4074990628"/>
+        <p14:creationId xmlns:p14="http://schemas.microsoft.com/office/powerpoint/2010/main" val="3158505642"/>
       </p:ext>
     </p:extLst>
   </p:cSld>
@@ -5481,7 +5481,7 @@
           <a:p>
             <a:fld id="{B822595C-B4CE-48B9-8059-2C40167B1D91}" type="slidenum">
               <a:rPr lang="fr-FR" smtClean="0"/>
-              <a:t>14</a:t>
+              <a:t>12</a:t>
             </a:fld>
             <a:endParaRPr lang="fr-FR"/>
           </a:p>
@@ -5490,7 +5490,7 @@
     </p:spTree>
     <p:extLst>
       <p:ext uri="{BB962C8B-B14F-4D97-AF65-F5344CB8AC3E}">
-        <p14:creationId xmlns:p14="http://schemas.microsoft.com/office/powerpoint/2010/main" val="3174705946"/>
+        <p14:creationId xmlns:p14="http://schemas.microsoft.com/office/powerpoint/2010/main" val="4074990628"/>
       </p:ext>
     </p:extLst>
   </p:cSld>
@@ -5565,7 +5565,7 @@
           <a:p>
             <a:fld id="{B822595C-B4CE-48B9-8059-2C40167B1D91}" type="slidenum">
               <a:rPr lang="fr-FR" smtClean="0"/>
-              <a:t>16</a:t>
+              <a:t>14</a:t>
             </a:fld>
             <a:endParaRPr lang="fr-FR"/>
           </a:p>
@@ -5574,7 +5574,7 @@
     </p:spTree>
     <p:extLst>
       <p:ext uri="{BB962C8B-B14F-4D97-AF65-F5344CB8AC3E}">
-        <p14:creationId xmlns:p14="http://schemas.microsoft.com/office/powerpoint/2010/main" val="1975996958"/>
+        <p14:creationId xmlns:p14="http://schemas.microsoft.com/office/powerpoint/2010/main" val="3174705946"/>
       </p:ext>
     </p:extLst>
   </p:cSld>
@@ -5627,6 +5627,167 @@
         <p:txBody>
           <a:bodyPr/>
           <a:lstStyle/>
+          <a:p>
+            <a:endParaRPr lang="fr-FR" dirty="0"/>
+          </a:p>
+        </p:txBody>
+      </p:sp>
+      <p:sp>
+        <p:nvSpPr>
+          <p:cNvPr id="4" name="Espace réservé du numéro de diapositive 3"/>
+          <p:cNvSpPr>
+            <a:spLocks noGrp="1"/>
+          </p:cNvSpPr>
+          <p:nvPr>
+            <p:ph type="sldNum" sz="quarter" idx="10"/>
+          </p:nvPr>
+        </p:nvSpPr>
+        <p:spPr/>
+        <p:txBody>
+          <a:bodyPr/>
+          <a:lstStyle/>
+          <a:p>
+            <a:fld id="{B822595C-B4CE-48B9-8059-2C40167B1D91}" type="slidenum">
+              <a:rPr lang="fr-FR" smtClean="0"/>
+              <a:t>16</a:t>
+            </a:fld>
+            <a:endParaRPr lang="fr-FR"/>
+          </a:p>
+        </p:txBody>
+      </p:sp>
+    </p:spTree>
+    <p:extLst>
+      <p:ext uri="{BB962C8B-B14F-4D97-AF65-F5344CB8AC3E}">
+        <p14:creationId xmlns:p14="http://schemas.microsoft.com/office/powerpoint/2010/main" val="1975996958"/>
+      </p:ext>
+    </p:extLst>
+  </p:cSld>
+  <p:clrMapOvr>
+    <a:masterClrMapping/>
+  </p:clrMapOvr>
+</p:notes>
+</file>
+
+<file path=ppt/notesSlides/notesSlide9.xml><?xml version="1.0" encoding="utf-8"?>
+<p:notes xmlns:a="http://schemas.openxmlformats.org/drawingml/2006/main" xmlns:r="http://schemas.openxmlformats.org/officeDocument/2006/relationships" xmlns:p="http://schemas.openxmlformats.org/presentationml/2006/main">
+  <p:cSld>
+    <p:spTree>
+      <p:nvGrpSpPr>
+        <p:cNvPr id="1" name=""/>
+        <p:cNvGrpSpPr/>
+        <p:nvPr/>
+      </p:nvGrpSpPr>
+      <p:grpSpPr>
+        <a:xfrm>
+          <a:off x="0" y="0"/>
+          <a:ext cx="0" cy="0"/>
+          <a:chOff x="0" y="0"/>
+          <a:chExt cx="0" cy="0"/>
+        </a:xfrm>
+      </p:grpSpPr>
+      <p:sp>
+        <p:nvSpPr>
+          <p:cNvPr id="2" name="Espace réservé de l'image des diapositives 1"/>
+          <p:cNvSpPr>
+            <a:spLocks noGrp="1" noRot="1" noChangeAspect="1"/>
+          </p:cNvSpPr>
+          <p:nvPr>
+            <p:ph type="sldImg"/>
+          </p:nvPr>
+        </p:nvSpPr>
+        <p:spPr/>
+      </p:sp>
+      <p:sp>
+        <p:nvSpPr>
+          <p:cNvPr id="3" name="Espace réservé des notes 2"/>
+          <p:cNvSpPr>
+            <a:spLocks noGrp="1"/>
+          </p:cNvSpPr>
+          <p:nvPr>
+            <p:ph type="body" idx="1"/>
+          </p:nvPr>
+        </p:nvSpPr>
+        <p:spPr/>
+        <p:txBody>
+          <a:bodyPr/>
+          <a:lstStyle/>
+          <a:p>
+            <a:pPr marL="457200" indent="-457200">
+              <a:lnSpc>
+                <a:spcPct val="150000"/>
+              </a:lnSpc>
+              <a:buFont typeface="Wingdings" pitchFamily="2" charset="2"/>
+              <a:buChar char="§"/>
+            </a:pPr>
+            <a:r>
+              <a:rPr lang="en-GB" sz="1200" dirty="0">
+                <a:latin typeface="Segoe UI" pitchFamily="34" charset="0"/>
+                <a:ea typeface="Segoe UI" pitchFamily="34" charset="0"/>
+                <a:cs typeface="Segoe UI" pitchFamily="34" charset="0"/>
+              </a:rPr>
+              <a:t>We realized the importance of conception</a:t>
+            </a:r>
+          </a:p>
+          <a:p>
+            <a:pPr>
+              <a:lnSpc>
+                <a:spcPct val="150000"/>
+              </a:lnSpc>
+            </a:pPr>
+            <a:endParaRPr lang="en-GB" sz="1200" dirty="0">
+              <a:latin typeface="Segoe UI" pitchFamily="34" charset="0"/>
+              <a:ea typeface="Segoe UI" pitchFamily="34" charset="0"/>
+              <a:cs typeface="Segoe UI" pitchFamily="34" charset="0"/>
+            </a:endParaRPr>
+          </a:p>
+          <a:p>
+            <a:pPr marL="457200" indent="-457200">
+              <a:lnSpc>
+                <a:spcPct val="150000"/>
+              </a:lnSpc>
+              <a:buFont typeface="Wingdings" pitchFamily="2" charset="2"/>
+              <a:buChar char="§"/>
+            </a:pPr>
+            <a:r>
+              <a:rPr lang="en-GB" sz="1200" dirty="0">
+                <a:latin typeface="Segoe UI" pitchFamily="34" charset="0"/>
+                <a:ea typeface="Segoe UI" pitchFamily="34" charset="0"/>
+                <a:cs typeface="Segoe UI" pitchFamily="34" charset="0"/>
+              </a:rPr>
+              <a:t>We learned to use imbricated different languages on a single project</a:t>
+            </a:r>
+          </a:p>
+          <a:p>
+            <a:pPr marL="457200" indent="-457200">
+              <a:lnSpc>
+                <a:spcPct val="150000"/>
+              </a:lnSpc>
+              <a:buFont typeface="Wingdings" pitchFamily="2" charset="2"/>
+              <a:buChar char="§"/>
+            </a:pPr>
+            <a:endParaRPr lang="en-GB" sz="1200" dirty="0">
+              <a:latin typeface="Segoe UI" pitchFamily="34" charset="0"/>
+              <a:ea typeface="Segoe UI" pitchFamily="34" charset="0"/>
+              <a:cs typeface="Segoe UI" pitchFamily="34" charset="0"/>
+            </a:endParaRPr>
+          </a:p>
+          <a:p>
+            <a:pPr marL="457200" indent="-457200">
+              <a:lnSpc>
+                <a:spcPct val="150000"/>
+              </a:lnSpc>
+              <a:buFont typeface="Wingdings" pitchFamily="2" charset="2"/>
+              <a:buChar char="§"/>
+            </a:pPr>
+            <a:r>
+              <a:rPr lang="en-GB" sz="1200" dirty="0">
+                <a:latin typeface="Segoe UI" pitchFamily="34" charset="0"/>
+                <a:ea typeface="Segoe UI" pitchFamily="34" charset="0"/>
+                <a:cs typeface="Segoe UI" pitchFamily="34" charset="0"/>
+              </a:rPr>
+              <a:t>We trained ourselves to parallelize the work of everyone</a:t>
+            </a:r>
+          </a:p>
           <a:p>
             <a:endParaRPr lang="fr-FR" dirty="0"/>
           </a:p>
@@ -6285,7 +6446,7 @@
           </a:ln>
           <a:extLst>
             <a:ext uri="{91240B29-F687-4f45-9708-019B960494DF}">
-              <a14:hiddenLine xmlns:a14="http://schemas.microsoft.com/office/drawing/2010/main" xmlns="" w="9525">
+              <a14:hiddenLine xmlns="" xmlns:a14="http://schemas.microsoft.com/office/drawing/2010/main" w="9525">
                 <a:solidFill>
                   <a:srgbClr val="000000"/>
                 </a:solidFill>
@@ -6340,7 +6501,7 @@
           </a:ln>
           <a:extLst>
             <a:ext uri="{91240B29-F687-4f45-9708-019B960494DF}">
-              <a14:hiddenLine xmlns:a14="http://schemas.microsoft.com/office/drawing/2010/main" xmlns="" w="9525">
+              <a14:hiddenLine xmlns="" xmlns:a14="http://schemas.microsoft.com/office/drawing/2010/main" w="9525">
                 <a:solidFill>
                   <a:srgbClr val="000000"/>
                 </a:solidFill>
@@ -12050,7 +12211,7 @@
           <p:nvPr/>
         </p:nvPicPr>
         <p:blipFill>
-          <a:blip r:embed="rId2" cstate="print">
+          <a:blip r:embed="rId3" cstate="print">
             <a:extLst>
               <a:ext uri="{28A0092B-C50C-407E-A947-70E740481C1C}">
                 <a14:useLocalDpi xmlns:a14="http://schemas.microsoft.com/office/drawing/2010/main" val="0"/>
@@ -16549,8 +16710,8 @@
         </p:nvSpPr>
         <p:spPr>
           <a:xfrm>
-            <a:off x="521792" y="2420888"/>
-            <a:ext cx="8424936" cy="2862322"/>
+            <a:off x="1909342" y="2348880"/>
+            <a:ext cx="6795876" cy="2793522"/>
           </a:xfrm>
           <a:prstGeom prst="rect">
             <a:avLst/>
@@ -16571,13 +16732,25 @@
               <a:buChar char="§"/>
             </a:pPr>
             <a:r>
-              <a:rPr lang="fr-FR" sz="2400" dirty="0">
+              <a:rPr lang="en-GB" sz="2400" dirty="0">
                 <a:latin typeface="Segoe UI" pitchFamily="34" charset="0"/>
                 <a:ea typeface="Segoe UI" pitchFamily="34" charset="0"/>
                 <a:cs typeface="Segoe UI" pitchFamily="34" charset="0"/>
               </a:rPr>
-              <a:t>Réutilisabilité du travail sur l’architecture et de certaines configurations.</a:t>
+              <a:t>Importance of conception</a:t>
             </a:r>
+          </a:p>
+          <a:p>
+            <a:pPr>
+              <a:lnSpc>
+                <a:spcPct val="150000"/>
+              </a:lnSpc>
+            </a:pPr>
+            <a:endParaRPr lang="en-GB" sz="2400" dirty="0">
+              <a:latin typeface="Segoe UI" pitchFamily="34" charset="0"/>
+              <a:ea typeface="Segoe UI" pitchFamily="34" charset="0"/>
+              <a:cs typeface="Segoe UI" pitchFamily="34" charset="0"/>
+            </a:endParaRPr>
           </a:p>
           <a:p>
             <a:pPr marL="457200" indent="-457200">
@@ -16588,13 +16761,27 @@
               <a:buChar char="§"/>
             </a:pPr>
             <a:r>
-              <a:rPr lang="fr-FR" sz="2400" dirty="0">
+              <a:rPr lang="en-GB" sz="2400" dirty="0">
                 <a:latin typeface="Segoe UI" pitchFamily="34" charset="0"/>
                 <a:ea typeface="Segoe UI" pitchFamily="34" charset="0"/>
                 <a:cs typeface="Segoe UI" pitchFamily="34" charset="0"/>
               </a:rPr>
-              <a:t>Prise de conscience sur l’importance de la sécurité.</a:t>
+              <a:t>Imbricated different languages</a:t>
             </a:r>
+          </a:p>
+          <a:p>
+            <a:pPr marL="457200" indent="-457200">
+              <a:lnSpc>
+                <a:spcPct val="150000"/>
+              </a:lnSpc>
+              <a:buFont typeface="Wingdings" pitchFamily="2" charset="2"/>
+              <a:buChar char="§"/>
+            </a:pPr>
+            <a:endParaRPr lang="en-GB" sz="2400" dirty="0">
+              <a:latin typeface="Segoe UI" pitchFamily="34" charset="0"/>
+              <a:ea typeface="Segoe UI" pitchFamily="34" charset="0"/>
+              <a:cs typeface="Segoe UI" pitchFamily="34" charset="0"/>
+            </a:endParaRPr>
           </a:p>
           <a:p>
             <a:pPr marL="457200" indent="-457200">
@@ -16605,29 +16792,12 @@
               <a:buChar char="§"/>
             </a:pPr>
             <a:r>
-              <a:rPr lang="fr-FR" sz="2400" dirty="0">
+              <a:rPr lang="en-GB" sz="2400" dirty="0">
                 <a:latin typeface="Segoe UI" pitchFamily="34" charset="0"/>
                 <a:ea typeface="Segoe UI" pitchFamily="34" charset="0"/>
                 <a:cs typeface="Segoe UI" pitchFamily="34" charset="0"/>
               </a:rPr>
-              <a:t>Responsabilisation sur le projet.</a:t>
-            </a:r>
-          </a:p>
-          <a:p>
-            <a:pPr marL="457200" indent="-457200">
-              <a:lnSpc>
-                <a:spcPct val="150000"/>
-              </a:lnSpc>
-              <a:buFont typeface="Wingdings" pitchFamily="2" charset="2"/>
-              <a:buChar char="§"/>
-            </a:pPr>
-            <a:r>
-              <a:rPr lang="fr-FR" sz="2400" dirty="0">
-                <a:latin typeface="Segoe UI" pitchFamily="34" charset="0"/>
-                <a:ea typeface="Segoe UI" pitchFamily="34" charset="0"/>
-                <a:cs typeface="Segoe UI" pitchFamily="34" charset="0"/>
-              </a:rPr>
-              <a:t>Montée en compétences de toute l’équipe.</a:t>
+              <a:t>Work together in parallel</a:t>
             </a:r>
           </a:p>
         </p:txBody>
@@ -16751,7 +16921,7 @@
                                         <p:tgtEl>
                                           <p:spTgt spid="19">
                                             <p:txEl>
-                                              <p:pRg st="1" end="1"/>
+                                              <p:pRg st="2" end="2"/>
                                             </p:txEl>
                                           </p:spTgt>
                                         </p:tgtEl>
@@ -16769,7 +16939,7 @@
                                         <p:tgtEl>
                                           <p:spTgt spid="19">
                                             <p:txEl>
-                                              <p:pRg st="1" end="1"/>
+                                              <p:pRg st="2" end="2"/>
                                             </p:txEl>
                                           </p:spTgt>
                                         </p:tgtEl>
@@ -16812,7 +16982,7 @@
                                         <p:tgtEl>
                                           <p:spTgt spid="19">
                                             <p:txEl>
-                                              <p:pRg st="2" end="2"/>
+                                              <p:pRg st="4" end="4"/>
                                             </p:txEl>
                                           </p:spTgt>
                                         </p:tgtEl>
@@ -16830,68 +17000,7 @@
                                         <p:tgtEl>
                                           <p:spTgt spid="19">
                                             <p:txEl>
-                                              <p:pRg st="2" end="2"/>
-                                            </p:txEl>
-                                          </p:spTgt>
-                                        </p:tgtEl>
-                                      </p:cBhvr>
-                                    </p:animEffect>
-                                  </p:childTnLst>
-                                </p:cTn>
-                              </p:par>
-                            </p:childTnLst>
-                          </p:cTn>
-                        </p:par>
-                      </p:childTnLst>
-                    </p:cTn>
-                  </p:par>
-                  <p:par>
-                    <p:cTn id="18" fill="hold">
-                      <p:stCondLst>
-                        <p:cond delay="indefinite"/>
-                      </p:stCondLst>
-                      <p:childTnLst>
-                        <p:par>
-                          <p:cTn id="19" fill="hold">
-                            <p:stCondLst>
-                              <p:cond delay="0"/>
-                            </p:stCondLst>
-                            <p:childTnLst>
-                              <p:par>
-                                <p:cTn id="20" presetID="10" presetClass="entr" presetSubtype="0" fill="hold" nodeType="clickEffect">
-                                  <p:stCondLst>
-                                    <p:cond delay="0"/>
-                                  </p:stCondLst>
-                                  <p:childTnLst>
-                                    <p:set>
-                                      <p:cBhvr>
-                                        <p:cTn id="21" dur="1" fill="hold">
-                                          <p:stCondLst>
-                                            <p:cond delay="0"/>
-                                          </p:stCondLst>
-                                        </p:cTn>
-                                        <p:tgtEl>
-                                          <p:spTgt spid="19">
-                                            <p:txEl>
-                                              <p:pRg st="3" end="3"/>
-                                            </p:txEl>
-                                          </p:spTgt>
-                                        </p:tgtEl>
-                                        <p:attrNameLst>
-                                          <p:attrName>style.visibility</p:attrName>
-                                        </p:attrNameLst>
-                                      </p:cBhvr>
-                                      <p:to>
-                                        <p:strVal val="visible"/>
-                                      </p:to>
-                                    </p:set>
-                                    <p:animEffect transition="in" filter="fade">
-                                      <p:cBhvr>
-                                        <p:cTn id="22" dur="500"/>
-                                        <p:tgtEl>
-                                          <p:spTgt spid="19">
-                                            <p:txEl>
-                                              <p:pRg st="3" end="3"/>
+                                              <p:pRg st="4" end="4"/>
                                             </p:txEl>
                                           </p:spTgt>
                                         </p:tgtEl>
@@ -18833,8 +18942,8 @@
         </p:nvSpPr>
         <p:spPr>
           <a:xfrm>
-            <a:off x="1403649" y="908721"/>
-            <a:ext cx="6912768" cy="3809184"/>
+            <a:off x="1403648" y="970410"/>
+            <a:ext cx="6912768" cy="4917180"/>
           </a:xfrm>
           <a:prstGeom prst="rect">
             <a:avLst/>
@@ -18919,7 +19028,41 @@
                 <a:ea typeface="Segoe UI" pitchFamily="34" charset="0"/>
                 <a:cs typeface="Segoe UI" pitchFamily="34" charset="0"/>
               </a:rPr>
-              <a:t>to primarily manage the promotion of events and an online shop selling</a:t>
+              <a:t>that propose two services :</a:t>
+            </a:r>
+          </a:p>
+          <a:p>
+            <a:pPr marL="800100" lvl="1" indent="-342900" algn="just">
+              <a:lnSpc>
+                <a:spcPct val="150000"/>
+              </a:lnSpc>
+              <a:buFont typeface="Wingdings" panose="05000000000000000000" pitchFamily="2" charset="2"/>
+              <a:buChar char="§"/>
+            </a:pPr>
+            <a:r>
+              <a:rPr lang="en-US" sz="2400" dirty="0">
+                <a:latin typeface="Segoe UI" pitchFamily="34" charset="0"/>
+                <a:ea typeface="Segoe UI" pitchFamily="34" charset="0"/>
+                <a:cs typeface="Segoe UI" pitchFamily="34" charset="0"/>
+              </a:rPr>
+              <a:t>Students board events managements</a:t>
+            </a:r>
+          </a:p>
+          <a:p>
+            <a:pPr marL="800100" lvl="1" indent="-342900" algn="just">
+              <a:lnSpc>
+                <a:spcPct val="150000"/>
+              </a:lnSpc>
+              <a:buFont typeface="Wingdings" panose="05000000000000000000" pitchFamily="2" charset="2"/>
+              <a:buChar char="§"/>
+            </a:pPr>
+            <a:r>
+              <a:rPr lang="en-US" sz="2400" dirty="0">
+                <a:latin typeface="Segoe UI" pitchFamily="34" charset="0"/>
+                <a:ea typeface="Segoe UI" pitchFamily="34" charset="0"/>
+                <a:cs typeface="Segoe UI" pitchFamily="34" charset="0"/>
+              </a:rPr>
+              <a:t>Online sales shop</a:t>
             </a:r>
           </a:p>
           <a:p>
@@ -18948,7 +19091,7 @@
                 <a:ea typeface="Segoe UI" pitchFamily="34" charset="0"/>
                 <a:cs typeface="Segoe UI" pitchFamily="34" charset="0"/>
               </a:rPr>
-              <a:t>Role management on the website</a:t>
+              <a:t>Differentiation of accounts types : Students, CESI Staff and BDE members</a:t>
             </a:r>
             <a:endParaRPr lang="fr-FR" sz="2400" dirty="0">
               <a:latin typeface="Segoe UI" pitchFamily="34" charset="0"/>
@@ -18962,849 +19105,6 @@
     <p:extLst>
       <p:ext uri="{BB962C8B-B14F-4D97-AF65-F5344CB8AC3E}">
         <p14:creationId xmlns:p14="http://schemas.microsoft.com/office/powerpoint/2010/main" val="3661783290"/>
-      </p:ext>
-    </p:extLst>
-  </p:cSld>
-  <p:clrMapOvr>
-    <a:masterClrMapping/>
-  </p:clrMapOvr>
-  <mc:AlternateContent xmlns:mc="http://schemas.openxmlformats.org/markup-compatibility/2006" xmlns:p14="http://schemas.microsoft.com/office/powerpoint/2010/main">
-    <mc:Choice Requires="p14">
-      <p:transition spd="med" p14:dur="700">
-        <p:fade/>
-      </p:transition>
-    </mc:Choice>
-    <mc:Fallback xmlns="">
-      <p:transition spd="med">
-        <p:fade/>
-      </p:transition>
-    </mc:Fallback>
-  </mc:AlternateContent>
-  <p:timing>
-    <p:tnLst>
-      <p:par>
-        <p:cTn id="1" dur="indefinite" restart="never" nodeType="tmRoot">
-          <p:childTnLst>
-            <p:seq concurrent="1" nextAc="seek">
-              <p:cTn id="2" dur="indefinite" nodeType="mainSeq">
-                <p:childTnLst>
-                  <p:par>
-                    <p:cTn id="3" fill="hold">
-                      <p:stCondLst>
-                        <p:cond delay="indefinite"/>
-                      </p:stCondLst>
-                      <p:childTnLst>
-                        <p:par>
-                          <p:cTn id="4" fill="hold">
-                            <p:stCondLst>
-                              <p:cond delay="0"/>
-                            </p:stCondLst>
-                            <p:childTnLst>
-                              <p:par>
-                                <p:cTn id="5" presetID="10" presetClass="entr" presetSubtype="0" fill="hold" nodeType="clickEffect">
-                                  <p:stCondLst>
-                                    <p:cond delay="0"/>
-                                  </p:stCondLst>
-                                  <p:childTnLst>
-                                    <p:set>
-                                      <p:cBhvr>
-                                        <p:cTn id="6" dur="1" fill="hold">
-                                          <p:stCondLst>
-                                            <p:cond delay="0"/>
-                                          </p:stCondLst>
-                                        </p:cTn>
-                                        <p:tgtEl>
-                                          <p:spTgt spid="15">
-                                            <p:txEl>
-                                              <p:pRg st="0" end="0"/>
-                                            </p:txEl>
-                                          </p:spTgt>
-                                        </p:tgtEl>
-                                        <p:attrNameLst>
-                                          <p:attrName>style.visibility</p:attrName>
-                                        </p:attrNameLst>
-                                      </p:cBhvr>
-                                      <p:to>
-                                        <p:strVal val="visible"/>
-                                      </p:to>
-                                    </p:set>
-                                    <p:animEffect transition="in" filter="fade">
-                                      <p:cBhvr>
-                                        <p:cTn id="7" dur="500"/>
-                                        <p:tgtEl>
-                                          <p:spTgt spid="15">
-                                            <p:txEl>
-                                              <p:pRg st="0" end="0"/>
-                                            </p:txEl>
-                                          </p:spTgt>
-                                        </p:tgtEl>
-                                      </p:cBhvr>
-                                    </p:animEffect>
-                                  </p:childTnLst>
-                                </p:cTn>
-                              </p:par>
-                            </p:childTnLst>
-                          </p:cTn>
-                        </p:par>
-                      </p:childTnLst>
-                    </p:cTn>
-                  </p:par>
-                  <p:par>
-                    <p:cTn id="8" fill="hold">
-                      <p:stCondLst>
-                        <p:cond delay="indefinite"/>
-                      </p:stCondLst>
-                      <p:childTnLst>
-                        <p:par>
-                          <p:cTn id="9" fill="hold">
-                            <p:stCondLst>
-                              <p:cond delay="0"/>
-                            </p:stCondLst>
-                            <p:childTnLst>
-                              <p:par>
-                                <p:cTn id="10" presetID="10" presetClass="entr" presetSubtype="0" fill="hold" nodeType="clickEffect">
-                                  <p:stCondLst>
-                                    <p:cond delay="0"/>
-                                  </p:stCondLst>
-                                  <p:childTnLst>
-                                    <p:set>
-                                      <p:cBhvr>
-                                        <p:cTn id="11" dur="1" fill="hold">
-                                          <p:stCondLst>
-                                            <p:cond delay="0"/>
-                                          </p:stCondLst>
-                                        </p:cTn>
-                                        <p:tgtEl>
-                                          <p:spTgt spid="15">
-                                            <p:txEl>
-                                              <p:pRg st="2" end="2"/>
-                                            </p:txEl>
-                                          </p:spTgt>
-                                        </p:tgtEl>
-                                        <p:attrNameLst>
-                                          <p:attrName>style.visibility</p:attrName>
-                                        </p:attrNameLst>
-                                      </p:cBhvr>
-                                      <p:to>
-                                        <p:strVal val="visible"/>
-                                      </p:to>
-                                    </p:set>
-                                    <p:animEffect transition="in" filter="fade">
-                                      <p:cBhvr>
-                                        <p:cTn id="12" dur="500"/>
-                                        <p:tgtEl>
-                                          <p:spTgt spid="15">
-                                            <p:txEl>
-                                              <p:pRg st="2" end="2"/>
-                                            </p:txEl>
-                                          </p:spTgt>
-                                        </p:tgtEl>
-                                      </p:cBhvr>
-                                    </p:animEffect>
-                                  </p:childTnLst>
-                                </p:cTn>
-                              </p:par>
-                            </p:childTnLst>
-                          </p:cTn>
-                        </p:par>
-                      </p:childTnLst>
-                    </p:cTn>
-                  </p:par>
-                  <p:par>
-                    <p:cTn id="13" fill="hold">
-                      <p:stCondLst>
-                        <p:cond delay="indefinite"/>
-                      </p:stCondLst>
-                      <p:childTnLst>
-                        <p:par>
-                          <p:cTn id="14" fill="hold">
-                            <p:stCondLst>
-                              <p:cond delay="0"/>
-                            </p:stCondLst>
-                            <p:childTnLst>
-                              <p:par>
-                                <p:cTn id="15" presetID="10" presetClass="entr" presetSubtype="0" fill="hold" nodeType="clickEffect">
-                                  <p:stCondLst>
-                                    <p:cond delay="0"/>
-                                  </p:stCondLst>
-                                  <p:childTnLst>
-                                    <p:set>
-                                      <p:cBhvr>
-                                        <p:cTn id="16" dur="1" fill="hold">
-                                          <p:stCondLst>
-                                            <p:cond delay="0"/>
-                                          </p:stCondLst>
-                                        </p:cTn>
-                                        <p:tgtEl>
-                                          <p:spTgt spid="15">
-                                            <p:txEl>
-                                              <p:pRg st="4" end="4"/>
-                                            </p:txEl>
-                                          </p:spTgt>
-                                        </p:tgtEl>
-                                        <p:attrNameLst>
-                                          <p:attrName>style.visibility</p:attrName>
-                                        </p:attrNameLst>
-                                      </p:cBhvr>
-                                      <p:to>
-                                        <p:strVal val="visible"/>
-                                      </p:to>
-                                    </p:set>
-                                    <p:animEffect transition="in" filter="fade">
-                                      <p:cBhvr>
-                                        <p:cTn id="17" dur="500"/>
-                                        <p:tgtEl>
-                                          <p:spTgt spid="15">
-                                            <p:txEl>
-                                              <p:pRg st="4" end="4"/>
-                                            </p:txEl>
-                                          </p:spTgt>
-                                        </p:tgtEl>
-                                      </p:cBhvr>
-                                    </p:animEffect>
-                                  </p:childTnLst>
-                                </p:cTn>
-                              </p:par>
-                            </p:childTnLst>
-                          </p:cTn>
-                        </p:par>
-                      </p:childTnLst>
-                    </p:cTn>
-                  </p:par>
-                </p:childTnLst>
-              </p:cTn>
-              <p:prevCondLst>
-                <p:cond evt="onPrev" delay="0">
-                  <p:tgtEl>
-                    <p:sldTgt/>
-                  </p:tgtEl>
-                </p:cond>
-              </p:prevCondLst>
-              <p:nextCondLst>
-                <p:cond evt="onNext" delay="0">
-                  <p:tgtEl>
-                    <p:sldTgt/>
-                  </p:tgtEl>
-                </p:cond>
-              </p:nextCondLst>
-            </p:seq>
-          </p:childTnLst>
-        </p:cTn>
-      </p:par>
-    </p:tnLst>
-  </p:timing>
-</p:sld>
-</file>
-
-<file path=ppt/slides/slide5.xml><?xml version="1.0" encoding="utf-8"?>
-<p:sld xmlns:a="http://schemas.openxmlformats.org/drawingml/2006/main" xmlns:r="http://schemas.openxmlformats.org/officeDocument/2006/relationships" xmlns:p="http://schemas.openxmlformats.org/presentationml/2006/main">
-  <p:cSld>
-    <p:spTree>
-      <p:nvGrpSpPr>
-        <p:cNvPr id="1" name=""/>
-        <p:cNvGrpSpPr/>
-        <p:nvPr/>
-      </p:nvGrpSpPr>
-      <p:grpSpPr>
-        <a:xfrm>
-          <a:off x="0" y="0"/>
-          <a:ext cx="0" cy="0"/>
-          <a:chOff x="0" y="0"/>
-          <a:chExt cx="0" cy="0"/>
-        </a:xfrm>
-      </p:grpSpPr>
-      <p:sp>
-        <p:nvSpPr>
-          <p:cNvPr id="4" name="Rectangle 3"/>
-          <p:cNvSpPr/>
-          <p:nvPr/>
-        </p:nvSpPr>
-        <p:spPr>
-          <a:xfrm>
-            <a:off x="0" y="0"/>
-            <a:ext cx="9144000" cy="116632"/>
-          </a:xfrm>
-          <a:prstGeom prst="rect">
-            <a:avLst/>
-          </a:prstGeom>
-          <a:solidFill>
-            <a:srgbClr val="C00000"/>
-          </a:solidFill>
-          <a:ln>
-            <a:noFill/>
-          </a:ln>
-        </p:spPr>
-        <p:style>
-          <a:lnRef idx="2">
-            <a:schemeClr val="accent1">
-              <a:shade val="50000"/>
-            </a:schemeClr>
-          </a:lnRef>
-          <a:fillRef idx="1">
-            <a:schemeClr val="accent1"/>
-          </a:fillRef>
-          <a:effectRef idx="0">
-            <a:schemeClr val="accent1"/>
-          </a:effectRef>
-          <a:fontRef idx="minor">
-            <a:schemeClr val="lt1"/>
-          </a:fontRef>
-        </p:style>
-        <p:txBody>
-          <a:bodyPr rtlCol="0" anchor="ctr"/>
-          <a:lstStyle/>
-          <a:p>
-            <a:pPr algn="ctr"/>
-            <a:endParaRPr lang="fr-FR"/>
-          </a:p>
-        </p:txBody>
-      </p:sp>
-      <p:sp>
-        <p:nvSpPr>
-          <p:cNvPr id="5" name="ZoneTexte 4"/>
-          <p:cNvSpPr txBox="1"/>
-          <p:nvPr/>
-        </p:nvSpPr>
-        <p:spPr>
-          <a:xfrm>
-            <a:off x="0" y="116632"/>
-            <a:ext cx="2123728" cy="369332"/>
-          </a:xfrm>
-          <a:prstGeom prst="rect">
-            <a:avLst/>
-          </a:prstGeom>
-          <a:solidFill>
-            <a:srgbClr val="C00000"/>
-          </a:solidFill>
-        </p:spPr>
-        <p:txBody>
-          <a:bodyPr wrap="square" rtlCol="0">
-            <a:spAutoFit/>
-          </a:bodyPr>
-          <a:lstStyle/>
-          <a:p>
-            <a:r>
-              <a:rPr lang="fr-FR" dirty="0">
-                <a:solidFill>
-                  <a:schemeClr val="bg1"/>
-                </a:solidFill>
-                <a:latin typeface="Segoe UI Semibold" pitchFamily="34" charset="0"/>
-                <a:ea typeface="Segoe UI" pitchFamily="34" charset="0"/>
-                <a:cs typeface="Segoe UI" pitchFamily="34" charset="0"/>
-              </a:rPr>
-              <a:t> Introduction</a:t>
-            </a:r>
-          </a:p>
-        </p:txBody>
-      </p:sp>
-      <p:sp>
-        <p:nvSpPr>
-          <p:cNvPr id="6" name="ZoneTexte 5"/>
-          <p:cNvSpPr txBox="1"/>
-          <p:nvPr/>
-        </p:nvSpPr>
-        <p:spPr>
-          <a:xfrm>
-            <a:off x="2376264" y="116632"/>
-            <a:ext cx="2123728" cy="369332"/>
-          </a:xfrm>
-          <a:prstGeom prst="rect">
-            <a:avLst/>
-          </a:prstGeom>
-          <a:noFill/>
-        </p:spPr>
-        <p:txBody>
-          <a:bodyPr wrap="square" rtlCol="0">
-            <a:spAutoFit/>
-          </a:bodyPr>
-          <a:lstStyle/>
-          <a:p>
-            <a:r>
-              <a:rPr lang="fr-FR" dirty="0">
-                <a:solidFill>
-                  <a:schemeClr val="bg1">
-                    <a:lumMod val="50000"/>
-                  </a:schemeClr>
-                </a:solidFill>
-                <a:latin typeface="Segoe UI Semibold" pitchFamily="34" charset="0"/>
-              </a:rPr>
-              <a:t> Conception</a:t>
-            </a:r>
-          </a:p>
-        </p:txBody>
-      </p:sp>
-      <p:sp>
-        <p:nvSpPr>
-          <p:cNvPr id="7" name="ZoneTexte 6"/>
-          <p:cNvSpPr txBox="1"/>
-          <p:nvPr/>
-        </p:nvSpPr>
-        <p:spPr>
-          <a:xfrm>
-            <a:off x="4752528" y="116632"/>
-            <a:ext cx="2123728" cy="369332"/>
-          </a:xfrm>
-          <a:prstGeom prst="rect">
-            <a:avLst/>
-          </a:prstGeom>
-          <a:noFill/>
-        </p:spPr>
-        <p:txBody>
-          <a:bodyPr wrap="square" rtlCol="0">
-            <a:spAutoFit/>
-          </a:bodyPr>
-          <a:lstStyle/>
-          <a:p>
-            <a:r>
-              <a:rPr lang="fr-FR" dirty="0">
-                <a:solidFill>
-                  <a:schemeClr val="bg1">
-                    <a:lumMod val="50000"/>
-                  </a:schemeClr>
-                </a:solidFill>
-                <a:latin typeface="Segoe UI Semibold" pitchFamily="34" charset="0"/>
-              </a:rPr>
-              <a:t> </a:t>
-            </a:r>
-            <a:r>
-              <a:rPr lang="en-GB" dirty="0">
-                <a:solidFill>
-                  <a:schemeClr val="bg1">
-                    <a:lumMod val="50000"/>
-                  </a:schemeClr>
-                </a:solidFill>
-                <a:latin typeface="Segoe UI Semibold" panose="020B0702040204020203" pitchFamily="34" charset="0"/>
-                <a:cs typeface="Segoe UI Semibold" panose="020B0702040204020203" pitchFamily="34" charset="0"/>
-              </a:rPr>
-              <a:t>Production</a:t>
-            </a:r>
-            <a:endParaRPr lang="fr-FR" dirty="0">
-              <a:solidFill>
-                <a:schemeClr val="bg1">
-                  <a:lumMod val="50000"/>
-                </a:schemeClr>
-              </a:solidFill>
-              <a:latin typeface="Segoe UI Semibold" pitchFamily="34" charset="0"/>
-            </a:endParaRPr>
-          </a:p>
-        </p:txBody>
-      </p:sp>
-      <p:sp>
-        <p:nvSpPr>
-          <p:cNvPr id="8" name="ZoneTexte 7"/>
-          <p:cNvSpPr txBox="1"/>
-          <p:nvPr/>
-        </p:nvSpPr>
-        <p:spPr>
-          <a:xfrm>
-            <a:off x="6984776" y="113130"/>
-            <a:ext cx="2123728" cy="369332"/>
-          </a:xfrm>
-          <a:prstGeom prst="rect">
-            <a:avLst/>
-          </a:prstGeom>
-          <a:noFill/>
-        </p:spPr>
-        <p:txBody>
-          <a:bodyPr wrap="square" rtlCol="0">
-            <a:spAutoFit/>
-          </a:bodyPr>
-          <a:lstStyle/>
-          <a:p>
-            <a:r>
-              <a:rPr lang="fr-FR" dirty="0">
-                <a:solidFill>
-                  <a:schemeClr val="bg1">
-                    <a:lumMod val="50000"/>
-                  </a:schemeClr>
-                </a:solidFill>
-                <a:latin typeface="Segoe UI Semibold" panose="020B0702040204020203" pitchFamily="34" charset="0"/>
-                <a:cs typeface="Segoe UI Semibold" panose="020B0702040204020203" pitchFamily="34" charset="0"/>
-              </a:rPr>
-              <a:t> </a:t>
-            </a:r>
-            <a:r>
-              <a:rPr lang="en-GB" dirty="0">
-                <a:solidFill>
-                  <a:schemeClr val="bg1">
-                    <a:lumMod val="50000"/>
-                  </a:schemeClr>
-                </a:solidFill>
-                <a:latin typeface="Segoe UI Semibold" panose="020B0702040204020203" pitchFamily="34" charset="0"/>
-                <a:cs typeface="Segoe UI Semibold" panose="020B0702040204020203" pitchFamily="34" charset="0"/>
-              </a:rPr>
-              <a:t>Synthesis</a:t>
-            </a:r>
-            <a:endParaRPr lang="fr-FR" dirty="0">
-              <a:solidFill>
-                <a:schemeClr val="bg1">
-                  <a:lumMod val="50000"/>
-                </a:schemeClr>
-              </a:solidFill>
-              <a:latin typeface="Segoe UI Semibold" panose="020B0702040204020203" pitchFamily="34" charset="0"/>
-              <a:cs typeface="Segoe UI Semibold" panose="020B0702040204020203" pitchFamily="34" charset="0"/>
-            </a:endParaRPr>
-          </a:p>
-        </p:txBody>
-      </p:sp>
-      <p:pic>
-        <p:nvPicPr>
-          <p:cNvPr id="9" name="Picture 2" descr="C:\Users\REMICARLES\Documents\Dossier Partagé\EXIA A2\PROJET Systèmes &amp; Réseaux (18 - 27 janvier 2012)\metro icons\perso - big\white\arrow.png"/>
-          <p:cNvPicPr>
-            <a:picLocks noChangeAspect="1" noChangeArrowheads="1"/>
-          </p:cNvPicPr>
-          <p:nvPr/>
-        </p:nvPicPr>
-        <p:blipFill>
-          <a:blip r:embed="rId3" cstate="print">
-            <a:extLst>
-              <a:ext uri="{28A0092B-C50C-407E-A947-70E740481C1C}">
-                <a14:useLocalDpi xmlns:a14="http://schemas.microsoft.com/office/drawing/2010/main" val="0"/>
-              </a:ext>
-            </a:extLst>
-          </a:blip>
-          <a:srcRect/>
-          <a:stretch>
-            <a:fillRect/>
-          </a:stretch>
-        </p:blipFill>
-        <p:spPr bwMode="auto">
-          <a:xfrm>
-            <a:off x="1641359" y="178463"/>
-            <a:ext cx="266345" cy="266345"/>
-          </a:xfrm>
-          <a:prstGeom prst="rect">
-            <a:avLst/>
-          </a:prstGeom>
-          <a:noFill/>
-          <a:extLst>
-            <a:ext uri="{909E8E84-426E-40DD-AFC4-6F175D3DCCD1}">
-              <a14:hiddenFill xmlns:a14="http://schemas.microsoft.com/office/drawing/2010/main">
-                <a:solidFill>
-                  <a:srgbClr val="FFFFFF"/>
-                </a:solidFill>
-              </a14:hiddenFill>
-            </a:ext>
-          </a:extLst>
-        </p:spPr>
-      </p:pic>
-      <p:pic>
-        <p:nvPicPr>
-          <p:cNvPr id="10" name="Picture 3" descr="C:\Users\REMICARLES\Documents\Dossier Partagé\EXIA A2\PROJET Systèmes &amp; Réseaux (18 - 27 janvier 2012)\metro icons\perso - big\white\diagram.png"/>
-          <p:cNvPicPr>
-            <a:picLocks noChangeAspect="1" noChangeArrowheads="1"/>
-          </p:cNvPicPr>
-          <p:nvPr/>
-        </p:nvPicPr>
-        <p:blipFill>
-          <a:blip r:embed="rId4" cstate="print">
-            <a:extLst>
-              <a:ext uri="{BEBA8EAE-BF5A-486C-A8C5-ECC9F3942E4B}">
-                <a14:imgProps xmlns:a14="http://schemas.microsoft.com/office/drawing/2010/main">
-                  <a14:imgLayer r:embed="rId5">
-                    <a14:imgEffect>
-                      <a14:brightnessContrast bright="-40000" contrast="-40000"/>
-                    </a14:imgEffect>
-                  </a14:imgLayer>
-                </a14:imgProps>
-              </a:ext>
-              <a:ext uri="{28A0092B-C50C-407E-A947-70E740481C1C}">
-                <a14:useLocalDpi xmlns:a14="http://schemas.microsoft.com/office/drawing/2010/main" val="0"/>
-              </a:ext>
-            </a:extLst>
-          </a:blip>
-          <a:srcRect/>
-          <a:stretch>
-            <a:fillRect/>
-          </a:stretch>
-        </p:blipFill>
-        <p:spPr bwMode="auto">
-          <a:xfrm>
-            <a:off x="3873552" y="188640"/>
-            <a:ext cx="266400" cy="266400"/>
-          </a:xfrm>
-          <a:prstGeom prst="rect">
-            <a:avLst/>
-          </a:prstGeom>
-          <a:noFill/>
-          <a:extLst>
-            <a:ext uri="{909E8E84-426E-40DD-AFC4-6F175D3DCCD1}">
-              <a14:hiddenFill xmlns:a14="http://schemas.microsoft.com/office/drawing/2010/main">
-                <a:solidFill>
-                  <a:srgbClr val="FFFFFF"/>
-                </a:solidFill>
-              </a14:hiddenFill>
-            </a:ext>
-          </a:extLst>
-        </p:spPr>
-      </p:pic>
-      <p:pic>
-        <p:nvPicPr>
-          <p:cNvPr id="11" name="Picture 4" descr="C:\Users\REMICARLES\Documents\Dossier Partagé\EXIA A2\PROJET Systèmes &amp; Réseaux (18 - 27 janvier 2012)\metro icons\perso - big\white\parameters.png"/>
-          <p:cNvPicPr>
-            <a:picLocks noChangeAspect="1" noChangeArrowheads="1"/>
-          </p:cNvPicPr>
-          <p:nvPr/>
-        </p:nvPicPr>
-        <p:blipFill>
-          <a:blip r:embed="rId6" cstate="print">
-            <a:extLst>
-              <a:ext uri="{BEBA8EAE-BF5A-486C-A8C5-ECC9F3942E4B}">
-                <a14:imgProps xmlns:a14="http://schemas.microsoft.com/office/drawing/2010/main">
-                  <a14:imgLayer r:embed="rId7">
-                    <a14:imgEffect>
-                      <a14:brightnessContrast bright="-40000"/>
-                    </a14:imgEffect>
-                  </a14:imgLayer>
-                </a14:imgProps>
-              </a:ext>
-              <a:ext uri="{28A0092B-C50C-407E-A947-70E740481C1C}">
-                <a14:useLocalDpi xmlns:a14="http://schemas.microsoft.com/office/drawing/2010/main" val="0"/>
-              </a:ext>
-            </a:extLst>
-          </a:blip>
-          <a:srcRect/>
-          <a:stretch>
-            <a:fillRect/>
-          </a:stretch>
-        </p:blipFill>
-        <p:spPr bwMode="auto">
-          <a:xfrm>
-            <a:off x="6228184" y="188640"/>
-            <a:ext cx="266400" cy="266400"/>
-          </a:xfrm>
-          <a:prstGeom prst="rect">
-            <a:avLst/>
-          </a:prstGeom>
-          <a:noFill/>
-          <a:extLst>
-            <a:ext uri="{909E8E84-426E-40DD-AFC4-6F175D3DCCD1}">
-              <a14:hiddenFill xmlns:a14="http://schemas.microsoft.com/office/drawing/2010/main">
-                <a:solidFill>
-                  <a:srgbClr val="FFFFFF"/>
-                </a:solidFill>
-              </a14:hiddenFill>
-            </a:ext>
-          </a:extLst>
-        </p:spPr>
-      </p:pic>
-      <p:pic>
-        <p:nvPicPr>
-          <p:cNvPr id="12" name="Picture 5" descr="C:\Users\REMICARLES\Documents\Dossier Partagé\EXIA A2\PROJET Systèmes &amp; Réseaux (18 - 27 janvier 2012)\metro icons\perso - big\white\hub.png"/>
-          <p:cNvPicPr>
-            <a:picLocks noChangeAspect="1" noChangeArrowheads="1"/>
-          </p:cNvPicPr>
-          <p:nvPr/>
-        </p:nvPicPr>
-        <p:blipFill>
-          <a:blip r:embed="rId8" cstate="print">
-            <a:extLst>
-              <a:ext uri="{BEBA8EAE-BF5A-486C-A8C5-ECC9F3942E4B}">
-                <a14:imgProps xmlns:a14="http://schemas.microsoft.com/office/drawing/2010/main">
-                  <a14:imgLayer r:embed="rId9">
-                    <a14:imgEffect>
-                      <a14:brightnessContrast bright="-40000"/>
-                    </a14:imgEffect>
-                  </a14:imgLayer>
-                </a14:imgProps>
-              </a:ext>
-              <a:ext uri="{28A0092B-C50C-407E-A947-70E740481C1C}">
-                <a14:useLocalDpi xmlns:a14="http://schemas.microsoft.com/office/drawing/2010/main" val="0"/>
-              </a:ext>
-            </a:extLst>
-          </a:blip>
-          <a:srcRect/>
-          <a:stretch>
-            <a:fillRect/>
-          </a:stretch>
-        </p:blipFill>
-        <p:spPr bwMode="auto">
-          <a:xfrm>
-            <a:off x="8316416" y="188640"/>
-            <a:ext cx="266400" cy="266400"/>
-          </a:xfrm>
-          <a:prstGeom prst="rect">
-            <a:avLst/>
-          </a:prstGeom>
-          <a:noFill/>
-          <a:extLst>
-            <a:ext uri="{909E8E84-426E-40DD-AFC4-6F175D3DCCD1}">
-              <a14:hiddenFill xmlns:a14="http://schemas.microsoft.com/office/drawing/2010/main">
-                <a:solidFill>
-                  <a:srgbClr val="FFFFFF"/>
-                </a:solidFill>
-              </a14:hiddenFill>
-            </a:ext>
-          </a:extLst>
-        </p:spPr>
-      </p:pic>
-      <p:sp>
-        <p:nvSpPr>
-          <p:cNvPr id="15" name="ZoneTexte 14"/>
-          <p:cNvSpPr txBox="1"/>
-          <p:nvPr/>
-        </p:nvSpPr>
-        <p:spPr>
-          <a:xfrm>
-            <a:off x="1115617" y="764704"/>
-            <a:ext cx="7200800" cy="3093476"/>
-          </a:xfrm>
-          <a:prstGeom prst="rect">
-            <a:avLst/>
-          </a:prstGeom>
-          <a:noFill/>
-        </p:spPr>
-        <p:txBody>
-          <a:bodyPr wrap="square" rtlCol="0">
-            <a:spAutoFit/>
-          </a:bodyPr>
-          <a:lstStyle/>
-          <a:p>
-            <a:pPr>
-              <a:lnSpc>
-                <a:spcPct val="150000"/>
-              </a:lnSpc>
-            </a:pPr>
-            <a:r>
-              <a:rPr lang="fr-FR" sz="4000" dirty="0" err="1">
-                <a:latin typeface="Century Gothic" panose="020B0502020202020204" pitchFamily="34" charset="0"/>
-                <a:ea typeface="Segoe UI" pitchFamily="34" charset="0"/>
-                <a:cs typeface="Segoe UI" pitchFamily="34" charset="0"/>
-              </a:rPr>
-              <a:t>Context</a:t>
-            </a:r>
-            <a:r>
-              <a:rPr lang="fr-FR" sz="4000" dirty="0">
-                <a:latin typeface="Century Gothic" panose="020B0502020202020204" pitchFamily="34" charset="0"/>
-                <a:ea typeface="Segoe UI" pitchFamily="34" charset="0"/>
-                <a:cs typeface="Segoe UI" pitchFamily="34" charset="0"/>
-              </a:rPr>
-              <a:t> of the project</a:t>
-            </a:r>
-            <a:r>
-              <a:rPr lang="en-GB" sz="4000" dirty="0">
-                <a:latin typeface="Century Gothic" panose="020B0502020202020204" pitchFamily="34" charset="0"/>
-                <a:ea typeface="Segoe UI" pitchFamily="34" charset="0"/>
-                <a:cs typeface="Segoe UI" pitchFamily="34" charset="0"/>
-              </a:rPr>
-              <a:t>:</a:t>
-            </a:r>
-          </a:p>
-          <a:p>
-            <a:pPr>
-              <a:lnSpc>
-                <a:spcPct val="150000"/>
-              </a:lnSpc>
-            </a:pPr>
-            <a:endParaRPr lang="en-GB" sz="2800" dirty="0">
-              <a:latin typeface="Century Gothic" panose="020B0502020202020204" pitchFamily="34" charset="0"/>
-              <a:ea typeface="Segoe UI" pitchFamily="34" charset="0"/>
-              <a:cs typeface="Segoe UI" pitchFamily="34" charset="0"/>
-            </a:endParaRPr>
-          </a:p>
-          <a:p>
-            <a:pPr marL="457200" indent="-457200">
-              <a:lnSpc>
-                <a:spcPct val="150000"/>
-              </a:lnSpc>
-              <a:buFont typeface="Wingdings" pitchFamily="2" charset="2"/>
-              <a:buChar char="§"/>
-            </a:pPr>
-            <a:r>
-              <a:rPr lang="en-US" sz="1600" dirty="0">
-                <a:latin typeface="Segoe UI" pitchFamily="34" charset="0"/>
-                <a:ea typeface="Segoe UI" pitchFamily="34" charset="0"/>
-                <a:cs typeface="Segoe UI" pitchFamily="34" charset="0"/>
-              </a:rPr>
-              <a:t>Create a website for CESI’s BDE</a:t>
-            </a:r>
-            <a:r>
-              <a:rPr lang="fr-FR" sz="1600" dirty="0">
-                <a:latin typeface="Segoe UI" pitchFamily="34" charset="0"/>
-                <a:ea typeface="Segoe UI" pitchFamily="34" charset="0"/>
-                <a:cs typeface="Segoe UI" pitchFamily="34" charset="0"/>
-              </a:rPr>
-              <a:t>.</a:t>
-            </a:r>
-          </a:p>
-          <a:p>
-            <a:pPr marL="457200" indent="-457200">
-              <a:lnSpc>
-                <a:spcPct val="150000"/>
-              </a:lnSpc>
-              <a:buFont typeface="Wingdings" pitchFamily="2" charset="2"/>
-              <a:buChar char="§"/>
-            </a:pPr>
-            <a:r>
-              <a:rPr lang="en-US" sz="1600" dirty="0">
-                <a:latin typeface="Segoe UI" pitchFamily="34" charset="0"/>
-                <a:ea typeface="Segoe UI" pitchFamily="34" charset="0"/>
-                <a:cs typeface="Segoe UI" pitchFamily="34" charset="0"/>
-              </a:rPr>
-              <a:t>Manage event promotion and an online sales shop</a:t>
-            </a:r>
-            <a:r>
-              <a:rPr lang="fr-FR" sz="1600" dirty="0">
-                <a:latin typeface="Segoe UI" pitchFamily="34" charset="0"/>
-                <a:ea typeface="Segoe UI" pitchFamily="34" charset="0"/>
-                <a:cs typeface="Segoe UI" pitchFamily="34" charset="0"/>
-              </a:rPr>
-              <a:t>.</a:t>
-            </a:r>
-          </a:p>
-          <a:p>
-            <a:pPr marL="457200" indent="-457200">
-              <a:lnSpc>
-                <a:spcPct val="150000"/>
-              </a:lnSpc>
-              <a:buFont typeface="Wingdings" pitchFamily="2" charset="2"/>
-              <a:buChar char="§"/>
-            </a:pPr>
-            <a:r>
-              <a:rPr lang="en-US" sz="1600" dirty="0">
-                <a:latin typeface="Segoe UI" pitchFamily="34" charset="0"/>
-                <a:ea typeface="Segoe UI" pitchFamily="34" charset="0"/>
-                <a:cs typeface="Segoe UI" pitchFamily="34" charset="0"/>
-              </a:rPr>
-              <a:t>Create separated roles for students, employees and BDE members</a:t>
-            </a:r>
-            <a:r>
-              <a:rPr lang="fr-FR" sz="1600" dirty="0">
-                <a:latin typeface="Segoe UI" pitchFamily="34" charset="0"/>
-                <a:ea typeface="Segoe UI" pitchFamily="34" charset="0"/>
-                <a:cs typeface="Segoe UI" pitchFamily="34" charset="0"/>
-              </a:rPr>
-              <a:t>.</a:t>
-            </a:r>
-          </a:p>
-          <a:p>
-            <a:pPr marL="457200" indent="-457200">
-              <a:lnSpc>
-                <a:spcPct val="150000"/>
-              </a:lnSpc>
-              <a:buFont typeface="Wingdings" pitchFamily="2" charset="2"/>
-              <a:buChar char="§"/>
-            </a:pPr>
-            <a:r>
-              <a:rPr lang="en-US" sz="1600" dirty="0">
-                <a:latin typeface="Segoe UI" pitchFamily="34" charset="0"/>
-                <a:ea typeface="Segoe UI" pitchFamily="34" charset="0"/>
-                <a:cs typeface="Segoe UI" pitchFamily="34" charset="0"/>
-              </a:rPr>
-              <a:t>That each role has positivity of actions.</a:t>
-            </a:r>
-            <a:endParaRPr lang="fr-FR" sz="1600" dirty="0">
-              <a:latin typeface="Segoe UI" pitchFamily="34" charset="0"/>
-              <a:ea typeface="Segoe UI" pitchFamily="34" charset="0"/>
-              <a:cs typeface="Segoe UI" pitchFamily="34" charset="0"/>
-            </a:endParaRPr>
-          </a:p>
-        </p:txBody>
-      </p:sp>
-    </p:spTree>
-    <p:extLst>
-      <p:ext uri="{BB962C8B-B14F-4D97-AF65-F5344CB8AC3E}">
-        <p14:creationId xmlns:p14="http://schemas.microsoft.com/office/powerpoint/2010/main" val="3942385561"/>
       </p:ext>
     </p:extLst>
   </p:cSld>
@@ -20103,6 +19403,900 @@
                                         <p:tgtEl>
                                           <p:spTgt spid="15">
                                             <p:txEl>
+                                              <p:pRg st="6" end="6"/>
+                                            </p:txEl>
+                                          </p:spTgt>
+                                        </p:tgtEl>
+                                        <p:attrNameLst>
+                                          <p:attrName>style.visibility</p:attrName>
+                                        </p:attrNameLst>
+                                      </p:cBhvr>
+                                      <p:to>
+                                        <p:strVal val="visible"/>
+                                      </p:to>
+                                    </p:set>
+                                    <p:animEffect transition="in" filter="fade">
+                                      <p:cBhvr>
+                                        <p:cTn id="27" dur="500"/>
+                                        <p:tgtEl>
+                                          <p:spTgt spid="15">
+                                            <p:txEl>
+                                              <p:pRg st="6" end="6"/>
+                                            </p:txEl>
+                                          </p:spTgt>
+                                        </p:tgtEl>
+                                      </p:cBhvr>
+                                    </p:animEffect>
+                                  </p:childTnLst>
+                                </p:cTn>
+                              </p:par>
+                            </p:childTnLst>
+                          </p:cTn>
+                        </p:par>
+                      </p:childTnLst>
+                    </p:cTn>
+                  </p:par>
+                </p:childTnLst>
+              </p:cTn>
+              <p:prevCondLst>
+                <p:cond evt="onPrev" delay="0">
+                  <p:tgtEl>
+                    <p:sldTgt/>
+                  </p:tgtEl>
+                </p:cond>
+              </p:prevCondLst>
+              <p:nextCondLst>
+                <p:cond evt="onNext" delay="0">
+                  <p:tgtEl>
+                    <p:sldTgt/>
+                  </p:tgtEl>
+                </p:cond>
+              </p:nextCondLst>
+            </p:seq>
+          </p:childTnLst>
+        </p:cTn>
+      </p:par>
+    </p:tnLst>
+  </p:timing>
+</p:sld>
+</file>
+
+<file path=ppt/slides/slide5.xml><?xml version="1.0" encoding="utf-8"?>
+<p:sld xmlns:a="http://schemas.openxmlformats.org/drawingml/2006/main" xmlns:r="http://schemas.openxmlformats.org/officeDocument/2006/relationships" xmlns:p="http://schemas.openxmlformats.org/presentationml/2006/main">
+  <p:cSld>
+    <p:spTree>
+      <p:nvGrpSpPr>
+        <p:cNvPr id="1" name=""/>
+        <p:cNvGrpSpPr/>
+        <p:nvPr/>
+      </p:nvGrpSpPr>
+      <p:grpSpPr>
+        <a:xfrm>
+          <a:off x="0" y="0"/>
+          <a:ext cx="0" cy="0"/>
+          <a:chOff x="0" y="0"/>
+          <a:chExt cx="0" cy="0"/>
+        </a:xfrm>
+      </p:grpSpPr>
+      <p:sp>
+        <p:nvSpPr>
+          <p:cNvPr id="4" name="Rectangle 3"/>
+          <p:cNvSpPr/>
+          <p:nvPr/>
+        </p:nvSpPr>
+        <p:spPr>
+          <a:xfrm>
+            <a:off x="0" y="0"/>
+            <a:ext cx="9144000" cy="116632"/>
+          </a:xfrm>
+          <a:prstGeom prst="rect">
+            <a:avLst/>
+          </a:prstGeom>
+          <a:solidFill>
+            <a:srgbClr val="C00000"/>
+          </a:solidFill>
+          <a:ln>
+            <a:noFill/>
+          </a:ln>
+        </p:spPr>
+        <p:style>
+          <a:lnRef idx="2">
+            <a:schemeClr val="accent1">
+              <a:shade val="50000"/>
+            </a:schemeClr>
+          </a:lnRef>
+          <a:fillRef idx="1">
+            <a:schemeClr val="accent1"/>
+          </a:fillRef>
+          <a:effectRef idx="0">
+            <a:schemeClr val="accent1"/>
+          </a:effectRef>
+          <a:fontRef idx="minor">
+            <a:schemeClr val="lt1"/>
+          </a:fontRef>
+        </p:style>
+        <p:txBody>
+          <a:bodyPr rtlCol="0" anchor="ctr"/>
+          <a:lstStyle/>
+          <a:p>
+            <a:pPr algn="ctr"/>
+            <a:endParaRPr lang="fr-FR"/>
+          </a:p>
+        </p:txBody>
+      </p:sp>
+      <p:sp>
+        <p:nvSpPr>
+          <p:cNvPr id="5" name="ZoneTexte 4"/>
+          <p:cNvSpPr txBox="1"/>
+          <p:nvPr/>
+        </p:nvSpPr>
+        <p:spPr>
+          <a:xfrm>
+            <a:off x="0" y="116632"/>
+            <a:ext cx="2123728" cy="369332"/>
+          </a:xfrm>
+          <a:prstGeom prst="rect">
+            <a:avLst/>
+          </a:prstGeom>
+          <a:solidFill>
+            <a:srgbClr val="C00000"/>
+          </a:solidFill>
+        </p:spPr>
+        <p:txBody>
+          <a:bodyPr wrap="square" rtlCol="0">
+            <a:spAutoFit/>
+          </a:bodyPr>
+          <a:lstStyle/>
+          <a:p>
+            <a:r>
+              <a:rPr lang="fr-FR" dirty="0">
+                <a:solidFill>
+                  <a:schemeClr val="bg1"/>
+                </a:solidFill>
+                <a:latin typeface="Segoe UI Semibold" pitchFamily="34" charset="0"/>
+                <a:ea typeface="Segoe UI" pitchFamily="34" charset="0"/>
+                <a:cs typeface="Segoe UI" pitchFamily="34" charset="0"/>
+              </a:rPr>
+              <a:t> Introduction</a:t>
+            </a:r>
+          </a:p>
+        </p:txBody>
+      </p:sp>
+      <p:sp>
+        <p:nvSpPr>
+          <p:cNvPr id="6" name="ZoneTexte 5"/>
+          <p:cNvSpPr txBox="1"/>
+          <p:nvPr/>
+        </p:nvSpPr>
+        <p:spPr>
+          <a:xfrm>
+            <a:off x="2376264" y="116632"/>
+            <a:ext cx="2123728" cy="369332"/>
+          </a:xfrm>
+          <a:prstGeom prst="rect">
+            <a:avLst/>
+          </a:prstGeom>
+          <a:noFill/>
+        </p:spPr>
+        <p:txBody>
+          <a:bodyPr wrap="square" rtlCol="0">
+            <a:spAutoFit/>
+          </a:bodyPr>
+          <a:lstStyle/>
+          <a:p>
+            <a:r>
+              <a:rPr lang="fr-FR" dirty="0">
+                <a:solidFill>
+                  <a:schemeClr val="bg1">
+                    <a:lumMod val="50000"/>
+                  </a:schemeClr>
+                </a:solidFill>
+                <a:latin typeface="Segoe UI Semibold" pitchFamily="34" charset="0"/>
+              </a:rPr>
+              <a:t> Conception</a:t>
+            </a:r>
+          </a:p>
+        </p:txBody>
+      </p:sp>
+      <p:sp>
+        <p:nvSpPr>
+          <p:cNvPr id="7" name="ZoneTexte 6"/>
+          <p:cNvSpPr txBox="1"/>
+          <p:nvPr/>
+        </p:nvSpPr>
+        <p:spPr>
+          <a:xfrm>
+            <a:off x="4752528" y="116632"/>
+            <a:ext cx="2123728" cy="369332"/>
+          </a:xfrm>
+          <a:prstGeom prst="rect">
+            <a:avLst/>
+          </a:prstGeom>
+          <a:noFill/>
+        </p:spPr>
+        <p:txBody>
+          <a:bodyPr wrap="square" rtlCol="0">
+            <a:spAutoFit/>
+          </a:bodyPr>
+          <a:lstStyle/>
+          <a:p>
+            <a:r>
+              <a:rPr lang="fr-FR" dirty="0">
+                <a:solidFill>
+                  <a:schemeClr val="bg1">
+                    <a:lumMod val="50000"/>
+                  </a:schemeClr>
+                </a:solidFill>
+                <a:latin typeface="Segoe UI Semibold" pitchFamily="34" charset="0"/>
+              </a:rPr>
+              <a:t> </a:t>
+            </a:r>
+            <a:r>
+              <a:rPr lang="en-GB" dirty="0">
+                <a:solidFill>
+                  <a:schemeClr val="bg1">
+                    <a:lumMod val="50000"/>
+                  </a:schemeClr>
+                </a:solidFill>
+                <a:latin typeface="Segoe UI Semibold" panose="020B0702040204020203" pitchFamily="34" charset="0"/>
+                <a:cs typeface="Segoe UI Semibold" panose="020B0702040204020203" pitchFamily="34" charset="0"/>
+              </a:rPr>
+              <a:t>Production</a:t>
+            </a:r>
+            <a:endParaRPr lang="fr-FR" dirty="0">
+              <a:solidFill>
+                <a:schemeClr val="bg1">
+                  <a:lumMod val="50000"/>
+                </a:schemeClr>
+              </a:solidFill>
+              <a:latin typeface="Segoe UI Semibold" pitchFamily="34" charset="0"/>
+            </a:endParaRPr>
+          </a:p>
+        </p:txBody>
+      </p:sp>
+      <p:sp>
+        <p:nvSpPr>
+          <p:cNvPr id="8" name="ZoneTexte 7"/>
+          <p:cNvSpPr txBox="1"/>
+          <p:nvPr/>
+        </p:nvSpPr>
+        <p:spPr>
+          <a:xfrm>
+            <a:off x="6984776" y="113130"/>
+            <a:ext cx="2123728" cy="369332"/>
+          </a:xfrm>
+          <a:prstGeom prst="rect">
+            <a:avLst/>
+          </a:prstGeom>
+          <a:noFill/>
+        </p:spPr>
+        <p:txBody>
+          <a:bodyPr wrap="square" rtlCol="0">
+            <a:spAutoFit/>
+          </a:bodyPr>
+          <a:lstStyle/>
+          <a:p>
+            <a:r>
+              <a:rPr lang="fr-FR" dirty="0">
+                <a:solidFill>
+                  <a:schemeClr val="bg1">
+                    <a:lumMod val="50000"/>
+                  </a:schemeClr>
+                </a:solidFill>
+                <a:latin typeface="Segoe UI Semibold" panose="020B0702040204020203" pitchFamily="34" charset="0"/>
+                <a:cs typeface="Segoe UI Semibold" panose="020B0702040204020203" pitchFamily="34" charset="0"/>
+              </a:rPr>
+              <a:t> </a:t>
+            </a:r>
+            <a:r>
+              <a:rPr lang="en-GB" dirty="0">
+                <a:solidFill>
+                  <a:schemeClr val="bg1">
+                    <a:lumMod val="50000"/>
+                  </a:schemeClr>
+                </a:solidFill>
+                <a:latin typeface="Segoe UI Semibold" panose="020B0702040204020203" pitchFamily="34" charset="0"/>
+                <a:cs typeface="Segoe UI Semibold" panose="020B0702040204020203" pitchFamily="34" charset="0"/>
+              </a:rPr>
+              <a:t>Synthesis</a:t>
+            </a:r>
+            <a:endParaRPr lang="fr-FR" dirty="0">
+              <a:solidFill>
+                <a:schemeClr val="bg1">
+                  <a:lumMod val="50000"/>
+                </a:schemeClr>
+              </a:solidFill>
+              <a:latin typeface="Segoe UI Semibold" panose="020B0702040204020203" pitchFamily="34" charset="0"/>
+              <a:cs typeface="Segoe UI Semibold" panose="020B0702040204020203" pitchFamily="34" charset="0"/>
+            </a:endParaRPr>
+          </a:p>
+        </p:txBody>
+      </p:sp>
+      <p:pic>
+        <p:nvPicPr>
+          <p:cNvPr id="9" name="Picture 2" descr="C:\Users\REMICARLES\Documents\Dossier Partagé\EXIA A2\PROJET Systèmes &amp; Réseaux (18 - 27 janvier 2012)\metro icons\perso - big\white\arrow.png"/>
+          <p:cNvPicPr>
+            <a:picLocks noChangeAspect="1" noChangeArrowheads="1"/>
+          </p:cNvPicPr>
+          <p:nvPr/>
+        </p:nvPicPr>
+        <p:blipFill>
+          <a:blip r:embed="rId3" cstate="print">
+            <a:extLst>
+              <a:ext uri="{28A0092B-C50C-407E-A947-70E740481C1C}">
+                <a14:useLocalDpi xmlns:a14="http://schemas.microsoft.com/office/drawing/2010/main" val="0"/>
+              </a:ext>
+            </a:extLst>
+          </a:blip>
+          <a:srcRect/>
+          <a:stretch>
+            <a:fillRect/>
+          </a:stretch>
+        </p:blipFill>
+        <p:spPr bwMode="auto">
+          <a:xfrm>
+            <a:off x="1641359" y="178463"/>
+            <a:ext cx="266345" cy="266345"/>
+          </a:xfrm>
+          <a:prstGeom prst="rect">
+            <a:avLst/>
+          </a:prstGeom>
+          <a:noFill/>
+          <a:extLst>
+            <a:ext uri="{909E8E84-426E-40DD-AFC4-6F175D3DCCD1}">
+              <a14:hiddenFill xmlns:a14="http://schemas.microsoft.com/office/drawing/2010/main">
+                <a:solidFill>
+                  <a:srgbClr val="FFFFFF"/>
+                </a:solidFill>
+              </a14:hiddenFill>
+            </a:ext>
+          </a:extLst>
+        </p:spPr>
+      </p:pic>
+      <p:pic>
+        <p:nvPicPr>
+          <p:cNvPr id="10" name="Picture 3" descr="C:\Users\REMICARLES\Documents\Dossier Partagé\EXIA A2\PROJET Systèmes &amp; Réseaux (18 - 27 janvier 2012)\metro icons\perso - big\white\diagram.png"/>
+          <p:cNvPicPr>
+            <a:picLocks noChangeAspect="1" noChangeArrowheads="1"/>
+          </p:cNvPicPr>
+          <p:nvPr/>
+        </p:nvPicPr>
+        <p:blipFill>
+          <a:blip r:embed="rId4" cstate="print">
+            <a:extLst>
+              <a:ext uri="{BEBA8EAE-BF5A-486C-A8C5-ECC9F3942E4B}">
+                <a14:imgProps xmlns:a14="http://schemas.microsoft.com/office/drawing/2010/main">
+                  <a14:imgLayer r:embed="rId5">
+                    <a14:imgEffect>
+                      <a14:brightnessContrast bright="-40000" contrast="-40000"/>
+                    </a14:imgEffect>
+                  </a14:imgLayer>
+                </a14:imgProps>
+              </a:ext>
+              <a:ext uri="{28A0092B-C50C-407E-A947-70E740481C1C}">
+                <a14:useLocalDpi xmlns:a14="http://schemas.microsoft.com/office/drawing/2010/main" val="0"/>
+              </a:ext>
+            </a:extLst>
+          </a:blip>
+          <a:srcRect/>
+          <a:stretch>
+            <a:fillRect/>
+          </a:stretch>
+        </p:blipFill>
+        <p:spPr bwMode="auto">
+          <a:xfrm>
+            <a:off x="3873552" y="188640"/>
+            <a:ext cx="266400" cy="266400"/>
+          </a:xfrm>
+          <a:prstGeom prst="rect">
+            <a:avLst/>
+          </a:prstGeom>
+          <a:noFill/>
+          <a:extLst>
+            <a:ext uri="{909E8E84-426E-40DD-AFC4-6F175D3DCCD1}">
+              <a14:hiddenFill xmlns:a14="http://schemas.microsoft.com/office/drawing/2010/main">
+                <a:solidFill>
+                  <a:srgbClr val="FFFFFF"/>
+                </a:solidFill>
+              </a14:hiddenFill>
+            </a:ext>
+          </a:extLst>
+        </p:spPr>
+      </p:pic>
+      <p:pic>
+        <p:nvPicPr>
+          <p:cNvPr id="11" name="Picture 4" descr="C:\Users\REMICARLES\Documents\Dossier Partagé\EXIA A2\PROJET Systèmes &amp; Réseaux (18 - 27 janvier 2012)\metro icons\perso - big\white\parameters.png"/>
+          <p:cNvPicPr>
+            <a:picLocks noChangeAspect="1" noChangeArrowheads="1"/>
+          </p:cNvPicPr>
+          <p:nvPr/>
+        </p:nvPicPr>
+        <p:blipFill>
+          <a:blip r:embed="rId6" cstate="print">
+            <a:extLst>
+              <a:ext uri="{BEBA8EAE-BF5A-486C-A8C5-ECC9F3942E4B}">
+                <a14:imgProps xmlns:a14="http://schemas.microsoft.com/office/drawing/2010/main">
+                  <a14:imgLayer r:embed="rId7">
+                    <a14:imgEffect>
+                      <a14:brightnessContrast bright="-40000"/>
+                    </a14:imgEffect>
+                  </a14:imgLayer>
+                </a14:imgProps>
+              </a:ext>
+              <a:ext uri="{28A0092B-C50C-407E-A947-70E740481C1C}">
+                <a14:useLocalDpi xmlns:a14="http://schemas.microsoft.com/office/drawing/2010/main" val="0"/>
+              </a:ext>
+            </a:extLst>
+          </a:blip>
+          <a:srcRect/>
+          <a:stretch>
+            <a:fillRect/>
+          </a:stretch>
+        </p:blipFill>
+        <p:spPr bwMode="auto">
+          <a:xfrm>
+            <a:off x="6228184" y="188640"/>
+            <a:ext cx="266400" cy="266400"/>
+          </a:xfrm>
+          <a:prstGeom prst="rect">
+            <a:avLst/>
+          </a:prstGeom>
+          <a:noFill/>
+          <a:extLst>
+            <a:ext uri="{909E8E84-426E-40DD-AFC4-6F175D3DCCD1}">
+              <a14:hiddenFill xmlns:a14="http://schemas.microsoft.com/office/drawing/2010/main">
+                <a:solidFill>
+                  <a:srgbClr val="FFFFFF"/>
+                </a:solidFill>
+              </a14:hiddenFill>
+            </a:ext>
+          </a:extLst>
+        </p:spPr>
+      </p:pic>
+      <p:pic>
+        <p:nvPicPr>
+          <p:cNvPr id="12" name="Picture 5" descr="C:\Users\REMICARLES\Documents\Dossier Partagé\EXIA A2\PROJET Systèmes &amp; Réseaux (18 - 27 janvier 2012)\metro icons\perso - big\white\hub.png"/>
+          <p:cNvPicPr>
+            <a:picLocks noChangeAspect="1" noChangeArrowheads="1"/>
+          </p:cNvPicPr>
+          <p:nvPr/>
+        </p:nvPicPr>
+        <p:blipFill>
+          <a:blip r:embed="rId8" cstate="print">
+            <a:extLst>
+              <a:ext uri="{BEBA8EAE-BF5A-486C-A8C5-ECC9F3942E4B}">
+                <a14:imgProps xmlns:a14="http://schemas.microsoft.com/office/drawing/2010/main">
+                  <a14:imgLayer r:embed="rId9">
+                    <a14:imgEffect>
+                      <a14:brightnessContrast bright="-40000"/>
+                    </a14:imgEffect>
+                  </a14:imgLayer>
+                </a14:imgProps>
+              </a:ext>
+              <a:ext uri="{28A0092B-C50C-407E-A947-70E740481C1C}">
+                <a14:useLocalDpi xmlns:a14="http://schemas.microsoft.com/office/drawing/2010/main" val="0"/>
+              </a:ext>
+            </a:extLst>
+          </a:blip>
+          <a:srcRect/>
+          <a:stretch>
+            <a:fillRect/>
+          </a:stretch>
+        </p:blipFill>
+        <p:spPr bwMode="auto">
+          <a:xfrm>
+            <a:off x="8316416" y="188640"/>
+            <a:ext cx="266400" cy="266400"/>
+          </a:xfrm>
+          <a:prstGeom prst="rect">
+            <a:avLst/>
+          </a:prstGeom>
+          <a:noFill/>
+          <a:extLst>
+            <a:ext uri="{909E8E84-426E-40DD-AFC4-6F175D3DCCD1}">
+              <a14:hiddenFill xmlns:a14="http://schemas.microsoft.com/office/drawing/2010/main">
+                <a:solidFill>
+                  <a:srgbClr val="FFFFFF"/>
+                </a:solidFill>
+              </a14:hiddenFill>
+            </a:ext>
+          </a:extLst>
+        </p:spPr>
+      </p:pic>
+      <p:sp>
+        <p:nvSpPr>
+          <p:cNvPr id="15" name="ZoneTexte 14"/>
+          <p:cNvSpPr txBox="1"/>
+          <p:nvPr/>
+        </p:nvSpPr>
+        <p:spPr>
+          <a:xfrm>
+            <a:off x="1115617" y="764704"/>
+            <a:ext cx="7200800" cy="3739806"/>
+          </a:xfrm>
+          <a:prstGeom prst="rect">
+            <a:avLst/>
+          </a:prstGeom>
+          <a:noFill/>
+        </p:spPr>
+        <p:txBody>
+          <a:bodyPr wrap="square" rtlCol="0">
+            <a:spAutoFit/>
+          </a:bodyPr>
+          <a:lstStyle/>
+          <a:p>
+            <a:pPr>
+              <a:lnSpc>
+                <a:spcPct val="150000"/>
+              </a:lnSpc>
+            </a:pPr>
+            <a:r>
+              <a:rPr lang="fr-FR" sz="4000" dirty="0" err="1">
+                <a:latin typeface="Century Gothic" panose="020B0502020202020204" pitchFamily="34" charset="0"/>
+                <a:ea typeface="Segoe UI" pitchFamily="34" charset="0"/>
+                <a:cs typeface="Segoe UI" pitchFamily="34" charset="0"/>
+              </a:rPr>
+              <a:t>Context</a:t>
+            </a:r>
+            <a:r>
+              <a:rPr lang="fr-FR" sz="4000" dirty="0">
+                <a:latin typeface="Century Gothic" panose="020B0502020202020204" pitchFamily="34" charset="0"/>
+                <a:ea typeface="Segoe UI" pitchFamily="34" charset="0"/>
+                <a:cs typeface="Segoe UI" pitchFamily="34" charset="0"/>
+              </a:rPr>
+              <a:t> of the project</a:t>
+            </a:r>
+            <a:r>
+              <a:rPr lang="en-GB" sz="4000" dirty="0">
+                <a:latin typeface="Century Gothic" panose="020B0502020202020204" pitchFamily="34" charset="0"/>
+                <a:ea typeface="Segoe UI" pitchFamily="34" charset="0"/>
+                <a:cs typeface="Segoe UI" pitchFamily="34" charset="0"/>
+              </a:rPr>
+              <a:t>:</a:t>
+            </a:r>
+          </a:p>
+          <a:p>
+            <a:pPr>
+              <a:lnSpc>
+                <a:spcPct val="150000"/>
+              </a:lnSpc>
+            </a:pPr>
+            <a:endParaRPr lang="en-GB" sz="2800" dirty="0">
+              <a:latin typeface="Century Gothic" panose="020B0502020202020204" pitchFamily="34" charset="0"/>
+              <a:ea typeface="Segoe UI" pitchFamily="34" charset="0"/>
+              <a:cs typeface="Segoe UI" pitchFamily="34" charset="0"/>
+            </a:endParaRPr>
+          </a:p>
+          <a:p>
+            <a:pPr>
+              <a:lnSpc>
+                <a:spcPct val="150000"/>
+              </a:lnSpc>
+            </a:pPr>
+            <a:endParaRPr lang="en-GB" sz="2800" dirty="0">
+              <a:latin typeface="Century Gothic" panose="020B0502020202020204" pitchFamily="34" charset="0"/>
+              <a:ea typeface="Segoe UI" pitchFamily="34" charset="0"/>
+              <a:cs typeface="Segoe UI" pitchFamily="34" charset="0"/>
+            </a:endParaRPr>
+          </a:p>
+          <a:p>
+            <a:pPr marL="457200" indent="-457200">
+              <a:lnSpc>
+                <a:spcPct val="150000"/>
+              </a:lnSpc>
+              <a:buFont typeface="Wingdings" pitchFamily="2" charset="2"/>
+              <a:buChar char="§"/>
+            </a:pPr>
+            <a:r>
+              <a:rPr lang="en-US" sz="1600" dirty="0">
+                <a:latin typeface="Segoe UI" pitchFamily="34" charset="0"/>
+                <a:ea typeface="Segoe UI" pitchFamily="34" charset="0"/>
+                <a:cs typeface="Segoe UI" pitchFamily="34" charset="0"/>
+              </a:rPr>
+              <a:t>Create a website for CESI’s BDE</a:t>
+            </a:r>
+            <a:r>
+              <a:rPr lang="fr-FR" sz="1600" dirty="0">
+                <a:latin typeface="Segoe UI" pitchFamily="34" charset="0"/>
+                <a:ea typeface="Segoe UI" pitchFamily="34" charset="0"/>
+                <a:cs typeface="Segoe UI" pitchFamily="34" charset="0"/>
+              </a:rPr>
+              <a:t>.</a:t>
+            </a:r>
+          </a:p>
+          <a:p>
+            <a:pPr marL="457200" indent="-457200">
+              <a:lnSpc>
+                <a:spcPct val="150000"/>
+              </a:lnSpc>
+              <a:buFont typeface="Wingdings" pitchFamily="2" charset="2"/>
+              <a:buChar char="§"/>
+            </a:pPr>
+            <a:r>
+              <a:rPr lang="en-US" sz="1600" dirty="0">
+                <a:latin typeface="Segoe UI" pitchFamily="34" charset="0"/>
+                <a:ea typeface="Segoe UI" pitchFamily="34" charset="0"/>
+                <a:cs typeface="Segoe UI" pitchFamily="34" charset="0"/>
+              </a:rPr>
+              <a:t>Manage events promotion and an online sales shop</a:t>
+            </a:r>
+            <a:r>
+              <a:rPr lang="fr-FR" sz="1600" dirty="0">
+                <a:latin typeface="Segoe UI" pitchFamily="34" charset="0"/>
+                <a:ea typeface="Segoe UI" pitchFamily="34" charset="0"/>
+                <a:cs typeface="Segoe UI" pitchFamily="34" charset="0"/>
+              </a:rPr>
+              <a:t>.</a:t>
+            </a:r>
+          </a:p>
+          <a:p>
+            <a:pPr marL="457200" indent="-457200">
+              <a:lnSpc>
+                <a:spcPct val="150000"/>
+              </a:lnSpc>
+              <a:buFont typeface="Wingdings" pitchFamily="2" charset="2"/>
+              <a:buChar char="§"/>
+            </a:pPr>
+            <a:r>
+              <a:rPr lang="en-US" sz="1600" dirty="0">
+                <a:latin typeface="Segoe UI" pitchFamily="34" charset="0"/>
+                <a:ea typeface="Segoe UI" pitchFamily="34" charset="0"/>
+                <a:cs typeface="Segoe UI" pitchFamily="34" charset="0"/>
+              </a:rPr>
+              <a:t>Create separated roles for students, employees and BDE members</a:t>
+            </a:r>
+            <a:r>
+              <a:rPr lang="en-GB" sz="1600" dirty="0">
+                <a:latin typeface="Segoe UI" pitchFamily="34" charset="0"/>
+                <a:ea typeface="Segoe UI" pitchFamily="34" charset="0"/>
+                <a:cs typeface="Segoe UI" pitchFamily="34" charset="0"/>
+              </a:rPr>
+              <a:t> with different accesses and rights</a:t>
+            </a:r>
+          </a:p>
+        </p:txBody>
+      </p:sp>
+    </p:spTree>
+    <p:extLst>
+      <p:ext uri="{BB962C8B-B14F-4D97-AF65-F5344CB8AC3E}">
+        <p14:creationId xmlns:p14="http://schemas.microsoft.com/office/powerpoint/2010/main" val="3942385561"/>
+      </p:ext>
+    </p:extLst>
+  </p:cSld>
+  <p:clrMapOvr>
+    <a:masterClrMapping/>
+  </p:clrMapOvr>
+  <mc:AlternateContent xmlns:mc="http://schemas.openxmlformats.org/markup-compatibility/2006" xmlns:p14="http://schemas.microsoft.com/office/powerpoint/2010/main">
+    <mc:Choice Requires="p14">
+      <p:transition spd="med" p14:dur="700">
+        <p:fade/>
+      </p:transition>
+    </mc:Choice>
+    <mc:Fallback xmlns="">
+      <p:transition spd="med">
+        <p:fade/>
+      </p:transition>
+    </mc:Fallback>
+  </mc:AlternateContent>
+  <p:timing>
+    <p:tnLst>
+      <p:par>
+        <p:cTn id="1" dur="indefinite" restart="never" nodeType="tmRoot">
+          <p:childTnLst>
+            <p:seq concurrent="1" nextAc="seek">
+              <p:cTn id="2" dur="indefinite" nodeType="mainSeq">
+                <p:childTnLst>
+                  <p:par>
+                    <p:cTn id="3" fill="hold">
+                      <p:stCondLst>
+                        <p:cond delay="indefinite"/>
+                      </p:stCondLst>
+                      <p:childTnLst>
+                        <p:par>
+                          <p:cTn id="4" fill="hold">
+                            <p:stCondLst>
+                              <p:cond delay="0"/>
+                            </p:stCondLst>
+                            <p:childTnLst>
+                              <p:par>
+                                <p:cTn id="5" presetID="10" presetClass="entr" presetSubtype="0" fill="hold" nodeType="clickEffect">
+                                  <p:stCondLst>
+                                    <p:cond delay="0"/>
+                                  </p:stCondLst>
+                                  <p:childTnLst>
+                                    <p:set>
+                                      <p:cBhvr>
+                                        <p:cTn id="6" dur="1" fill="hold">
+                                          <p:stCondLst>
+                                            <p:cond delay="0"/>
+                                          </p:stCondLst>
+                                        </p:cTn>
+                                        <p:tgtEl>
+                                          <p:spTgt spid="15">
+                                            <p:txEl>
+                                              <p:pRg st="0" end="0"/>
+                                            </p:txEl>
+                                          </p:spTgt>
+                                        </p:tgtEl>
+                                        <p:attrNameLst>
+                                          <p:attrName>style.visibility</p:attrName>
+                                        </p:attrNameLst>
+                                      </p:cBhvr>
+                                      <p:to>
+                                        <p:strVal val="visible"/>
+                                      </p:to>
+                                    </p:set>
+                                    <p:animEffect transition="in" filter="fade">
+                                      <p:cBhvr>
+                                        <p:cTn id="7" dur="500"/>
+                                        <p:tgtEl>
+                                          <p:spTgt spid="15">
+                                            <p:txEl>
+                                              <p:pRg st="0" end="0"/>
+                                            </p:txEl>
+                                          </p:spTgt>
+                                        </p:tgtEl>
+                                      </p:cBhvr>
+                                    </p:animEffect>
+                                  </p:childTnLst>
+                                </p:cTn>
+                              </p:par>
+                            </p:childTnLst>
+                          </p:cTn>
+                        </p:par>
+                      </p:childTnLst>
+                    </p:cTn>
+                  </p:par>
+                  <p:par>
+                    <p:cTn id="8" fill="hold">
+                      <p:stCondLst>
+                        <p:cond delay="indefinite"/>
+                      </p:stCondLst>
+                      <p:childTnLst>
+                        <p:par>
+                          <p:cTn id="9" fill="hold">
+                            <p:stCondLst>
+                              <p:cond delay="0"/>
+                            </p:stCondLst>
+                            <p:childTnLst>
+                              <p:par>
+                                <p:cTn id="10" presetID="10" presetClass="entr" presetSubtype="0" fill="hold" nodeType="clickEffect">
+                                  <p:stCondLst>
+                                    <p:cond delay="0"/>
+                                  </p:stCondLst>
+                                  <p:childTnLst>
+                                    <p:set>
+                                      <p:cBhvr>
+                                        <p:cTn id="11" dur="1" fill="hold">
+                                          <p:stCondLst>
+                                            <p:cond delay="0"/>
+                                          </p:stCondLst>
+                                        </p:cTn>
+                                        <p:tgtEl>
+                                          <p:spTgt spid="15">
+                                            <p:txEl>
+                                              <p:pRg st="3" end="3"/>
+                                            </p:txEl>
+                                          </p:spTgt>
+                                        </p:tgtEl>
+                                        <p:attrNameLst>
+                                          <p:attrName>style.visibility</p:attrName>
+                                        </p:attrNameLst>
+                                      </p:cBhvr>
+                                      <p:to>
+                                        <p:strVal val="visible"/>
+                                      </p:to>
+                                    </p:set>
+                                    <p:animEffect transition="in" filter="fade">
+                                      <p:cBhvr>
+                                        <p:cTn id="12" dur="500"/>
+                                        <p:tgtEl>
+                                          <p:spTgt spid="15">
+                                            <p:txEl>
+                                              <p:pRg st="3" end="3"/>
+                                            </p:txEl>
+                                          </p:spTgt>
+                                        </p:tgtEl>
+                                      </p:cBhvr>
+                                    </p:animEffect>
+                                  </p:childTnLst>
+                                </p:cTn>
+                              </p:par>
+                            </p:childTnLst>
+                          </p:cTn>
+                        </p:par>
+                      </p:childTnLst>
+                    </p:cTn>
+                  </p:par>
+                  <p:par>
+                    <p:cTn id="13" fill="hold">
+                      <p:stCondLst>
+                        <p:cond delay="indefinite"/>
+                      </p:stCondLst>
+                      <p:childTnLst>
+                        <p:par>
+                          <p:cTn id="14" fill="hold">
+                            <p:stCondLst>
+                              <p:cond delay="0"/>
+                            </p:stCondLst>
+                            <p:childTnLst>
+                              <p:par>
+                                <p:cTn id="15" presetID="10" presetClass="entr" presetSubtype="0" fill="hold" nodeType="clickEffect">
+                                  <p:stCondLst>
+                                    <p:cond delay="0"/>
+                                  </p:stCondLst>
+                                  <p:childTnLst>
+                                    <p:set>
+                                      <p:cBhvr>
+                                        <p:cTn id="16" dur="1" fill="hold">
+                                          <p:stCondLst>
+                                            <p:cond delay="0"/>
+                                          </p:stCondLst>
+                                        </p:cTn>
+                                        <p:tgtEl>
+                                          <p:spTgt spid="15">
+                                            <p:txEl>
+                                              <p:pRg st="4" end="4"/>
+                                            </p:txEl>
+                                          </p:spTgt>
+                                        </p:tgtEl>
+                                        <p:attrNameLst>
+                                          <p:attrName>style.visibility</p:attrName>
+                                        </p:attrNameLst>
+                                      </p:cBhvr>
+                                      <p:to>
+                                        <p:strVal val="visible"/>
+                                      </p:to>
+                                    </p:set>
+                                    <p:animEffect transition="in" filter="fade">
+                                      <p:cBhvr>
+                                        <p:cTn id="17" dur="500"/>
+                                        <p:tgtEl>
+                                          <p:spTgt spid="15">
+                                            <p:txEl>
+                                              <p:pRg st="4" end="4"/>
+                                            </p:txEl>
+                                          </p:spTgt>
+                                        </p:tgtEl>
+                                      </p:cBhvr>
+                                    </p:animEffect>
+                                  </p:childTnLst>
+                                </p:cTn>
+                              </p:par>
+                            </p:childTnLst>
+                          </p:cTn>
+                        </p:par>
+                      </p:childTnLst>
+                    </p:cTn>
+                  </p:par>
+                  <p:par>
+                    <p:cTn id="18" fill="hold">
+                      <p:stCondLst>
+                        <p:cond delay="indefinite"/>
+                      </p:stCondLst>
+                      <p:childTnLst>
+                        <p:par>
+                          <p:cTn id="19" fill="hold">
+                            <p:stCondLst>
+                              <p:cond delay="0"/>
+                            </p:stCondLst>
+                            <p:childTnLst>
+                              <p:par>
+                                <p:cTn id="20" presetID="10" presetClass="entr" presetSubtype="0" fill="hold" nodeType="clickEffect">
+                                  <p:stCondLst>
+                                    <p:cond delay="0"/>
+                                  </p:stCondLst>
+                                  <p:childTnLst>
+                                    <p:set>
+                                      <p:cBhvr>
+                                        <p:cTn id="21" dur="1" fill="hold">
+                                          <p:stCondLst>
+                                            <p:cond delay="0"/>
+                                          </p:stCondLst>
+                                        </p:cTn>
+                                        <p:tgtEl>
+                                          <p:spTgt spid="15">
+                                            <p:txEl>
                                               <p:pRg st="5" end="5"/>
                                             </p:txEl>
                                           </p:spTgt>
@@ -20117,7 +20311,7 @@
                                     </p:set>
                                     <p:animEffect transition="in" filter="fade">
                                       <p:cBhvr>
-                                        <p:cTn id="27" dur="500"/>
+                                        <p:cTn id="22" dur="500"/>
                                         <p:tgtEl>
                                           <p:spTgt spid="15">
                                             <p:txEl>

--- a/Livrables/Diapo_Projet_Web.pptx
+++ b/Livrables/Diapo_Projet_Web.pptx
@@ -5,27 +5,25 @@
     <p:sldMasterId id="2147483696" r:id="rId1"/>
   </p:sldMasterIdLst>
   <p:notesMasterIdLst>
-    <p:notesMasterId r:id="rId20"/>
+    <p:notesMasterId r:id="rId18"/>
   </p:notesMasterIdLst>
   <p:sldIdLst>
     <p:sldId id="256" r:id="rId2"/>
     <p:sldId id="257" r:id="rId3"/>
     <p:sldId id="324" r:id="rId4"/>
     <p:sldId id="260" r:id="rId5"/>
-    <p:sldId id="321" r:id="rId6"/>
-    <p:sldId id="261" r:id="rId7"/>
-    <p:sldId id="323" r:id="rId8"/>
-    <p:sldId id="263" r:id="rId9"/>
-    <p:sldId id="325" r:id="rId10"/>
-    <p:sldId id="291" r:id="rId11"/>
-    <p:sldId id="338" r:id="rId12"/>
-    <p:sldId id="330" r:id="rId13"/>
-    <p:sldId id="326" r:id="rId14"/>
-    <p:sldId id="299" r:id="rId15"/>
-    <p:sldId id="327" r:id="rId16"/>
-    <p:sldId id="278" r:id="rId17"/>
-    <p:sldId id="279" r:id="rId18"/>
-    <p:sldId id="328" r:id="rId19"/>
+    <p:sldId id="261" r:id="rId6"/>
+    <p:sldId id="323" r:id="rId7"/>
+    <p:sldId id="263" r:id="rId8"/>
+    <p:sldId id="325" r:id="rId9"/>
+    <p:sldId id="291" r:id="rId10"/>
+    <p:sldId id="338" r:id="rId11"/>
+    <p:sldId id="330" r:id="rId12"/>
+    <p:sldId id="326" r:id="rId13"/>
+    <p:sldId id="299" r:id="rId14"/>
+    <p:sldId id="327" r:id="rId15"/>
+    <p:sldId id="279" r:id="rId16"/>
+    <p:sldId id="328" r:id="rId17"/>
   </p:sldIdLst>
   <p:sldSz cx="9144000" cy="6858000" type="screen4x3"/>
   <p:notesSz cx="6858000" cy="9144000"/>
@@ -5229,7 +5227,7 @@
           <a:p>
             <a:fld id="{B822595C-B4CE-48B9-8059-2C40167B1D91}" type="slidenum">
               <a:rPr lang="fr-FR" smtClean="0"/>
-              <a:t>5</a:t>
+              <a:t>9</a:t>
             </a:fld>
             <a:endParaRPr lang="fr-FR"/>
           </a:p>
@@ -5238,7 +5236,7 @@
     </p:spTree>
     <p:extLst>
       <p:ext uri="{BB962C8B-B14F-4D97-AF65-F5344CB8AC3E}">
-        <p14:creationId xmlns:p14="http://schemas.microsoft.com/office/powerpoint/2010/main" val="3504260046"/>
+        <p14:creationId xmlns:p14="http://schemas.microsoft.com/office/powerpoint/2010/main" val="2883288252"/>
       </p:ext>
     </p:extLst>
   </p:cSld>
@@ -5322,7 +5320,7 @@
     </p:spTree>
     <p:extLst>
       <p:ext uri="{BB962C8B-B14F-4D97-AF65-F5344CB8AC3E}">
-        <p14:creationId xmlns:p14="http://schemas.microsoft.com/office/powerpoint/2010/main" val="2883288252"/>
+        <p14:creationId xmlns:p14="http://schemas.microsoft.com/office/powerpoint/2010/main" val="3158505642"/>
       </p:ext>
     </p:extLst>
   </p:cSld>
@@ -5406,7 +5404,7 @@
     </p:spTree>
     <p:extLst>
       <p:ext uri="{BB962C8B-B14F-4D97-AF65-F5344CB8AC3E}">
-        <p14:creationId xmlns:p14="http://schemas.microsoft.com/office/powerpoint/2010/main" val="3158505642"/>
+        <p14:creationId xmlns:p14="http://schemas.microsoft.com/office/powerpoint/2010/main" val="4074990628"/>
       </p:ext>
     </p:extLst>
   </p:cSld>
@@ -5481,7 +5479,7 @@
           <a:p>
             <a:fld id="{B822595C-B4CE-48B9-8059-2C40167B1D91}" type="slidenum">
               <a:rPr lang="fr-FR" smtClean="0"/>
-              <a:t>12</a:t>
+              <a:t>13</a:t>
             </a:fld>
             <a:endParaRPr lang="fr-FR"/>
           </a:p>
@@ -5490,7 +5488,7 @@
     </p:spTree>
     <p:extLst>
       <p:ext uri="{BB962C8B-B14F-4D97-AF65-F5344CB8AC3E}">
-        <p14:creationId xmlns:p14="http://schemas.microsoft.com/office/powerpoint/2010/main" val="4074990628"/>
+        <p14:creationId xmlns:p14="http://schemas.microsoft.com/office/powerpoint/2010/main" val="3174705946"/>
       </p:ext>
     </p:extLst>
   </p:cSld>
@@ -5544,6 +5542,83 @@
           <a:bodyPr/>
           <a:lstStyle/>
           <a:p>
+            <a:pPr marL="457200" indent="-457200">
+              <a:lnSpc>
+                <a:spcPct val="150000"/>
+              </a:lnSpc>
+              <a:buFont typeface="Wingdings" pitchFamily="2" charset="2"/>
+              <a:buChar char="§"/>
+            </a:pPr>
+            <a:r>
+              <a:rPr lang="en-GB" sz="1200" dirty="0">
+                <a:latin typeface="Segoe UI" pitchFamily="34" charset="0"/>
+                <a:ea typeface="Segoe UI" pitchFamily="34" charset="0"/>
+                <a:cs typeface="Segoe UI" pitchFamily="34" charset="0"/>
+              </a:rPr>
+              <a:t>We realized the importance of conception</a:t>
+            </a:r>
+          </a:p>
+          <a:p>
+            <a:pPr>
+              <a:lnSpc>
+                <a:spcPct val="150000"/>
+              </a:lnSpc>
+            </a:pPr>
+            <a:endParaRPr lang="en-GB" sz="1200" dirty="0">
+              <a:latin typeface="Segoe UI" pitchFamily="34" charset="0"/>
+              <a:ea typeface="Segoe UI" pitchFamily="34" charset="0"/>
+              <a:cs typeface="Segoe UI" pitchFamily="34" charset="0"/>
+            </a:endParaRPr>
+          </a:p>
+          <a:p>
+            <a:pPr marL="457200" indent="-457200">
+              <a:lnSpc>
+                <a:spcPct val="150000"/>
+              </a:lnSpc>
+              <a:buFont typeface="Wingdings" pitchFamily="2" charset="2"/>
+              <a:buChar char="§"/>
+            </a:pPr>
+            <a:r>
+              <a:rPr lang="en-GB" sz="1200" dirty="0">
+                <a:latin typeface="Segoe UI" pitchFamily="34" charset="0"/>
+                <a:ea typeface="Segoe UI" pitchFamily="34" charset="0"/>
+                <a:cs typeface="Segoe UI" pitchFamily="34" charset="0"/>
+              </a:rPr>
+              <a:t>We learned to use imbricated different languages on a single project</a:t>
+            </a:r>
+          </a:p>
+          <a:p>
+            <a:pPr marL="457200" indent="-457200">
+              <a:lnSpc>
+                <a:spcPct val="150000"/>
+              </a:lnSpc>
+              <a:buFont typeface="Wingdings" pitchFamily="2" charset="2"/>
+              <a:buChar char="§"/>
+            </a:pPr>
+            <a:endParaRPr lang="en-GB" sz="1200" dirty="0">
+              <a:latin typeface="Segoe UI" pitchFamily="34" charset="0"/>
+              <a:ea typeface="Segoe UI" pitchFamily="34" charset="0"/>
+              <a:cs typeface="Segoe UI" pitchFamily="34" charset="0"/>
+            </a:endParaRPr>
+          </a:p>
+          <a:p>
+            <a:pPr marL="457200" indent="-457200">
+              <a:lnSpc>
+                <a:spcPct val="150000"/>
+              </a:lnSpc>
+              <a:buFont typeface="Wingdings" pitchFamily="2" charset="2"/>
+              <a:buChar char="§"/>
+            </a:pPr>
+            <a:r>
+              <a:rPr lang="en-GB" sz="1200" dirty="0">
+                <a:latin typeface="Segoe UI" pitchFamily="34" charset="0"/>
+                <a:ea typeface="Segoe UI" pitchFamily="34" charset="0"/>
+                <a:cs typeface="Segoe UI" pitchFamily="34" charset="0"/>
+              </a:rPr>
+              <a:t>We trained ourselves to parallelize the work of everyone</a:t>
+            </a:r>
+          </a:p>
+          <a:p>
             <a:endParaRPr lang="fr-FR" dirty="0"/>
           </a:p>
         </p:txBody>
@@ -5565,252 +5640,7 @@
           <a:p>
             <a:fld id="{B822595C-B4CE-48B9-8059-2C40167B1D91}" type="slidenum">
               <a:rPr lang="fr-FR" smtClean="0"/>
-              <a:t>14</a:t>
-            </a:fld>
-            <a:endParaRPr lang="fr-FR"/>
-          </a:p>
-        </p:txBody>
-      </p:sp>
-    </p:spTree>
-    <p:extLst>
-      <p:ext uri="{BB962C8B-B14F-4D97-AF65-F5344CB8AC3E}">
-        <p14:creationId xmlns:p14="http://schemas.microsoft.com/office/powerpoint/2010/main" val="3174705946"/>
-      </p:ext>
-    </p:extLst>
-  </p:cSld>
-  <p:clrMapOvr>
-    <a:masterClrMapping/>
-  </p:clrMapOvr>
-</p:notes>
-</file>
-
-<file path=ppt/notesSlides/notesSlide8.xml><?xml version="1.0" encoding="utf-8"?>
-<p:notes xmlns:a="http://schemas.openxmlformats.org/drawingml/2006/main" xmlns:r="http://schemas.openxmlformats.org/officeDocument/2006/relationships" xmlns:p="http://schemas.openxmlformats.org/presentationml/2006/main">
-  <p:cSld>
-    <p:spTree>
-      <p:nvGrpSpPr>
-        <p:cNvPr id="1" name=""/>
-        <p:cNvGrpSpPr/>
-        <p:nvPr/>
-      </p:nvGrpSpPr>
-      <p:grpSpPr>
-        <a:xfrm>
-          <a:off x="0" y="0"/>
-          <a:ext cx="0" cy="0"/>
-          <a:chOff x="0" y="0"/>
-          <a:chExt cx="0" cy="0"/>
-        </a:xfrm>
-      </p:grpSpPr>
-      <p:sp>
-        <p:nvSpPr>
-          <p:cNvPr id="2" name="Espace réservé de l'image des diapositives 1"/>
-          <p:cNvSpPr>
-            <a:spLocks noGrp="1" noRot="1" noChangeAspect="1"/>
-          </p:cNvSpPr>
-          <p:nvPr>
-            <p:ph type="sldImg"/>
-          </p:nvPr>
-        </p:nvSpPr>
-        <p:spPr/>
-      </p:sp>
-      <p:sp>
-        <p:nvSpPr>
-          <p:cNvPr id="3" name="Espace réservé des notes 2"/>
-          <p:cNvSpPr>
-            <a:spLocks noGrp="1"/>
-          </p:cNvSpPr>
-          <p:nvPr>
-            <p:ph type="body" idx="1"/>
-          </p:nvPr>
-        </p:nvSpPr>
-        <p:spPr/>
-        <p:txBody>
-          <a:bodyPr/>
-          <a:lstStyle/>
-          <a:p>
-            <a:endParaRPr lang="fr-FR" dirty="0"/>
-          </a:p>
-        </p:txBody>
-      </p:sp>
-      <p:sp>
-        <p:nvSpPr>
-          <p:cNvPr id="4" name="Espace réservé du numéro de diapositive 3"/>
-          <p:cNvSpPr>
-            <a:spLocks noGrp="1"/>
-          </p:cNvSpPr>
-          <p:nvPr>
-            <p:ph type="sldNum" sz="quarter" idx="10"/>
-          </p:nvPr>
-        </p:nvSpPr>
-        <p:spPr/>
-        <p:txBody>
-          <a:bodyPr/>
-          <a:lstStyle/>
-          <a:p>
-            <a:fld id="{B822595C-B4CE-48B9-8059-2C40167B1D91}" type="slidenum">
-              <a:rPr lang="fr-FR" smtClean="0"/>
-              <a:t>16</a:t>
-            </a:fld>
-            <a:endParaRPr lang="fr-FR"/>
-          </a:p>
-        </p:txBody>
-      </p:sp>
-    </p:spTree>
-    <p:extLst>
-      <p:ext uri="{BB962C8B-B14F-4D97-AF65-F5344CB8AC3E}">
-        <p14:creationId xmlns:p14="http://schemas.microsoft.com/office/powerpoint/2010/main" val="1975996958"/>
-      </p:ext>
-    </p:extLst>
-  </p:cSld>
-  <p:clrMapOvr>
-    <a:masterClrMapping/>
-  </p:clrMapOvr>
-</p:notes>
-</file>
-
-<file path=ppt/notesSlides/notesSlide9.xml><?xml version="1.0" encoding="utf-8"?>
-<p:notes xmlns:a="http://schemas.openxmlformats.org/drawingml/2006/main" xmlns:r="http://schemas.openxmlformats.org/officeDocument/2006/relationships" xmlns:p="http://schemas.openxmlformats.org/presentationml/2006/main">
-  <p:cSld>
-    <p:spTree>
-      <p:nvGrpSpPr>
-        <p:cNvPr id="1" name=""/>
-        <p:cNvGrpSpPr/>
-        <p:nvPr/>
-      </p:nvGrpSpPr>
-      <p:grpSpPr>
-        <a:xfrm>
-          <a:off x="0" y="0"/>
-          <a:ext cx="0" cy="0"/>
-          <a:chOff x="0" y="0"/>
-          <a:chExt cx="0" cy="0"/>
-        </a:xfrm>
-      </p:grpSpPr>
-      <p:sp>
-        <p:nvSpPr>
-          <p:cNvPr id="2" name="Espace réservé de l'image des diapositives 1"/>
-          <p:cNvSpPr>
-            <a:spLocks noGrp="1" noRot="1" noChangeAspect="1"/>
-          </p:cNvSpPr>
-          <p:nvPr>
-            <p:ph type="sldImg"/>
-          </p:nvPr>
-        </p:nvSpPr>
-        <p:spPr/>
-      </p:sp>
-      <p:sp>
-        <p:nvSpPr>
-          <p:cNvPr id="3" name="Espace réservé des notes 2"/>
-          <p:cNvSpPr>
-            <a:spLocks noGrp="1"/>
-          </p:cNvSpPr>
-          <p:nvPr>
-            <p:ph type="body" idx="1"/>
-          </p:nvPr>
-        </p:nvSpPr>
-        <p:spPr/>
-        <p:txBody>
-          <a:bodyPr/>
-          <a:lstStyle/>
-          <a:p>
-            <a:pPr marL="457200" indent="-457200">
-              <a:lnSpc>
-                <a:spcPct val="150000"/>
-              </a:lnSpc>
-              <a:buFont typeface="Wingdings" pitchFamily="2" charset="2"/>
-              <a:buChar char="§"/>
-            </a:pPr>
-            <a:r>
-              <a:rPr lang="en-GB" sz="1200" dirty="0">
-                <a:latin typeface="Segoe UI" pitchFamily="34" charset="0"/>
-                <a:ea typeface="Segoe UI" pitchFamily="34" charset="0"/>
-                <a:cs typeface="Segoe UI" pitchFamily="34" charset="0"/>
-              </a:rPr>
-              <a:t>We realized the importance of conception</a:t>
-            </a:r>
-          </a:p>
-          <a:p>
-            <a:pPr>
-              <a:lnSpc>
-                <a:spcPct val="150000"/>
-              </a:lnSpc>
-            </a:pPr>
-            <a:endParaRPr lang="en-GB" sz="1200" dirty="0">
-              <a:latin typeface="Segoe UI" pitchFamily="34" charset="0"/>
-              <a:ea typeface="Segoe UI" pitchFamily="34" charset="0"/>
-              <a:cs typeface="Segoe UI" pitchFamily="34" charset="0"/>
-            </a:endParaRPr>
-          </a:p>
-          <a:p>
-            <a:pPr marL="457200" indent="-457200">
-              <a:lnSpc>
-                <a:spcPct val="150000"/>
-              </a:lnSpc>
-              <a:buFont typeface="Wingdings" pitchFamily="2" charset="2"/>
-              <a:buChar char="§"/>
-            </a:pPr>
-            <a:r>
-              <a:rPr lang="en-GB" sz="1200" dirty="0">
-                <a:latin typeface="Segoe UI" pitchFamily="34" charset="0"/>
-                <a:ea typeface="Segoe UI" pitchFamily="34" charset="0"/>
-                <a:cs typeface="Segoe UI" pitchFamily="34" charset="0"/>
-              </a:rPr>
-              <a:t>We learned to use imbricated different languages on a single project</a:t>
-            </a:r>
-          </a:p>
-          <a:p>
-            <a:pPr marL="457200" indent="-457200">
-              <a:lnSpc>
-                <a:spcPct val="150000"/>
-              </a:lnSpc>
-              <a:buFont typeface="Wingdings" pitchFamily="2" charset="2"/>
-              <a:buChar char="§"/>
-            </a:pPr>
-            <a:endParaRPr lang="en-GB" sz="1200" dirty="0">
-              <a:latin typeface="Segoe UI" pitchFamily="34" charset="0"/>
-              <a:ea typeface="Segoe UI" pitchFamily="34" charset="0"/>
-              <a:cs typeface="Segoe UI" pitchFamily="34" charset="0"/>
-            </a:endParaRPr>
-          </a:p>
-          <a:p>
-            <a:pPr marL="457200" indent="-457200">
-              <a:lnSpc>
-                <a:spcPct val="150000"/>
-              </a:lnSpc>
-              <a:buFont typeface="Wingdings" pitchFamily="2" charset="2"/>
-              <a:buChar char="§"/>
-            </a:pPr>
-            <a:r>
-              <a:rPr lang="en-GB" sz="1200" dirty="0">
-                <a:latin typeface="Segoe UI" pitchFamily="34" charset="0"/>
-                <a:ea typeface="Segoe UI" pitchFamily="34" charset="0"/>
-                <a:cs typeface="Segoe UI" pitchFamily="34" charset="0"/>
-              </a:rPr>
-              <a:t>We trained ourselves to parallelize the work of everyone</a:t>
-            </a:r>
-          </a:p>
-          <a:p>
-            <a:endParaRPr lang="fr-FR" dirty="0"/>
-          </a:p>
-        </p:txBody>
-      </p:sp>
-      <p:sp>
-        <p:nvSpPr>
-          <p:cNvPr id="4" name="Espace réservé du numéro de diapositive 3"/>
-          <p:cNvSpPr>
-            <a:spLocks noGrp="1"/>
-          </p:cNvSpPr>
-          <p:nvPr>
-            <p:ph type="sldNum" sz="quarter" idx="10"/>
-          </p:nvPr>
-        </p:nvSpPr>
-        <p:spPr/>
-        <p:txBody>
-          <a:bodyPr/>
-          <a:lstStyle/>
-          <a:p>
-            <a:fld id="{B822595C-B4CE-48B9-8059-2C40167B1D91}" type="slidenum">
-              <a:rPr lang="fr-FR" smtClean="0"/>
-              <a:t>17</a:t>
+              <a:t>15</a:t>
             </a:fld>
             <a:endParaRPr lang="fr-FR"/>
           </a:p>
@@ -6446,7 +6276,7 @@
           </a:ln>
           <a:extLst>
             <a:ext uri="{91240B29-F687-4f45-9708-019B960494DF}">
-              <a14:hiddenLine xmlns="" xmlns:a14="http://schemas.microsoft.com/office/drawing/2010/main" w="9525">
+              <a14:hiddenLine xmlns:a14="http://schemas.microsoft.com/office/drawing/2010/main" xmlns="" w="9525">
                 <a:solidFill>
                   <a:srgbClr val="000000"/>
                 </a:solidFill>
@@ -6501,7 +6331,7 @@
           </a:ln>
           <a:extLst>
             <a:ext uri="{91240B29-F687-4f45-9708-019B960494DF}">
-              <a14:hiddenLine xmlns="" xmlns:a14="http://schemas.microsoft.com/office/drawing/2010/main" w="9525">
+              <a14:hiddenLine xmlns:a14="http://schemas.microsoft.com/office/drawing/2010/main" xmlns="" w="9525">
                 <a:solidFill>
                   <a:srgbClr val="000000"/>
                 </a:solidFill>
@@ -12786,7 +12616,7 @@
                 <a:ea typeface="Segoe UI" pitchFamily="34" charset="0"/>
                 <a:cs typeface="Segoe UI" pitchFamily="34" charset="0"/>
               </a:rPr>
-              <a:t>Bata-Base - MCD</a:t>
+              <a:t>Data-Base - MLD</a:t>
             </a:r>
             <a:endParaRPr lang="fr-FR" dirty="0">
               <a:solidFill>
@@ -12878,10 +12708,10 @@
       </p:sp>
       <p:pic>
         <p:nvPicPr>
-          <p:cNvPr id="4" name="Image 3" descr="Une image contenant texte, carte&#10;&#10;Description générée avec un niveau de confiance très élevé">
+          <p:cNvPr id="3" name="Image 2" descr="Une image contenant texte, carte&#10;&#10;Description générée avec un niveau de confiance très élevé">
             <a:extLst>
               <a:ext uri="{FF2B5EF4-FFF2-40B4-BE49-F238E27FC236}">
-                <a16:creationId xmlns:a16="http://schemas.microsoft.com/office/drawing/2014/main" id="{88C5C48E-7DF1-4C94-AC65-B256E5B19EAE}"/>
+                <a16:creationId xmlns:a16="http://schemas.microsoft.com/office/drawing/2014/main" id="{574B400E-E7D2-457B-9D13-2CBA27CBC813}"/>
               </a:ext>
             </a:extLst>
           </p:cNvPr>
@@ -12904,8 +12734,8 @@
         </p:blipFill>
         <p:spPr>
           <a:xfrm>
-            <a:off x="1488418" y="1489430"/>
-            <a:ext cx="6528220" cy="4792359"/>
+            <a:off x="1547664" y="1492458"/>
+            <a:ext cx="7111085" cy="4888870"/>
           </a:xfrm>
           <a:prstGeom prst="rect">
             <a:avLst/>
@@ -12915,7 +12745,7 @@
     </p:spTree>
     <p:extLst>
       <p:ext uri="{BB962C8B-B14F-4D97-AF65-F5344CB8AC3E}">
-        <p14:creationId xmlns:p14="http://schemas.microsoft.com/office/powerpoint/2010/main" val="4045418804"/>
+        <p14:creationId xmlns:p14="http://schemas.microsoft.com/office/powerpoint/2010/main" val="966701239"/>
       </p:ext>
     </p:extLst>
   </p:cSld>
@@ -13114,600 +12944,6 @@
           <a:lstStyle/>
           <a:p>
             <a:r>
-              <a:rPr lang="fr-FR" dirty="0">
-                <a:solidFill>
-                  <a:prstClr val="white">
-                    <a:lumMod val="50000"/>
-                  </a:prstClr>
-                </a:solidFill>
-                <a:latin typeface="Segoe UI Semibold" pitchFamily="34" charset="0"/>
-              </a:rPr>
-              <a:t> </a:t>
-            </a:r>
-            <a:r>
-              <a:rPr lang="en-GB" dirty="0">
-                <a:solidFill>
-                  <a:schemeClr val="bg1">
-                    <a:lumMod val="50000"/>
-                  </a:schemeClr>
-                </a:solidFill>
-                <a:latin typeface="Segoe UI Semibold" panose="020B0702040204020203" pitchFamily="34" charset="0"/>
-                <a:cs typeface="Segoe UI Semibold" panose="020B0702040204020203" pitchFamily="34" charset="0"/>
-              </a:rPr>
-              <a:t>Production</a:t>
-            </a:r>
-            <a:endParaRPr lang="fr-FR" dirty="0">
-              <a:solidFill>
-                <a:prstClr val="white">
-                  <a:lumMod val="50000"/>
-                </a:prstClr>
-              </a:solidFill>
-              <a:latin typeface="Segoe UI Semibold" pitchFamily="34" charset="0"/>
-            </a:endParaRPr>
-          </a:p>
-        </p:txBody>
-      </p:sp>
-      <p:pic>
-        <p:nvPicPr>
-          <p:cNvPr id="23" name="Picture 2" descr="C:\Users\REMICARLES\Documents\Dossier Partagé\EXIA A2\PROJET Systèmes &amp; Réseaux (18 - 27 janvier 2012)\metro icons\perso - big\white\arrow.png"/>
-          <p:cNvPicPr>
-            <a:picLocks noChangeAspect="1" noChangeArrowheads="1"/>
-          </p:cNvPicPr>
-          <p:nvPr/>
-        </p:nvPicPr>
-        <p:blipFill>
-          <a:blip r:embed="rId3" cstate="print">
-            <a:extLst>
-              <a:ext uri="{BEBA8EAE-BF5A-486C-A8C5-ECC9F3942E4B}">
-                <a14:imgProps xmlns:a14="http://schemas.microsoft.com/office/drawing/2010/main">
-                  <a14:imgLayer r:embed="rId4">
-                    <a14:imgEffect>
-                      <a14:brightnessContrast bright="-40000"/>
-                    </a14:imgEffect>
-                  </a14:imgLayer>
-                </a14:imgProps>
-              </a:ext>
-              <a:ext uri="{28A0092B-C50C-407E-A947-70E740481C1C}">
-                <a14:useLocalDpi xmlns:a14="http://schemas.microsoft.com/office/drawing/2010/main" val="0"/>
-              </a:ext>
-            </a:extLst>
-          </a:blip>
-          <a:srcRect/>
-          <a:stretch>
-            <a:fillRect/>
-          </a:stretch>
-        </p:blipFill>
-        <p:spPr bwMode="auto">
-          <a:xfrm>
-            <a:off x="1641359" y="178463"/>
-            <a:ext cx="266345" cy="266345"/>
-          </a:xfrm>
-          <a:prstGeom prst="rect">
-            <a:avLst/>
-          </a:prstGeom>
-          <a:noFill/>
-          <a:extLst>
-            <a:ext uri="{909E8E84-426E-40DD-AFC4-6F175D3DCCD1}">
-              <a14:hiddenFill xmlns:a14="http://schemas.microsoft.com/office/drawing/2010/main">
-                <a:solidFill>
-                  <a:srgbClr val="FFFFFF"/>
-                </a:solidFill>
-              </a14:hiddenFill>
-            </a:ext>
-          </a:extLst>
-        </p:spPr>
-      </p:pic>
-      <p:pic>
-        <p:nvPicPr>
-          <p:cNvPr id="24" name="Picture 3" descr="C:\Users\REMICARLES\Documents\Dossier Partagé\EXIA A2\PROJET Systèmes &amp; Réseaux (18 - 27 janvier 2012)\metro icons\perso - big\white\diagram.png"/>
-          <p:cNvPicPr>
-            <a:picLocks noChangeAspect="1" noChangeArrowheads="1"/>
-          </p:cNvPicPr>
-          <p:nvPr/>
-        </p:nvPicPr>
-        <p:blipFill>
-          <a:blip r:embed="rId5" cstate="print">
-            <a:extLst>
-              <a:ext uri="{BEBA8EAE-BF5A-486C-A8C5-ECC9F3942E4B}">
-                <a14:imgProps xmlns:a14="http://schemas.microsoft.com/office/drawing/2010/main">
-                  <a14:imgLayer r:embed="rId6">
-                    <a14:imgEffect>
-                      <a14:brightnessContrast bright="40000" contrast="-40000"/>
-                    </a14:imgEffect>
-                  </a14:imgLayer>
-                </a14:imgProps>
-              </a:ext>
-              <a:ext uri="{28A0092B-C50C-407E-A947-70E740481C1C}">
-                <a14:useLocalDpi xmlns:a14="http://schemas.microsoft.com/office/drawing/2010/main" val="0"/>
-              </a:ext>
-            </a:extLst>
-          </a:blip>
-          <a:srcRect/>
-          <a:stretch>
-            <a:fillRect/>
-          </a:stretch>
-        </p:blipFill>
-        <p:spPr bwMode="auto">
-          <a:xfrm>
-            <a:off x="3873552" y="188640"/>
-            <a:ext cx="266400" cy="266400"/>
-          </a:xfrm>
-          <a:prstGeom prst="rect">
-            <a:avLst/>
-          </a:prstGeom>
-          <a:noFill/>
-          <a:extLst>
-            <a:ext uri="{909E8E84-426E-40DD-AFC4-6F175D3DCCD1}">
-              <a14:hiddenFill xmlns:a14="http://schemas.microsoft.com/office/drawing/2010/main">
-                <a:solidFill>
-                  <a:srgbClr val="FFFFFF"/>
-                </a:solidFill>
-              </a14:hiddenFill>
-            </a:ext>
-          </a:extLst>
-        </p:spPr>
-      </p:pic>
-      <p:pic>
-        <p:nvPicPr>
-          <p:cNvPr id="25" name="Picture 4" descr="C:\Users\REMICARLES\Documents\Dossier Partagé\EXIA A2\PROJET Systèmes &amp; Réseaux (18 - 27 janvier 2012)\metro icons\perso - big\white\parameters.png"/>
-          <p:cNvPicPr>
-            <a:picLocks noChangeAspect="1" noChangeArrowheads="1"/>
-          </p:cNvPicPr>
-          <p:nvPr/>
-        </p:nvPicPr>
-        <p:blipFill>
-          <a:blip r:embed="rId7" cstate="print">
-            <a:extLst>
-              <a:ext uri="{BEBA8EAE-BF5A-486C-A8C5-ECC9F3942E4B}">
-                <a14:imgProps xmlns:a14="http://schemas.microsoft.com/office/drawing/2010/main">
-                  <a14:imgLayer r:embed="rId8">
-                    <a14:imgEffect>
-                      <a14:brightnessContrast bright="-40000"/>
-                    </a14:imgEffect>
-                  </a14:imgLayer>
-                </a14:imgProps>
-              </a:ext>
-              <a:ext uri="{28A0092B-C50C-407E-A947-70E740481C1C}">
-                <a14:useLocalDpi xmlns:a14="http://schemas.microsoft.com/office/drawing/2010/main" val="0"/>
-              </a:ext>
-            </a:extLst>
-          </a:blip>
-          <a:srcRect/>
-          <a:stretch>
-            <a:fillRect/>
-          </a:stretch>
-        </p:blipFill>
-        <p:spPr bwMode="auto">
-          <a:xfrm>
-            <a:off x="6228184" y="188640"/>
-            <a:ext cx="266400" cy="266400"/>
-          </a:xfrm>
-          <a:prstGeom prst="rect">
-            <a:avLst/>
-          </a:prstGeom>
-          <a:noFill/>
-          <a:extLst>
-            <a:ext uri="{909E8E84-426E-40DD-AFC4-6F175D3DCCD1}">
-              <a14:hiddenFill xmlns:a14="http://schemas.microsoft.com/office/drawing/2010/main">
-                <a:solidFill>
-                  <a:srgbClr val="FFFFFF"/>
-                </a:solidFill>
-              </a14:hiddenFill>
-            </a:ext>
-          </a:extLst>
-        </p:spPr>
-      </p:pic>
-      <p:pic>
-        <p:nvPicPr>
-          <p:cNvPr id="26" name="Picture 5" descr="C:\Users\REMICARLES\Documents\Dossier Partagé\EXIA A2\PROJET Systèmes &amp; Réseaux (18 - 27 janvier 2012)\metro icons\perso - big\white\hub.png"/>
-          <p:cNvPicPr>
-            <a:picLocks noChangeAspect="1" noChangeArrowheads="1"/>
-          </p:cNvPicPr>
-          <p:nvPr/>
-        </p:nvPicPr>
-        <p:blipFill>
-          <a:blip r:embed="rId9" cstate="print">
-            <a:extLst>
-              <a:ext uri="{BEBA8EAE-BF5A-486C-A8C5-ECC9F3942E4B}">
-                <a14:imgProps xmlns:a14="http://schemas.microsoft.com/office/drawing/2010/main">
-                  <a14:imgLayer r:embed="rId10">
-                    <a14:imgEffect>
-                      <a14:brightnessContrast bright="-40000"/>
-                    </a14:imgEffect>
-                  </a14:imgLayer>
-                </a14:imgProps>
-              </a:ext>
-              <a:ext uri="{28A0092B-C50C-407E-A947-70E740481C1C}">
-                <a14:useLocalDpi xmlns:a14="http://schemas.microsoft.com/office/drawing/2010/main" val="0"/>
-              </a:ext>
-            </a:extLst>
-          </a:blip>
-          <a:srcRect/>
-          <a:stretch>
-            <a:fillRect/>
-          </a:stretch>
-        </p:blipFill>
-        <p:spPr bwMode="auto">
-          <a:xfrm>
-            <a:off x="8316416" y="188640"/>
-            <a:ext cx="266400" cy="266400"/>
-          </a:xfrm>
-          <a:prstGeom prst="rect">
-            <a:avLst/>
-          </a:prstGeom>
-          <a:noFill/>
-          <a:extLst>
-            <a:ext uri="{909E8E84-426E-40DD-AFC4-6F175D3DCCD1}">
-              <a14:hiddenFill xmlns:a14="http://schemas.microsoft.com/office/drawing/2010/main">
-                <a:solidFill>
-                  <a:srgbClr val="FFFFFF"/>
-                </a:solidFill>
-              </a14:hiddenFill>
-            </a:ext>
-          </a:extLst>
-        </p:spPr>
-      </p:pic>
-      <p:sp>
-        <p:nvSpPr>
-          <p:cNvPr id="29" name="ZoneTexte 28"/>
-          <p:cNvSpPr txBox="1"/>
-          <p:nvPr/>
-        </p:nvSpPr>
-        <p:spPr>
-          <a:xfrm>
-            <a:off x="1187624" y="781544"/>
-            <a:ext cx="9180512" cy="707886"/>
-          </a:xfrm>
-          <a:prstGeom prst="rect">
-            <a:avLst/>
-          </a:prstGeom>
-          <a:noFill/>
-        </p:spPr>
-        <p:txBody>
-          <a:bodyPr wrap="square" rtlCol="0">
-            <a:spAutoFit/>
-          </a:bodyPr>
-          <a:lstStyle/>
-          <a:p>
-            <a:r>
-              <a:rPr lang="fr-FR" sz="4000" dirty="0">
-                <a:solidFill>
-                  <a:schemeClr val="bg2">
-                    <a:lumMod val="75000"/>
-                  </a:schemeClr>
-                </a:solidFill>
-                <a:latin typeface="Segoe UI" pitchFamily="34" charset="0"/>
-                <a:ea typeface="Segoe UI" pitchFamily="34" charset="0"/>
-                <a:cs typeface="Segoe UI" pitchFamily="34" charset="0"/>
-              </a:rPr>
-              <a:t>Bata-Base - MLD</a:t>
-            </a:r>
-            <a:endParaRPr lang="fr-FR" dirty="0">
-              <a:solidFill>
-                <a:schemeClr val="bg2">
-                  <a:lumMod val="75000"/>
-                </a:schemeClr>
-              </a:solidFill>
-              <a:latin typeface="Segoe UI" pitchFamily="34" charset="0"/>
-              <a:ea typeface="Segoe UI" pitchFamily="34" charset="0"/>
-              <a:cs typeface="Segoe UI" pitchFamily="34" charset="0"/>
-            </a:endParaRPr>
-          </a:p>
-        </p:txBody>
-      </p:sp>
-      <p:sp>
-        <p:nvSpPr>
-          <p:cNvPr id="14" name="ZoneTexte 13">
-            <a:extLst>
-              <a:ext uri="{FF2B5EF4-FFF2-40B4-BE49-F238E27FC236}">
-                <a16:creationId xmlns:a16="http://schemas.microsoft.com/office/drawing/2014/main" id="{D56A5352-ACA8-410C-A5D7-E31FB95692B3}"/>
-              </a:ext>
-            </a:extLst>
-          </p:cNvPr>
-          <p:cNvSpPr txBox="1"/>
-          <p:nvPr/>
-        </p:nvSpPr>
-        <p:spPr>
-          <a:xfrm>
-            <a:off x="6804248" y="116632"/>
-            <a:ext cx="2123728" cy="369332"/>
-          </a:xfrm>
-          <a:prstGeom prst="rect">
-            <a:avLst/>
-          </a:prstGeom>
-          <a:noFill/>
-        </p:spPr>
-        <p:txBody>
-          <a:bodyPr wrap="square" rtlCol="0">
-            <a:spAutoFit/>
-          </a:bodyPr>
-          <a:lstStyle/>
-          <a:p>
-            <a:r>
-              <a:rPr lang="fr-FR" dirty="0">
-                <a:solidFill>
-                  <a:schemeClr val="bg1">
-                    <a:lumMod val="50000"/>
-                  </a:schemeClr>
-                </a:solidFill>
-                <a:latin typeface="Segoe UI Semibold" pitchFamily="34" charset="0"/>
-              </a:rPr>
-              <a:t> </a:t>
-            </a:r>
-            <a:r>
-              <a:rPr lang="fr-FR" dirty="0">
-                <a:solidFill>
-                  <a:schemeClr val="bg1">
-                    <a:lumMod val="50000"/>
-                  </a:schemeClr>
-                </a:solidFill>
-                <a:latin typeface="Segoe UI Semibold" panose="020B0702040204020203" pitchFamily="34" charset="0"/>
-                <a:cs typeface="Segoe UI Semibold" panose="020B0702040204020203" pitchFamily="34" charset="0"/>
-              </a:rPr>
-              <a:t>   </a:t>
-            </a:r>
-            <a:r>
-              <a:rPr lang="en-GB" dirty="0">
-                <a:solidFill>
-                  <a:schemeClr val="bg1">
-                    <a:lumMod val="50000"/>
-                  </a:schemeClr>
-                </a:solidFill>
-                <a:latin typeface="Segoe UI Semibold" panose="020B0702040204020203" pitchFamily="34" charset="0"/>
-                <a:cs typeface="Segoe UI Semibold" panose="020B0702040204020203" pitchFamily="34" charset="0"/>
-              </a:rPr>
-              <a:t>Synthesis</a:t>
-            </a:r>
-            <a:endParaRPr lang="fr-FR" dirty="0">
-              <a:solidFill>
-                <a:schemeClr val="bg1">
-                  <a:lumMod val="50000"/>
-                </a:schemeClr>
-              </a:solidFill>
-              <a:latin typeface="Segoe UI Semibold" panose="020B0702040204020203" pitchFamily="34" charset="0"/>
-              <a:cs typeface="Segoe UI Semibold" panose="020B0702040204020203" pitchFamily="34" charset="0"/>
-            </a:endParaRPr>
-          </a:p>
-        </p:txBody>
-      </p:sp>
-      <p:pic>
-        <p:nvPicPr>
-          <p:cNvPr id="3" name="Image 2" descr="Une image contenant texte, carte&#10;&#10;Description générée avec un niveau de confiance très élevé">
-            <a:extLst>
-              <a:ext uri="{FF2B5EF4-FFF2-40B4-BE49-F238E27FC236}">
-                <a16:creationId xmlns:a16="http://schemas.microsoft.com/office/drawing/2014/main" id="{574B400E-E7D2-457B-9D13-2CBA27CBC813}"/>
-              </a:ext>
-            </a:extLst>
-          </p:cNvPr>
-          <p:cNvPicPr>
-            <a:picLocks noChangeAspect="1"/>
-          </p:cNvPicPr>
-          <p:nvPr/>
-        </p:nvPicPr>
-        <p:blipFill>
-          <a:blip r:embed="rId11">
-            <a:extLst>
-              <a:ext uri="{28A0092B-C50C-407E-A947-70E740481C1C}">
-                <a14:useLocalDpi xmlns:a14="http://schemas.microsoft.com/office/drawing/2010/main" val="0"/>
-              </a:ext>
-            </a:extLst>
-          </a:blip>
-          <a:stretch>
-            <a:fillRect/>
-          </a:stretch>
-        </p:blipFill>
-        <p:spPr>
-          <a:xfrm>
-            <a:off x="1547664" y="1492458"/>
-            <a:ext cx="7111085" cy="4888870"/>
-          </a:xfrm>
-          <a:prstGeom prst="rect">
-            <a:avLst/>
-          </a:prstGeom>
-        </p:spPr>
-      </p:pic>
-    </p:spTree>
-    <p:extLst>
-      <p:ext uri="{BB962C8B-B14F-4D97-AF65-F5344CB8AC3E}">
-        <p14:creationId xmlns:p14="http://schemas.microsoft.com/office/powerpoint/2010/main" val="966701239"/>
-      </p:ext>
-    </p:extLst>
-  </p:cSld>
-  <p:clrMapOvr>
-    <a:masterClrMapping/>
-  </p:clrMapOvr>
-  <mc:AlternateContent xmlns:mc="http://schemas.openxmlformats.org/markup-compatibility/2006" xmlns:p14="http://schemas.microsoft.com/office/powerpoint/2010/main">
-    <mc:Choice Requires="p14">
-      <p:transition spd="med" p14:dur="700">
-        <p:fade/>
-      </p:transition>
-    </mc:Choice>
-    <mc:Fallback xmlns="">
-      <p:transition spd="med">
-        <p:fade/>
-      </p:transition>
-    </mc:Fallback>
-  </mc:AlternateContent>
-</p:sld>
-</file>
-
-<file path=ppt/slides/slide12.xml><?xml version="1.0" encoding="utf-8"?>
-<p:sld xmlns:a="http://schemas.openxmlformats.org/drawingml/2006/main" xmlns:r="http://schemas.openxmlformats.org/officeDocument/2006/relationships" xmlns:p="http://schemas.openxmlformats.org/presentationml/2006/main">
-  <p:cSld>
-    <p:spTree>
-      <p:nvGrpSpPr>
-        <p:cNvPr id="1" name=""/>
-        <p:cNvGrpSpPr/>
-        <p:nvPr/>
-      </p:nvGrpSpPr>
-      <p:grpSpPr>
-        <a:xfrm>
-          <a:off x="0" y="0"/>
-          <a:ext cx="0" cy="0"/>
-          <a:chOff x="0" y="0"/>
-          <a:chExt cx="0" cy="0"/>
-        </a:xfrm>
-      </p:grpSpPr>
-      <p:sp>
-        <p:nvSpPr>
-          <p:cNvPr id="18" name="Rectangle 17"/>
-          <p:cNvSpPr/>
-          <p:nvPr/>
-        </p:nvSpPr>
-        <p:spPr>
-          <a:xfrm>
-            <a:off x="0" y="0"/>
-            <a:ext cx="9144000" cy="116632"/>
-          </a:xfrm>
-          <a:prstGeom prst="rect">
-            <a:avLst/>
-          </a:prstGeom>
-          <a:solidFill>
-            <a:srgbClr val="C00000"/>
-          </a:solidFill>
-          <a:ln>
-            <a:noFill/>
-          </a:ln>
-        </p:spPr>
-        <p:style>
-          <a:lnRef idx="2">
-            <a:schemeClr val="accent1">
-              <a:shade val="50000"/>
-            </a:schemeClr>
-          </a:lnRef>
-          <a:fillRef idx="1">
-            <a:schemeClr val="accent1"/>
-          </a:fillRef>
-          <a:effectRef idx="0">
-            <a:schemeClr val="accent1"/>
-          </a:effectRef>
-          <a:fontRef idx="minor">
-            <a:schemeClr val="lt1"/>
-          </a:fontRef>
-        </p:style>
-        <p:txBody>
-          <a:bodyPr rtlCol="0" anchor="ctr"/>
-          <a:lstStyle/>
-          <a:p>
-            <a:pPr algn="ctr"/>
-            <a:endParaRPr lang="fr-FR">
-              <a:solidFill>
-                <a:prstClr val="white"/>
-              </a:solidFill>
-            </a:endParaRPr>
-          </a:p>
-        </p:txBody>
-      </p:sp>
-      <p:sp>
-        <p:nvSpPr>
-          <p:cNvPr id="19" name="ZoneTexte 18"/>
-          <p:cNvSpPr txBox="1"/>
-          <p:nvPr/>
-        </p:nvSpPr>
-        <p:spPr>
-          <a:xfrm>
-            <a:off x="0" y="116632"/>
-            <a:ext cx="2123728" cy="369332"/>
-          </a:xfrm>
-          <a:prstGeom prst="rect">
-            <a:avLst/>
-          </a:prstGeom>
-          <a:solidFill>
-            <a:srgbClr val="E4E6E6"/>
-          </a:solidFill>
-        </p:spPr>
-        <p:txBody>
-          <a:bodyPr wrap="square" rtlCol="0">
-            <a:spAutoFit/>
-          </a:bodyPr>
-          <a:lstStyle/>
-          <a:p>
-            <a:r>
-              <a:rPr lang="fr-FR" dirty="0">
-                <a:solidFill>
-                  <a:prstClr val="white">
-                    <a:lumMod val="50000"/>
-                  </a:prstClr>
-                </a:solidFill>
-                <a:latin typeface="Segoe UI Semibold" pitchFamily="34" charset="0"/>
-                <a:ea typeface="Segoe UI" pitchFamily="34" charset="0"/>
-                <a:cs typeface="Segoe UI" pitchFamily="34" charset="0"/>
-              </a:rPr>
-              <a:t> Introduction</a:t>
-            </a:r>
-          </a:p>
-        </p:txBody>
-      </p:sp>
-      <p:sp>
-        <p:nvSpPr>
-          <p:cNvPr id="20" name="ZoneTexte 19"/>
-          <p:cNvSpPr txBox="1"/>
-          <p:nvPr/>
-        </p:nvSpPr>
-        <p:spPr>
-          <a:xfrm>
-            <a:off x="2376264" y="116632"/>
-            <a:ext cx="2123728" cy="369332"/>
-          </a:xfrm>
-          <a:prstGeom prst="rect">
-            <a:avLst/>
-          </a:prstGeom>
-          <a:solidFill>
-            <a:srgbClr val="C00000"/>
-          </a:solidFill>
-        </p:spPr>
-        <p:txBody>
-          <a:bodyPr wrap="square" rtlCol="0">
-            <a:spAutoFit/>
-          </a:bodyPr>
-          <a:lstStyle/>
-          <a:p>
-            <a:r>
-              <a:rPr lang="fr-FR" dirty="0">
-                <a:solidFill>
-                  <a:prstClr val="white">
-                    <a:lumMod val="50000"/>
-                  </a:prstClr>
-                </a:solidFill>
-                <a:latin typeface="Segoe UI Semibold" pitchFamily="34" charset="0"/>
-              </a:rPr>
-              <a:t> </a:t>
-            </a:r>
-            <a:r>
-              <a:rPr lang="fr-FR" dirty="0">
-                <a:solidFill>
-                  <a:prstClr val="white"/>
-                </a:solidFill>
-                <a:latin typeface="Segoe UI Semibold" pitchFamily="34" charset="0"/>
-              </a:rPr>
-              <a:t>Conception</a:t>
-            </a:r>
-          </a:p>
-        </p:txBody>
-      </p:sp>
-      <p:sp>
-        <p:nvSpPr>
-          <p:cNvPr id="21" name="ZoneTexte 20"/>
-          <p:cNvSpPr txBox="1"/>
-          <p:nvPr/>
-        </p:nvSpPr>
-        <p:spPr>
-          <a:xfrm>
-            <a:off x="4752528" y="116632"/>
-            <a:ext cx="2123728" cy="369332"/>
-          </a:xfrm>
-          <a:prstGeom prst="rect">
-            <a:avLst/>
-          </a:prstGeom>
-          <a:noFill/>
-        </p:spPr>
-        <p:txBody>
-          <a:bodyPr wrap="square" rtlCol="0">
-            <a:spAutoFit/>
-          </a:bodyPr>
-          <a:lstStyle/>
-          <a:p>
-            <a:r>
               <a:rPr lang="en-GB" dirty="0">
                 <a:solidFill>
                   <a:schemeClr val="bg1">
@@ -14108,7 +13344,7 @@
 </p:sld>
 </file>
 
-<file path=ppt/slides/slide13.xml><?xml version="1.0" encoding="utf-8"?>
+<file path=ppt/slides/slide12.xml><?xml version="1.0" encoding="utf-8"?>
 <p:sld xmlns:a="http://schemas.openxmlformats.org/drawingml/2006/main" xmlns:r="http://schemas.openxmlformats.org/officeDocument/2006/relationships" xmlns:p="http://schemas.openxmlformats.org/presentationml/2006/main">
   <p:cSld>
     <p:spTree>
@@ -14430,7 +13666,7 @@
 </p:sld>
 </file>
 
-<file path=ppt/slides/slide14.xml><?xml version="1.0" encoding="utf-8"?>
+<file path=ppt/slides/slide13.xml><?xml version="1.0" encoding="utf-8"?>
 <p:sld xmlns:a="http://schemas.openxmlformats.org/drawingml/2006/main" xmlns:r="http://schemas.openxmlformats.org/officeDocument/2006/relationships" xmlns:p="http://schemas.openxmlformats.org/presentationml/2006/main">
   <p:cSld>
     <p:spTree>
@@ -15171,7 +14407,7 @@
 </p:sld>
 </file>
 
-<file path=ppt/slides/slide15.xml><?xml version="1.0" encoding="utf-8"?>
+<file path=ppt/slides/slide14.xml><?xml version="1.0" encoding="utf-8"?>
 <p:sld xmlns:a="http://schemas.openxmlformats.org/drawingml/2006/main" xmlns:r="http://schemas.openxmlformats.org/officeDocument/2006/relationships" xmlns:p="http://schemas.openxmlformats.org/presentationml/2006/main">
   <p:cSld>
     <p:spTree>
@@ -15467,7 +14703,7 @@
 </p:sld>
 </file>
 
-<file path=ppt/slides/slide16.xml><?xml version="1.0" encoding="utf-8"?>
+<file path=ppt/slides/slide15.xml><?xml version="1.0" encoding="utf-8"?>
 <p:sld xmlns:a="http://schemas.openxmlformats.org/drawingml/2006/main" xmlns:r="http://schemas.openxmlformats.org/officeDocument/2006/relationships" xmlns:p="http://schemas.openxmlformats.org/presentationml/2006/main">
   <p:cSld>
     <p:spTree>
@@ -15662,772 +14898,6 @@
           </a:p>
         </p:txBody>
       </p:sp>
-      <p:pic>
-        <p:nvPicPr>
-          <p:cNvPr id="10" name="Picture 2" descr="C:\Users\REMICARLES\Documents\Dossier Partagé\EXIA A2\PROJET Systèmes &amp; Réseaux (18 - 27 janvier 2012)\metro icons\perso - big\white\arrow.png"/>
-          <p:cNvPicPr>
-            <a:picLocks noChangeAspect="1" noChangeArrowheads="1"/>
-          </p:cNvPicPr>
-          <p:nvPr/>
-        </p:nvPicPr>
-        <p:blipFill>
-          <a:blip r:embed="rId3" cstate="print">
-            <a:extLst>
-              <a:ext uri="{BEBA8EAE-BF5A-486C-A8C5-ECC9F3942E4B}">
-                <a14:imgProps xmlns:a14="http://schemas.microsoft.com/office/drawing/2010/main">
-                  <a14:imgLayer r:embed="rId4">
-                    <a14:imgEffect>
-                      <a14:brightnessContrast bright="-40000"/>
-                    </a14:imgEffect>
-                  </a14:imgLayer>
-                </a14:imgProps>
-              </a:ext>
-              <a:ext uri="{28A0092B-C50C-407E-A947-70E740481C1C}">
-                <a14:useLocalDpi xmlns:a14="http://schemas.microsoft.com/office/drawing/2010/main" val="0"/>
-              </a:ext>
-            </a:extLst>
-          </a:blip>
-          <a:srcRect/>
-          <a:stretch>
-            <a:fillRect/>
-          </a:stretch>
-        </p:blipFill>
-        <p:spPr bwMode="auto">
-          <a:xfrm>
-            <a:off x="1641359" y="178463"/>
-            <a:ext cx="266345" cy="266345"/>
-          </a:xfrm>
-          <a:prstGeom prst="rect">
-            <a:avLst/>
-          </a:prstGeom>
-          <a:noFill/>
-          <a:extLst>
-            <a:ext uri="{909E8E84-426E-40DD-AFC4-6F175D3DCCD1}">
-              <a14:hiddenFill xmlns:a14="http://schemas.microsoft.com/office/drawing/2010/main">
-                <a:solidFill>
-                  <a:srgbClr val="FFFFFF"/>
-                </a:solidFill>
-              </a14:hiddenFill>
-            </a:ext>
-          </a:extLst>
-        </p:spPr>
-      </p:pic>
-      <p:pic>
-        <p:nvPicPr>
-          <p:cNvPr id="11" name="Picture 3" descr="C:\Users\REMICARLES\Documents\Dossier Partagé\EXIA A2\PROJET Systèmes &amp; Réseaux (18 - 27 janvier 2012)\metro icons\perso - big\white\diagram.png"/>
-          <p:cNvPicPr>
-            <a:picLocks noChangeAspect="1" noChangeArrowheads="1"/>
-          </p:cNvPicPr>
-          <p:nvPr/>
-        </p:nvPicPr>
-        <p:blipFill>
-          <a:blip r:embed="rId5" cstate="print">
-            <a:extLst>
-              <a:ext uri="{BEBA8EAE-BF5A-486C-A8C5-ECC9F3942E4B}">
-                <a14:imgProps xmlns:a14="http://schemas.microsoft.com/office/drawing/2010/main">
-                  <a14:imgLayer r:embed="rId6">
-                    <a14:imgEffect>
-                      <a14:brightnessContrast bright="-40000"/>
-                    </a14:imgEffect>
-                  </a14:imgLayer>
-                </a14:imgProps>
-              </a:ext>
-              <a:ext uri="{28A0092B-C50C-407E-A947-70E740481C1C}">
-                <a14:useLocalDpi xmlns:a14="http://schemas.microsoft.com/office/drawing/2010/main" val="0"/>
-              </a:ext>
-            </a:extLst>
-          </a:blip>
-          <a:srcRect/>
-          <a:stretch>
-            <a:fillRect/>
-          </a:stretch>
-        </p:blipFill>
-        <p:spPr bwMode="auto">
-          <a:xfrm>
-            <a:off x="3873552" y="188640"/>
-            <a:ext cx="266400" cy="266400"/>
-          </a:xfrm>
-          <a:prstGeom prst="rect">
-            <a:avLst/>
-          </a:prstGeom>
-          <a:noFill/>
-          <a:extLst>
-            <a:ext uri="{909E8E84-426E-40DD-AFC4-6F175D3DCCD1}">
-              <a14:hiddenFill xmlns:a14="http://schemas.microsoft.com/office/drawing/2010/main">
-                <a:solidFill>
-                  <a:srgbClr val="FFFFFF"/>
-                </a:solidFill>
-              </a14:hiddenFill>
-            </a:ext>
-          </a:extLst>
-        </p:spPr>
-      </p:pic>
-      <p:pic>
-        <p:nvPicPr>
-          <p:cNvPr id="12" name="Picture 4" descr="C:\Users\REMICARLES\Documents\Dossier Partagé\EXIA A2\PROJET Systèmes &amp; Réseaux (18 - 27 janvier 2012)\metro icons\perso - big\white\parameters.png"/>
-          <p:cNvPicPr>
-            <a:picLocks noChangeAspect="1" noChangeArrowheads="1"/>
-          </p:cNvPicPr>
-          <p:nvPr/>
-        </p:nvPicPr>
-        <p:blipFill>
-          <a:blip r:embed="rId7" cstate="print">
-            <a:extLst>
-              <a:ext uri="{BEBA8EAE-BF5A-486C-A8C5-ECC9F3942E4B}">
-                <a14:imgProps xmlns:a14="http://schemas.microsoft.com/office/drawing/2010/main">
-                  <a14:imgLayer r:embed="rId8">
-                    <a14:imgEffect>
-                      <a14:brightnessContrast bright="-40000"/>
-                    </a14:imgEffect>
-                  </a14:imgLayer>
-                </a14:imgProps>
-              </a:ext>
-              <a:ext uri="{28A0092B-C50C-407E-A947-70E740481C1C}">
-                <a14:useLocalDpi xmlns:a14="http://schemas.microsoft.com/office/drawing/2010/main" val="0"/>
-              </a:ext>
-            </a:extLst>
-          </a:blip>
-          <a:srcRect/>
-          <a:stretch>
-            <a:fillRect/>
-          </a:stretch>
-        </p:blipFill>
-        <p:spPr bwMode="auto">
-          <a:xfrm>
-            <a:off x="6228184" y="188640"/>
-            <a:ext cx="266400" cy="266400"/>
-          </a:xfrm>
-          <a:prstGeom prst="rect">
-            <a:avLst/>
-          </a:prstGeom>
-          <a:noFill/>
-          <a:extLst>
-            <a:ext uri="{909E8E84-426E-40DD-AFC4-6F175D3DCCD1}">
-              <a14:hiddenFill xmlns:a14="http://schemas.microsoft.com/office/drawing/2010/main">
-                <a:solidFill>
-                  <a:srgbClr val="FFFFFF"/>
-                </a:solidFill>
-              </a14:hiddenFill>
-            </a:ext>
-          </a:extLst>
-        </p:spPr>
-      </p:pic>
-      <p:sp>
-        <p:nvSpPr>
-          <p:cNvPr id="15" name="ZoneTexte 14"/>
-          <p:cNvSpPr txBox="1"/>
-          <p:nvPr/>
-        </p:nvSpPr>
-        <p:spPr>
-          <a:xfrm>
-            <a:off x="-18256" y="2780928"/>
-            <a:ext cx="9180512" cy="707886"/>
-          </a:xfrm>
-          <a:prstGeom prst="rect">
-            <a:avLst/>
-          </a:prstGeom>
-          <a:noFill/>
-        </p:spPr>
-        <p:txBody>
-          <a:bodyPr wrap="square" rtlCol="0">
-            <a:spAutoFit/>
-          </a:bodyPr>
-          <a:lstStyle/>
-          <a:p>
-            <a:pPr algn="ctr"/>
-            <a:r>
-              <a:rPr lang="fr-FR" sz="4000" dirty="0">
-                <a:latin typeface="Segoe UI" pitchFamily="34" charset="0"/>
-                <a:ea typeface="Segoe UI" pitchFamily="34" charset="0"/>
-                <a:cs typeface="Segoe UI" pitchFamily="34" charset="0"/>
-              </a:rPr>
-              <a:t>GROUP              REVIEW </a:t>
-            </a:r>
-            <a:endParaRPr lang="fr-FR" dirty="0">
-              <a:latin typeface="Segoe UI" pitchFamily="34" charset="0"/>
-              <a:ea typeface="Segoe UI" pitchFamily="34" charset="0"/>
-              <a:cs typeface="Segoe UI" pitchFamily="34" charset="0"/>
-            </a:endParaRPr>
-          </a:p>
-        </p:txBody>
-      </p:sp>
-      <p:sp>
-        <p:nvSpPr>
-          <p:cNvPr id="20" name="ZoneTexte 19"/>
-          <p:cNvSpPr txBox="1"/>
-          <p:nvPr/>
-        </p:nvSpPr>
-        <p:spPr>
-          <a:xfrm>
-            <a:off x="7024961" y="106647"/>
-            <a:ext cx="2123728" cy="369332"/>
-          </a:xfrm>
-          <a:prstGeom prst="rect">
-            <a:avLst/>
-          </a:prstGeom>
-          <a:solidFill>
-            <a:srgbClr val="C00000"/>
-          </a:solidFill>
-        </p:spPr>
-        <p:txBody>
-          <a:bodyPr wrap="square" rtlCol="0">
-            <a:spAutoFit/>
-          </a:bodyPr>
-          <a:lstStyle/>
-          <a:p>
-            <a:r>
-              <a:rPr lang="fr-FR" dirty="0">
-                <a:solidFill>
-                  <a:schemeClr val="bg1"/>
-                </a:solidFill>
-                <a:latin typeface="Segoe UI Semibold" pitchFamily="34" charset="0"/>
-              </a:rPr>
-              <a:t> Synthesis</a:t>
-            </a:r>
-          </a:p>
-        </p:txBody>
-      </p:sp>
-      <p:pic>
-        <p:nvPicPr>
-          <p:cNvPr id="21" name="Picture 5" descr="C:\Users\REMICARLES\Documents\Dossier Partagé\EXIA A2\PROJET Systèmes &amp; Réseaux (18 - 27 janvier 2012)\metro icons\perso - big\white\hub.png"/>
-          <p:cNvPicPr>
-            <a:picLocks noChangeAspect="1" noChangeArrowheads="1"/>
-          </p:cNvPicPr>
-          <p:nvPr/>
-        </p:nvPicPr>
-        <p:blipFill>
-          <a:blip r:embed="rId9" cstate="print">
-            <a:extLst>
-              <a:ext uri="{BEBA8EAE-BF5A-486C-A8C5-ECC9F3942E4B}">
-                <a14:imgProps xmlns:a14="http://schemas.microsoft.com/office/drawing/2010/main">
-                  <a14:imgLayer r:embed="rId10">
-                    <a14:imgEffect>
-                      <a14:brightnessContrast bright="40000" contrast="-20000"/>
-                    </a14:imgEffect>
-                  </a14:imgLayer>
-                </a14:imgProps>
-              </a:ext>
-              <a:ext uri="{28A0092B-C50C-407E-A947-70E740481C1C}">
-                <a14:useLocalDpi xmlns:a14="http://schemas.microsoft.com/office/drawing/2010/main" val="0"/>
-              </a:ext>
-            </a:extLst>
-          </a:blip>
-          <a:srcRect/>
-          <a:stretch>
-            <a:fillRect/>
-          </a:stretch>
-        </p:blipFill>
-        <p:spPr bwMode="auto">
-          <a:xfrm>
-            <a:off x="8316416" y="188640"/>
-            <a:ext cx="266400" cy="266400"/>
-          </a:xfrm>
-          <a:prstGeom prst="rect">
-            <a:avLst/>
-          </a:prstGeom>
-          <a:noFill/>
-          <a:extLst>
-            <a:ext uri="{909E8E84-426E-40DD-AFC4-6F175D3DCCD1}">
-              <a14:hiddenFill xmlns:a14="http://schemas.microsoft.com/office/drawing/2010/main">
-                <a:solidFill>
-                  <a:srgbClr val="FFFFFF"/>
-                </a:solidFill>
-              </a14:hiddenFill>
-            </a:ext>
-          </a:extLst>
-        </p:spPr>
-      </p:pic>
-      <p:pic>
-        <p:nvPicPr>
-          <p:cNvPr id="1028" name="Picture 4" descr="RÃ©sultat dâimages pour clap png">
-            <a:extLst>
-              <a:ext uri="{FF2B5EF4-FFF2-40B4-BE49-F238E27FC236}">
-                <a16:creationId xmlns:a16="http://schemas.microsoft.com/office/drawing/2014/main" id="{E65B55CD-F311-4BFB-9BF3-BA09767FAB1A}"/>
-              </a:ext>
-            </a:extLst>
-          </p:cNvPr>
-          <p:cNvPicPr>
-            <a:picLocks noChangeAspect="1" noChangeArrowheads="1"/>
-          </p:cNvPicPr>
-          <p:nvPr/>
-        </p:nvPicPr>
-        <p:blipFill>
-          <a:blip r:embed="rId11" cstate="print">
-            <a:extLst>
-              <a:ext uri="{28A0092B-C50C-407E-A947-70E740481C1C}">
-                <a14:useLocalDpi xmlns:a14="http://schemas.microsoft.com/office/drawing/2010/main" val="0"/>
-              </a:ext>
-            </a:extLst>
-          </a:blip>
-          <a:srcRect/>
-          <a:stretch>
-            <a:fillRect/>
-          </a:stretch>
-        </p:blipFill>
-        <p:spPr bwMode="auto">
-          <a:xfrm>
-            <a:off x="3732752" y="2204864"/>
-            <a:ext cx="1678496" cy="1678496"/>
-          </a:xfrm>
-          <a:prstGeom prst="rect">
-            <a:avLst/>
-          </a:prstGeom>
-          <a:noFill/>
-          <a:extLst>
-            <a:ext uri="{909E8E84-426E-40DD-AFC4-6F175D3DCCD1}">
-              <a14:hiddenFill xmlns:a14="http://schemas.microsoft.com/office/drawing/2010/main">
-                <a:solidFill>
-                  <a:srgbClr val="FFFFFF"/>
-                </a:solidFill>
-              </a14:hiddenFill>
-            </a:ext>
-          </a:extLst>
-        </p:spPr>
-      </p:pic>
-      <p:pic>
-        <p:nvPicPr>
-          <p:cNvPr id="1032" name="Picture 8" descr="RÃ©sultat dâimages pour clap png">
-            <a:extLst>
-              <a:ext uri="{FF2B5EF4-FFF2-40B4-BE49-F238E27FC236}">
-                <a16:creationId xmlns:a16="http://schemas.microsoft.com/office/drawing/2014/main" id="{4558B9C1-BABD-4351-B0F7-1780D838C601}"/>
-              </a:ext>
-            </a:extLst>
-          </p:cNvPr>
-          <p:cNvPicPr>
-            <a:picLocks noChangeAspect="1" noChangeArrowheads="1"/>
-          </p:cNvPicPr>
-          <p:nvPr/>
-        </p:nvPicPr>
-        <p:blipFill>
-          <a:blip r:embed="rId12" cstate="print">
-            <a:extLst>
-              <a:ext uri="{28A0092B-C50C-407E-A947-70E740481C1C}">
-                <a14:useLocalDpi xmlns:a14="http://schemas.microsoft.com/office/drawing/2010/main" val="0"/>
-              </a:ext>
-            </a:extLst>
-          </a:blip>
-          <a:srcRect/>
-          <a:stretch>
-            <a:fillRect/>
-          </a:stretch>
-        </p:blipFill>
-        <p:spPr bwMode="auto">
-          <a:xfrm>
-            <a:off x="6588224" y="4954018"/>
-            <a:ext cx="1479574" cy="1479574"/>
-          </a:xfrm>
-          <a:prstGeom prst="rect">
-            <a:avLst/>
-          </a:prstGeom>
-          <a:noFill/>
-          <a:extLst>
-            <a:ext uri="{909E8E84-426E-40DD-AFC4-6F175D3DCCD1}">
-              <a14:hiddenFill xmlns:a14="http://schemas.microsoft.com/office/drawing/2010/main">
-                <a:solidFill>
-                  <a:srgbClr val="FFFFFF"/>
-                </a:solidFill>
-              </a14:hiddenFill>
-            </a:ext>
-          </a:extLst>
-        </p:spPr>
-      </p:pic>
-      <p:pic>
-        <p:nvPicPr>
-          <p:cNvPr id="1034" name="Picture 10" descr="RÃ©sultat dâimages pour clap png">
-            <a:extLst>
-              <a:ext uri="{FF2B5EF4-FFF2-40B4-BE49-F238E27FC236}">
-                <a16:creationId xmlns:a16="http://schemas.microsoft.com/office/drawing/2014/main" id="{24DB9984-1239-4168-BCA1-7B70B79AF86D}"/>
-              </a:ext>
-            </a:extLst>
-          </p:cNvPr>
-          <p:cNvPicPr>
-            <a:picLocks noChangeAspect="1" noChangeArrowheads="1"/>
-          </p:cNvPicPr>
-          <p:nvPr/>
-        </p:nvPicPr>
-        <p:blipFill>
-          <a:blip r:embed="rId13">
-            <a:extLst>
-              <a:ext uri="{28A0092B-C50C-407E-A947-70E740481C1C}">
-                <a14:useLocalDpi xmlns:a14="http://schemas.microsoft.com/office/drawing/2010/main" val="0"/>
-              </a:ext>
-            </a:extLst>
-          </a:blip>
-          <a:srcRect/>
-          <a:stretch>
-            <a:fillRect/>
-          </a:stretch>
-        </p:blipFill>
-        <p:spPr bwMode="auto">
-          <a:xfrm>
-            <a:off x="1363493" y="3847767"/>
-            <a:ext cx="3158480" cy="3158480"/>
-          </a:xfrm>
-          <a:prstGeom prst="rect">
-            <a:avLst/>
-          </a:prstGeom>
-          <a:noFill/>
-          <a:extLst>
-            <a:ext uri="{909E8E84-426E-40DD-AFC4-6F175D3DCCD1}">
-              <a14:hiddenFill xmlns:a14="http://schemas.microsoft.com/office/drawing/2010/main">
-                <a:solidFill>
-                  <a:srgbClr val="FFFFFF"/>
-                </a:solidFill>
-              </a14:hiddenFill>
-            </a:ext>
-          </a:extLst>
-        </p:spPr>
-      </p:pic>
-      <p:pic>
-        <p:nvPicPr>
-          <p:cNvPr id="1036" name="Picture 12" descr="RÃ©sultat dâimages pour clap png">
-            <a:extLst>
-              <a:ext uri="{FF2B5EF4-FFF2-40B4-BE49-F238E27FC236}">
-                <a16:creationId xmlns:a16="http://schemas.microsoft.com/office/drawing/2014/main" id="{458D5C68-752D-4B96-82FF-E4C1C07E9AAF}"/>
-              </a:ext>
-            </a:extLst>
-          </p:cNvPr>
-          <p:cNvPicPr>
-            <a:picLocks noChangeAspect="1" noChangeArrowheads="1"/>
-          </p:cNvPicPr>
-          <p:nvPr/>
-        </p:nvPicPr>
-        <p:blipFill>
-          <a:blip r:embed="rId14" cstate="print">
-            <a:extLst>
-              <a:ext uri="{28A0092B-C50C-407E-A947-70E740481C1C}">
-                <a14:useLocalDpi xmlns:a14="http://schemas.microsoft.com/office/drawing/2010/main" val="0"/>
-              </a:ext>
-            </a:extLst>
-          </a:blip>
-          <a:srcRect/>
-          <a:stretch>
-            <a:fillRect/>
-          </a:stretch>
-        </p:blipFill>
-        <p:spPr bwMode="auto">
-          <a:xfrm>
-            <a:off x="1641359" y="692696"/>
-            <a:ext cx="1988840" cy="1988840"/>
-          </a:xfrm>
-          <a:prstGeom prst="rect">
-            <a:avLst/>
-          </a:prstGeom>
-          <a:noFill/>
-          <a:extLst>
-            <a:ext uri="{909E8E84-426E-40DD-AFC4-6F175D3DCCD1}">
-              <a14:hiddenFill xmlns:a14="http://schemas.microsoft.com/office/drawing/2010/main">
-                <a:solidFill>
-                  <a:srgbClr val="FFFFFF"/>
-                </a:solidFill>
-              </a14:hiddenFill>
-            </a:ext>
-          </a:extLst>
-        </p:spPr>
-      </p:pic>
-      <p:pic>
-        <p:nvPicPr>
-          <p:cNvPr id="1040" name="Picture 16" descr="RÃ©sultat dâimages pour clap png">
-            <a:extLst>
-              <a:ext uri="{FF2B5EF4-FFF2-40B4-BE49-F238E27FC236}">
-                <a16:creationId xmlns:a16="http://schemas.microsoft.com/office/drawing/2014/main" id="{3DC7B509-83D4-445C-B592-C10AC14DA218}"/>
-              </a:ext>
-            </a:extLst>
-          </p:cNvPr>
-          <p:cNvPicPr>
-            <a:picLocks noChangeAspect="1" noChangeArrowheads="1"/>
-          </p:cNvPicPr>
-          <p:nvPr/>
-        </p:nvPicPr>
-        <p:blipFill>
-          <a:blip r:embed="rId15" cstate="print">
-            <a:extLst>
-              <a:ext uri="{28A0092B-C50C-407E-A947-70E740481C1C}">
-                <a14:useLocalDpi xmlns:a14="http://schemas.microsoft.com/office/drawing/2010/main" val="0"/>
-              </a:ext>
-            </a:extLst>
-          </a:blip>
-          <a:srcRect/>
-          <a:stretch>
-            <a:fillRect/>
-          </a:stretch>
-        </p:blipFill>
-        <p:spPr bwMode="auto">
-          <a:xfrm>
-            <a:off x="7557837" y="2681536"/>
-            <a:ext cx="1430288" cy="1430288"/>
-          </a:xfrm>
-          <a:prstGeom prst="rect">
-            <a:avLst/>
-          </a:prstGeom>
-          <a:noFill/>
-          <a:extLst>
-            <a:ext uri="{909E8E84-426E-40DD-AFC4-6F175D3DCCD1}">
-              <a14:hiddenFill xmlns:a14="http://schemas.microsoft.com/office/drawing/2010/main">
-                <a:solidFill>
-                  <a:srgbClr val="FFFFFF"/>
-                </a:solidFill>
-              </a14:hiddenFill>
-            </a:ext>
-          </a:extLst>
-        </p:spPr>
-      </p:pic>
-      <p:pic>
-        <p:nvPicPr>
-          <p:cNvPr id="3" name="Image 2" descr="Une image contenant personne, ciel, habits, main&#10;&#10;Description générée avec un niveau de confiance élevé">
-            <a:extLst>
-              <a:ext uri="{FF2B5EF4-FFF2-40B4-BE49-F238E27FC236}">
-                <a16:creationId xmlns:a16="http://schemas.microsoft.com/office/drawing/2014/main" id="{5FEBFA85-3FFB-4966-906A-DCE03796A35F}"/>
-              </a:ext>
-            </a:extLst>
-          </p:cNvPr>
-          <p:cNvPicPr>
-            <a:picLocks noChangeAspect="1"/>
-          </p:cNvPicPr>
-          <p:nvPr/>
-        </p:nvPicPr>
-        <p:blipFill>
-          <a:blip r:embed="rId16">
-            <a:extLst>
-              <a:ext uri="{28A0092B-C50C-407E-A947-70E740481C1C}">
-                <a14:useLocalDpi xmlns:a14="http://schemas.microsoft.com/office/drawing/2010/main" val="0"/>
-              </a:ext>
-            </a:extLst>
-          </a:blip>
-          <a:stretch>
-            <a:fillRect/>
-          </a:stretch>
-        </p:blipFill>
-        <p:spPr>
-          <a:xfrm rot="16200000">
-            <a:off x="7198745" y="719169"/>
-            <a:ext cx="1811063" cy="2113671"/>
-          </a:xfrm>
-          <a:prstGeom prst="rect">
-            <a:avLst/>
-          </a:prstGeom>
-        </p:spPr>
-      </p:pic>
-    </p:spTree>
-    <p:extLst>
-      <p:ext uri="{BB962C8B-B14F-4D97-AF65-F5344CB8AC3E}">
-        <p14:creationId xmlns:p14="http://schemas.microsoft.com/office/powerpoint/2010/main" val="3792151983"/>
-      </p:ext>
-    </p:extLst>
-  </p:cSld>
-  <p:clrMapOvr>
-    <a:masterClrMapping/>
-  </p:clrMapOvr>
-  <mc:AlternateContent xmlns:mc="http://schemas.openxmlformats.org/markup-compatibility/2006" xmlns:p14="http://schemas.microsoft.com/office/powerpoint/2010/main">
-    <mc:Choice Requires="p14">
-      <p:transition spd="med" p14:dur="700">
-        <p:fade/>
-      </p:transition>
-    </mc:Choice>
-    <mc:Fallback xmlns="">
-      <p:transition spd="med">
-        <p:fade/>
-      </p:transition>
-    </mc:Fallback>
-  </mc:AlternateContent>
-</p:sld>
-</file>
-
-<file path=ppt/slides/slide17.xml><?xml version="1.0" encoding="utf-8"?>
-<p:sld xmlns:a="http://schemas.openxmlformats.org/drawingml/2006/main" xmlns:r="http://schemas.openxmlformats.org/officeDocument/2006/relationships" xmlns:p="http://schemas.openxmlformats.org/presentationml/2006/main">
-  <p:cSld>
-    <p:spTree>
-      <p:nvGrpSpPr>
-        <p:cNvPr id="1" name=""/>
-        <p:cNvGrpSpPr/>
-        <p:nvPr/>
-      </p:nvGrpSpPr>
-      <p:grpSpPr>
-        <a:xfrm>
-          <a:off x="0" y="0"/>
-          <a:ext cx="0" cy="0"/>
-          <a:chOff x="0" y="0"/>
-          <a:chExt cx="0" cy="0"/>
-        </a:xfrm>
-      </p:grpSpPr>
-      <p:sp>
-        <p:nvSpPr>
-          <p:cNvPr id="5" name="Rectangle 4"/>
-          <p:cNvSpPr/>
-          <p:nvPr/>
-        </p:nvSpPr>
-        <p:spPr>
-          <a:xfrm>
-            <a:off x="0" y="0"/>
-            <a:ext cx="9144000" cy="116632"/>
-          </a:xfrm>
-          <a:prstGeom prst="rect">
-            <a:avLst/>
-          </a:prstGeom>
-          <a:solidFill>
-            <a:srgbClr val="C00000"/>
-          </a:solidFill>
-          <a:ln>
-            <a:noFill/>
-          </a:ln>
-        </p:spPr>
-        <p:style>
-          <a:lnRef idx="2">
-            <a:schemeClr val="accent1">
-              <a:shade val="50000"/>
-            </a:schemeClr>
-          </a:lnRef>
-          <a:fillRef idx="1">
-            <a:schemeClr val="accent1"/>
-          </a:fillRef>
-          <a:effectRef idx="0">
-            <a:schemeClr val="accent1"/>
-          </a:effectRef>
-          <a:fontRef idx="minor">
-            <a:schemeClr val="lt1"/>
-          </a:fontRef>
-        </p:style>
-        <p:txBody>
-          <a:bodyPr rtlCol="0" anchor="ctr"/>
-          <a:lstStyle/>
-          <a:p>
-            <a:pPr algn="ctr"/>
-            <a:endParaRPr lang="fr-FR"/>
-          </a:p>
-        </p:txBody>
-      </p:sp>
-      <p:sp>
-        <p:nvSpPr>
-          <p:cNvPr id="6" name="ZoneTexte 5"/>
-          <p:cNvSpPr txBox="1"/>
-          <p:nvPr/>
-        </p:nvSpPr>
-        <p:spPr>
-          <a:xfrm>
-            <a:off x="0" y="116632"/>
-            <a:ext cx="2123728" cy="369332"/>
-          </a:xfrm>
-          <a:prstGeom prst="rect">
-            <a:avLst/>
-          </a:prstGeom>
-          <a:solidFill>
-            <a:srgbClr val="E4E6E6"/>
-          </a:solidFill>
-        </p:spPr>
-        <p:txBody>
-          <a:bodyPr wrap="square" rtlCol="0">
-            <a:spAutoFit/>
-          </a:bodyPr>
-          <a:lstStyle/>
-          <a:p>
-            <a:r>
-              <a:rPr lang="fr-FR" dirty="0">
-                <a:solidFill>
-                  <a:schemeClr val="bg1">
-                    <a:lumMod val="50000"/>
-                  </a:schemeClr>
-                </a:solidFill>
-                <a:latin typeface="Segoe UI Semibold" pitchFamily="34" charset="0"/>
-                <a:ea typeface="Segoe UI" pitchFamily="34" charset="0"/>
-                <a:cs typeface="Segoe UI" pitchFamily="34" charset="0"/>
-              </a:rPr>
-              <a:t> Introduction</a:t>
-            </a:r>
-          </a:p>
-        </p:txBody>
-      </p:sp>
-      <p:sp>
-        <p:nvSpPr>
-          <p:cNvPr id="7" name="ZoneTexte 6"/>
-          <p:cNvSpPr txBox="1"/>
-          <p:nvPr/>
-        </p:nvSpPr>
-        <p:spPr>
-          <a:xfrm>
-            <a:off x="2376264" y="116632"/>
-            <a:ext cx="2123728" cy="369332"/>
-          </a:xfrm>
-          <a:prstGeom prst="rect">
-            <a:avLst/>
-          </a:prstGeom>
-          <a:noFill/>
-        </p:spPr>
-        <p:txBody>
-          <a:bodyPr wrap="square" rtlCol="0">
-            <a:spAutoFit/>
-          </a:bodyPr>
-          <a:lstStyle/>
-          <a:p>
-            <a:r>
-              <a:rPr lang="fr-FR" dirty="0">
-                <a:solidFill>
-                  <a:schemeClr val="bg1">
-                    <a:lumMod val="50000"/>
-                  </a:schemeClr>
-                </a:solidFill>
-                <a:latin typeface="Segoe UI Semibold" pitchFamily="34" charset="0"/>
-              </a:rPr>
-              <a:t> Conception</a:t>
-            </a:r>
-          </a:p>
-        </p:txBody>
-      </p:sp>
-      <p:sp>
-        <p:nvSpPr>
-          <p:cNvPr id="8" name="ZoneTexte 7"/>
-          <p:cNvSpPr txBox="1"/>
-          <p:nvPr/>
-        </p:nvSpPr>
-        <p:spPr>
-          <a:xfrm>
-            <a:off x="4752528" y="116632"/>
-            <a:ext cx="2123728" cy="369332"/>
-          </a:xfrm>
-          <a:prstGeom prst="rect">
-            <a:avLst/>
-          </a:prstGeom>
-          <a:noFill/>
-        </p:spPr>
-        <p:txBody>
-          <a:bodyPr wrap="square" rtlCol="0">
-            <a:spAutoFit/>
-          </a:bodyPr>
-          <a:lstStyle/>
-          <a:p>
-            <a:r>
-              <a:rPr lang="fr-FR" dirty="0">
-                <a:solidFill>
-                  <a:prstClr val="white">
-                    <a:lumMod val="50000"/>
-                  </a:prstClr>
-                </a:solidFill>
-                <a:latin typeface="Segoe UI Semibold" pitchFamily="34" charset="0"/>
-              </a:rPr>
-              <a:t> </a:t>
-            </a:r>
-            <a:r>
-              <a:rPr lang="en-GB" dirty="0">
-                <a:solidFill>
-                  <a:schemeClr val="bg1">
-                    <a:lumMod val="50000"/>
-                  </a:schemeClr>
-                </a:solidFill>
-                <a:latin typeface="Segoe UI Semibold" panose="020B0702040204020203" pitchFamily="34" charset="0"/>
-                <a:cs typeface="Segoe UI Semibold" panose="020B0702040204020203" pitchFamily="34" charset="0"/>
-              </a:rPr>
-              <a:t>Production</a:t>
-            </a:r>
-            <a:endParaRPr lang="fr-FR" dirty="0">
-              <a:solidFill>
-                <a:prstClr val="white">
-                  <a:lumMod val="50000"/>
-                </a:prstClr>
-              </a:solidFill>
-              <a:latin typeface="Segoe UI Semibold" pitchFamily="34" charset="0"/>
-            </a:endParaRPr>
-          </a:p>
-        </p:txBody>
-      </p:sp>
       <p:sp>
         <p:nvSpPr>
           <p:cNvPr id="9" name="ZoneTexte 8"/>
@@ -16459,8 +14929,23 @@
                 </a:solidFill>
                 <a:latin typeface="Segoe UI Semibold" pitchFamily="34" charset="0"/>
               </a:rPr>
-              <a:t> Synthèse</a:t>
+              <a:t> </a:t>
             </a:r>
+            <a:r>
+              <a:rPr lang="fr-FR" dirty="0" err="1">
+                <a:solidFill>
+                  <a:schemeClr val="bg1"/>
+                </a:solidFill>
+                <a:latin typeface="Segoe UI Semibold" pitchFamily="34" charset="0"/>
+              </a:rPr>
+              <a:t>Synthesis</a:t>
+            </a:r>
+            <a:endParaRPr lang="fr-FR" dirty="0">
+              <a:solidFill>
+                <a:schemeClr val="bg1"/>
+              </a:solidFill>
+              <a:latin typeface="Segoe UI Semibold" pitchFamily="34" charset="0"/>
+            </a:endParaRPr>
           </a:p>
         </p:txBody>
       </p:sp>
@@ -17040,7 +15525,7 @@
 </p:sld>
 </file>
 
-<file path=ppt/slides/slide18.xml><?xml version="1.0" encoding="utf-8"?>
+<file path=ppt/slides/slide16.xml><?xml version="1.0" encoding="utf-8"?>
 <p:sld xmlns:a="http://schemas.openxmlformats.org/drawingml/2006/main" xmlns:r="http://schemas.openxmlformats.org/officeDocument/2006/relationships" xmlns:p="http://schemas.openxmlformats.org/presentationml/2006/main">
   <p:cSld>
     <p:spTree>
@@ -19028,7 +17513,7 @@
                 <a:ea typeface="Segoe UI" pitchFamily="34" charset="0"/>
                 <a:cs typeface="Segoe UI" pitchFamily="34" charset="0"/>
               </a:rPr>
-              <a:t>that propose two services :</a:t>
+              <a:t>that proposes two services :</a:t>
             </a:r>
           </a:p>
           <a:p>
@@ -19654,900 +18139,6 @@
           </a:p>
         </p:txBody>
       </p:sp>
-      <p:sp>
-        <p:nvSpPr>
-          <p:cNvPr id="8" name="ZoneTexte 7"/>
-          <p:cNvSpPr txBox="1"/>
-          <p:nvPr/>
-        </p:nvSpPr>
-        <p:spPr>
-          <a:xfrm>
-            <a:off x="6984776" y="113130"/>
-            <a:ext cx="2123728" cy="369332"/>
-          </a:xfrm>
-          <a:prstGeom prst="rect">
-            <a:avLst/>
-          </a:prstGeom>
-          <a:noFill/>
-        </p:spPr>
-        <p:txBody>
-          <a:bodyPr wrap="square" rtlCol="0">
-            <a:spAutoFit/>
-          </a:bodyPr>
-          <a:lstStyle/>
-          <a:p>
-            <a:r>
-              <a:rPr lang="fr-FR" dirty="0">
-                <a:solidFill>
-                  <a:schemeClr val="bg1">
-                    <a:lumMod val="50000"/>
-                  </a:schemeClr>
-                </a:solidFill>
-                <a:latin typeface="Segoe UI Semibold" panose="020B0702040204020203" pitchFamily="34" charset="0"/>
-                <a:cs typeface="Segoe UI Semibold" panose="020B0702040204020203" pitchFamily="34" charset="0"/>
-              </a:rPr>
-              <a:t> </a:t>
-            </a:r>
-            <a:r>
-              <a:rPr lang="en-GB" dirty="0">
-                <a:solidFill>
-                  <a:schemeClr val="bg1">
-                    <a:lumMod val="50000"/>
-                  </a:schemeClr>
-                </a:solidFill>
-                <a:latin typeface="Segoe UI Semibold" panose="020B0702040204020203" pitchFamily="34" charset="0"/>
-                <a:cs typeface="Segoe UI Semibold" panose="020B0702040204020203" pitchFamily="34" charset="0"/>
-              </a:rPr>
-              <a:t>Synthesis</a:t>
-            </a:r>
-            <a:endParaRPr lang="fr-FR" dirty="0">
-              <a:solidFill>
-                <a:schemeClr val="bg1">
-                  <a:lumMod val="50000"/>
-                </a:schemeClr>
-              </a:solidFill>
-              <a:latin typeface="Segoe UI Semibold" panose="020B0702040204020203" pitchFamily="34" charset="0"/>
-              <a:cs typeface="Segoe UI Semibold" panose="020B0702040204020203" pitchFamily="34" charset="0"/>
-            </a:endParaRPr>
-          </a:p>
-        </p:txBody>
-      </p:sp>
-      <p:pic>
-        <p:nvPicPr>
-          <p:cNvPr id="9" name="Picture 2" descr="C:\Users\REMICARLES\Documents\Dossier Partagé\EXIA A2\PROJET Systèmes &amp; Réseaux (18 - 27 janvier 2012)\metro icons\perso - big\white\arrow.png"/>
-          <p:cNvPicPr>
-            <a:picLocks noChangeAspect="1" noChangeArrowheads="1"/>
-          </p:cNvPicPr>
-          <p:nvPr/>
-        </p:nvPicPr>
-        <p:blipFill>
-          <a:blip r:embed="rId3" cstate="print">
-            <a:extLst>
-              <a:ext uri="{28A0092B-C50C-407E-A947-70E740481C1C}">
-                <a14:useLocalDpi xmlns:a14="http://schemas.microsoft.com/office/drawing/2010/main" val="0"/>
-              </a:ext>
-            </a:extLst>
-          </a:blip>
-          <a:srcRect/>
-          <a:stretch>
-            <a:fillRect/>
-          </a:stretch>
-        </p:blipFill>
-        <p:spPr bwMode="auto">
-          <a:xfrm>
-            <a:off x="1641359" y="178463"/>
-            <a:ext cx="266345" cy="266345"/>
-          </a:xfrm>
-          <a:prstGeom prst="rect">
-            <a:avLst/>
-          </a:prstGeom>
-          <a:noFill/>
-          <a:extLst>
-            <a:ext uri="{909E8E84-426E-40DD-AFC4-6F175D3DCCD1}">
-              <a14:hiddenFill xmlns:a14="http://schemas.microsoft.com/office/drawing/2010/main">
-                <a:solidFill>
-                  <a:srgbClr val="FFFFFF"/>
-                </a:solidFill>
-              </a14:hiddenFill>
-            </a:ext>
-          </a:extLst>
-        </p:spPr>
-      </p:pic>
-      <p:pic>
-        <p:nvPicPr>
-          <p:cNvPr id="10" name="Picture 3" descr="C:\Users\REMICARLES\Documents\Dossier Partagé\EXIA A2\PROJET Systèmes &amp; Réseaux (18 - 27 janvier 2012)\metro icons\perso - big\white\diagram.png"/>
-          <p:cNvPicPr>
-            <a:picLocks noChangeAspect="1" noChangeArrowheads="1"/>
-          </p:cNvPicPr>
-          <p:nvPr/>
-        </p:nvPicPr>
-        <p:blipFill>
-          <a:blip r:embed="rId4" cstate="print">
-            <a:extLst>
-              <a:ext uri="{BEBA8EAE-BF5A-486C-A8C5-ECC9F3942E4B}">
-                <a14:imgProps xmlns:a14="http://schemas.microsoft.com/office/drawing/2010/main">
-                  <a14:imgLayer r:embed="rId5">
-                    <a14:imgEffect>
-                      <a14:brightnessContrast bright="-40000" contrast="-40000"/>
-                    </a14:imgEffect>
-                  </a14:imgLayer>
-                </a14:imgProps>
-              </a:ext>
-              <a:ext uri="{28A0092B-C50C-407E-A947-70E740481C1C}">
-                <a14:useLocalDpi xmlns:a14="http://schemas.microsoft.com/office/drawing/2010/main" val="0"/>
-              </a:ext>
-            </a:extLst>
-          </a:blip>
-          <a:srcRect/>
-          <a:stretch>
-            <a:fillRect/>
-          </a:stretch>
-        </p:blipFill>
-        <p:spPr bwMode="auto">
-          <a:xfrm>
-            <a:off x="3873552" y="188640"/>
-            <a:ext cx="266400" cy="266400"/>
-          </a:xfrm>
-          <a:prstGeom prst="rect">
-            <a:avLst/>
-          </a:prstGeom>
-          <a:noFill/>
-          <a:extLst>
-            <a:ext uri="{909E8E84-426E-40DD-AFC4-6F175D3DCCD1}">
-              <a14:hiddenFill xmlns:a14="http://schemas.microsoft.com/office/drawing/2010/main">
-                <a:solidFill>
-                  <a:srgbClr val="FFFFFF"/>
-                </a:solidFill>
-              </a14:hiddenFill>
-            </a:ext>
-          </a:extLst>
-        </p:spPr>
-      </p:pic>
-      <p:pic>
-        <p:nvPicPr>
-          <p:cNvPr id="11" name="Picture 4" descr="C:\Users\REMICARLES\Documents\Dossier Partagé\EXIA A2\PROJET Systèmes &amp; Réseaux (18 - 27 janvier 2012)\metro icons\perso - big\white\parameters.png"/>
-          <p:cNvPicPr>
-            <a:picLocks noChangeAspect="1" noChangeArrowheads="1"/>
-          </p:cNvPicPr>
-          <p:nvPr/>
-        </p:nvPicPr>
-        <p:blipFill>
-          <a:blip r:embed="rId6" cstate="print">
-            <a:extLst>
-              <a:ext uri="{BEBA8EAE-BF5A-486C-A8C5-ECC9F3942E4B}">
-                <a14:imgProps xmlns:a14="http://schemas.microsoft.com/office/drawing/2010/main">
-                  <a14:imgLayer r:embed="rId7">
-                    <a14:imgEffect>
-                      <a14:brightnessContrast bright="-40000"/>
-                    </a14:imgEffect>
-                  </a14:imgLayer>
-                </a14:imgProps>
-              </a:ext>
-              <a:ext uri="{28A0092B-C50C-407E-A947-70E740481C1C}">
-                <a14:useLocalDpi xmlns:a14="http://schemas.microsoft.com/office/drawing/2010/main" val="0"/>
-              </a:ext>
-            </a:extLst>
-          </a:blip>
-          <a:srcRect/>
-          <a:stretch>
-            <a:fillRect/>
-          </a:stretch>
-        </p:blipFill>
-        <p:spPr bwMode="auto">
-          <a:xfrm>
-            <a:off x="6228184" y="188640"/>
-            <a:ext cx="266400" cy="266400"/>
-          </a:xfrm>
-          <a:prstGeom prst="rect">
-            <a:avLst/>
-          </a:prstGeom>
-          <a:noFill/>
-          <a:extLst>
-            <a:ext uri="{909E8E84-426E-40DD-AFC4-6F175D3DCCD1}">
-              <a14:hiddenFill xmlns:a14="http://schemas.microsoft.com/office/drawing/2010/main">
-                <a:solidFill>
-                  <a:srgbClr val="FFFFFF"/>
-                </a:solidFill>
-              </a14:hiddenFill>
-            </a:ext>
-          </a:extLst>
-        </p:spPr>
-      </p:pic>
-      <p:pic>
-        <p:nvPicPr>
-          <p:cNvPr id="12" name="Picture 5" descr="C:\Users\REMICARLES\Documents\Dossier Partagé\EXIA A2\PROJET Systèmes &amp; Réseaux (18 - 27 janvier 2012)\metro icons\perso - big\white\hub.png"/>
-          <p:cNvPicPr>
-            <a:picLocks noChangeAspect="1" noChangeArrowheads="1"/>
-          </p:cNvPicPr>
-          <p:nvPr/>
-        </p:nvPicPr>
-        <p:blipFill>
-          <a:blip r:embed="rId8" cstate="print">
-            <a:extLst>
-              <a:ext uri="{BEBA8EAE-BF5A-486C-A8C5-ECC9F3942E4B}">
-                <a14:imgProps xmlns:a14="http://schemas.microsoft.com/office/drawing/2010/main">
-                  <a14:imgLayer r:embed="rId9">
-                    <a14:imgEffect>
-                      <a14:brightnessContrast bright="-40000"/>
-                    </a14:imgEffect>
-                  </a14:imgLayer>
-                </a14:imgProps>
-              </a:ext>
-              <a:ext uri="{28A0092B-C50C-407E-A947-70E740481C1C}">
-                <a14:useLocalDpi xmlns:a14="http://schemas.microsoft.com/office/drawing/2010/main" val="0"/>
-              </a:ext>
-            </a:extLst>
-          </a:blip>
-          <a:srcRect/>
-          <a:stretch>
-            <a:fillRect/>
-          </a:stretch>
-        </p:blipFill>
-        <p:spPr bwMode="auto">
-          <a:xfrm>
-            <a:off x="8316416" y="188640"/>
-            <a:ext cx="266400" cy="266400"/>
-          </a:xfrm>
-          <a:prstGeom prst="rect">
-            <a:avLst/>
-          </a:prstGeom>
-          <a:noFill/>
-          <a:extLst>
-            <a:ext uri="{909E8E84-426E-40DD-AFC4-6F175D3DCCD1}">
-              <a14:hiddenFill xmlns:a14="http://schemas.microsoft.com/office/drawing/2010/main">
-                <a:solidFill>
-                  <a:srgbClr val="FFFFFF"/>
-                </a:solidFill>
-              </a14:hiddenFill>
-            </a:ext>
-          </a:extLst>
-        </p:spPr>
-      </p:pic>
-      <p:sp>
-        <p:nvSpPr>
-          <p:cNvPr id="15" name="ZoneTexte 14"/>
-          <p:cNvSpPr txBox="1"/>
-          <p:nvPr/>
-        </p:nvSpPr>
-        <p:spPr>
-          <a:xfrm>
-            <a:off x="1115617" y="764704"/>
-            <a:ext cx="7200800" cy="3739806"/>
-          </a:xfrm>
-          <a:prstGeom prst="rect">
-            <a:avLst/>
-          </a:prstGeom>
-          <a:noFill/>
-        </p:spPr>
-        <p:txBody>
-          <a:bodyPr wrap="square" rtlCol="0">
-            <a:spAutoFit/>
-          </a:bodyPr>
-          <a:lstStyle/>
-          <a:p>
-            <a:pPr>
-              <a:lnSpc>
-                <a:spcPct val="150000"/>
-              </a:lnSpc>
-            </a:pPr>
-            <a:r>
-              <a:rPr lang="fr-FR" sz="4000" dirty="0" err="1">
-                <a:latin typeface="Century Gothic" panose="020B0502020202020204" pitchFamily="34" charset="0"/>
-                <a:ea typeface="Segoe UI" pitchFamily="34" charset="0"/>
-                <a:cs typeface="Segoe UI" pitchFamily="34" charset="0"/>
-              </a:rPr>
-              <a:t>Context</a:t>
-            </a:r>
-            <a:r>
-              <a:rPr lang="fr-FR" sz="4000" dirty="0">
-                <a:latin typeface="Century Gothic" panose="020B0502020202020204" pitchFamily="34" charset="0"/>
-                <a:ea typeface="Segoe UI" pitchFamily="34" charset="0"/>
-                <a:cs typeface="Segoe UI" pitchFamily="34" charset="0"/>
-              </a:rPr>
-              <a:t> of the project</a:t>
-            </a:r>
-            <a:r>
-              <a:rPr lang="en-GB" sz="4000" dirty="0">
-                <a:latin typeface="Century Gothic" panose="020B0502020202020204" pitchFamily="34" charset="0"/>
-                <a:ea typeface="Segoe UI" pitchFamily="34" charset="0"/>
-                <a:cs typeface="Segoe UI" pitchFamily="34" charset="0"/>
-              </a:rPr>
-              <a:t>:</a:t>
-            </a:r>
-          </a:p>
-          <a:p>
-            <a:pPr>
-              <a:lnSpc>
-                <a:spcPct val="150000"/>
-              </a:lnSpc>
-            </a:pPr>
-            <a:endParaRPr lang="en-GB" sz="2800" dirty="0">
-              <a:latin typeface="Century Gothic" panose="020B0502020202020204" pitchFamily="34" charset="0"/>
-              <a:ea typeface="Segoe UI" pitchFamily="34" charset="0"/>
-              <a:cs typeface="Segoe UI" pitchFamily="34" charset="0"/>
-            </a:endParaRPr>
-          </a:p>
-          <a:p>
-            <a:pPr>
-              <a:lnSpc>
-                <a:spcPct val="150000"/>
-              </a:lnSpc>
-            </a:pPr>
-            <a:endParaRPr lang="en-GB" sz="2800" dirty="0">
-              <a:latin typeface="Century Gothic" panose="020B0502020202020204" pitchFamily="34" charset="0"/>
-              <a:ea typeface="Segoe UI" pitchFamily="34" charset="0"/>
-              <a:cs typeface="Segoe UI" pitchFamily="34" charset="0"/>
-            </a:endParaRPr>
-          </a:p>
-          <a:p>
-            <a:pPr marL="457200" indent="-457200">
-              <a:lnSpc>
-                <a:spcPct val="150000"/>
-              </a:lnSpc>
-              <a:buFont typeface="Wingdings" pitchFamily="2" charset="2"/>
-              <a:buChar char="§"/>
-            </a:pPr>
-            <a:r>
-              <a:rPr lang="en-US" sz="1600" dirty="0">
-                <a:latin typeface="Segoe UI" pitchFamily="34" charset="0"/>
-                <a:ea typeface="Segoe UI" pitchFamily="34" charset="0"/>
-                <a:cs typeface="Segoe UI" pitchFamily="34" charset="0"/>
-              </a:rPr>
-              <a:t>Create a website for CESI’s BDE</a:t>
-            </a:r>
-            <a:r>
-              <a:rPr lang="fr-FR" sz="1600" dirty="0">
-                <a:latin typeface="Segoe UI" pitchFamily="34" charset="0"/>
-                <a:ea typeface="Segoe UI" pitchFamily="34" charset="0"/>
-                <a:cs typeface="Segoe UI" pitchFamily="34" charset="0"/>
-              </a:rPr>
-              <a:t>.</a:t>
-            </a:r>
-          </a:p>
-          <a:p>
-            <a:pPr marL="457200" indent="-457200">
-              <a:lnSpc>
-                <a:spcPct val="150000"/>
-              </a:lnSpc>
-              <a:buFont typeface="Wingdings" pitchFamily="2" charset="2"/>
-              <a:buChar char="§"/>
-            </a:pPr>
-            <a:r>
-              <a:rPr lang="en-US" sz="1600" dirty="0">
-                <a:latin typeface="Segoe UI" pitchFamily="34" charset="0"/>
-                <a:ea typeface="Segoe UI" pitchFamily="34" charset="0"/>
-                <a:cs typeface="Segoe UI" pitchFamily="34" charset="0"/>
-              </a:rPr>
-              <a:t>Manage events promotion and an online sales shop</a:t>
-            </a:r>
-            <a:r>
-              <a:rPr lang="fr-FR" sz="1600" dirty="0">
-                <a:latin typeface="Segoe UI" pitchFamily="34" charset="0"/>
-                <a:ea typeface="Segoe UI" pitchFamily="34" charset="0"/>
-                <a:cs typeface="Segoe UI" pitchFamily="34" charset="0"/>
-              </a:rPr>
-              <a:t>.</a:t>
-            </a:r>
-          </a:p>
-          <a:p>
-            <a:pPr marL="457200" indent="-457200">
-              <a:lnSpc>
-                <a:spcPct val="150000"/>
-              </a:lnSpc>
-              <a:buFont typeface="Wingdings" pitchFamily="2" charset="2"/>
-              <a:buChar char="§"/>
-            </a:pPr>
-            <a:r>
-              <a:rPr lang="en-US" sz="1600" dirty="0">
-                <a:latin typeface="Segoe UI" pitchFamily="34" charset="0"/>
-                <a:ea typeface="Segoe UI" pitchFamily="34" charset="0"/>
-                <a:cs typeface="Segoe UI" pitchFamily="34" charset="0"/>
-              </a:rPr>
-              <a:t>Create separated roles for students, employees and BDE members</a:t>
-            </a:r>
-            <a:r>
-              <a:rPr lang="en-GB" sz="1600" dirty="0">
-                <a:latin typeface="Segoe UI" pitchFamily="34" charset="0"/>
-                <a:ea typeface="Segoe UI" pitchFamily="34" charset="0"/>
-                <a:cs typeface="Segoe UI" pitchFamily="34" charset="0"/>
-              </a:rPr>
-              <a:t> with different accesses and rights</a:t>
-            </a:r>
-          </a:p>
-        </p:txBody>
-      </p:sp>
-    </p:spTree>
-    <p:extLst>
-      <p:ext uri="{BB962C8B-B14F-4D97-AF65-F5344CB8AC3E}">
-        <p14:creationId xmlns:p14="http://schemas.microsoft.com/office/powerpoint/2010/main" val="3942385561"/>
-      </p:ext>
-    </p:extLst>
-  </p:cSld>
-  <p:clrMapOvr>
-    <a:masterClrMapping/>
-  </p:clrMapOvr>
-  <mc:AlternateContent xmlns:mc="http://schemas.openxmlformats.org/markup-compatibility/2006" xmlns:p14="http://schemas.microsoft.com/office/powerpoint/2010/main">
-    <mc:Choice Requires="p14">
-      <p:transition spd="med" p14:dur="700">
-        <p:fade/>
-      </p:transition>
-    </mc:Choice>
-    <mc:Fallback xmlns="">
-      <p:transition spd="med">
-        <p:fade/>
-      </p:transition>
-    </mc:Fallback>
-  </mc:AlternateContent>
-  <p:timing>
-    <p:tnLst>
-      <p:par>
-        <p:cTn id="1" dur="indefinite" restart="never" nodeType="tmRoot">
-          <p:childTnLst>
-            <p:seq concurrent="1" nextAc="seek">
-              <p:cTn id="2" dur="indefinite" nodeType="mainSeq">
-                <p:childTnLst>
-                  <p:par>
-                    <p:cTn id="3" fill="hold">
-                      <p:stCondLst>
-                        <p:cond delay="indefinite"/>
-                      </p:stCondLst>
-                      <p:childTnLst>
-                        <p:par>
-                          <p:cTn id="4" fill="hold">
-                            <p:stCondLst>
-                              <p:cond delay="0"/>
-                            </p:stCondLst>
-                            <p:childTnLst>
-                              <p:par>
-                                <p:cTn id="5" presetID="10" presetClass="entr" presetSubtype="0" fill="hold" nodeType="clickEffect">
-                                  <p:stCondLst>
-                                    <p:cond delay="0"/>
-                                  </p:stCondLst>
-                                  <p:childTnLst>
-                                    <p:set>
-                                      <p:cBhvr>
-                                        <p:cTn id="6" dur="1" fill="hold">
-                                          <p:stCondLst>
-                                            <p:cond delay="0"/>
-                                          </p:stCondLst>
-                                        </p:cTn>
-                                        <p:tgtEl>
-                                          <p:spTgt spid="15">
-                                            <p:txEl>
-                                              <p:pRg st="0" end="0"/>
-                                            </p:txEl>
-                                          </p:spTgt>
-                                        </p:tgtEl>
-                                        <p:attrNameLst>
-                                          <p:attrName>style.visibility</p:attrName>
-                                        </p:attrNameLst>
-                                      </p:cBhvr>
-                                      <p:to>
-                                        <p:strVal val="visible"/>
-                                      </p:to>
-                                    </p:set>
-                                    <p:animEffect transition="in" filter="fade">
-                                      <p:cBhvr>
-                                        <p:cTn id="7" dur="500"/>
-                                        <p:tgtEl>
-                                          <p:spTgt spid="15">
-                                            <p:txEl>
-                                              <p:pRg st="0" end="0"/>
-                                            </p:txEl>
-                                          </p:spTgt>
-                                        </p:tgtEl>
-                                      </p:cBhvr>
-                                    </p:animEffect>
-                                  </p:childTnLst>
-                                </p:cTn>
-                              </p:par>
-                            </p:childTnLst>
-                          </p:cTn>
-                        </p:par>
-                      </p:childTnLst>
-                    </p:cTn>
-                  </p:par>
-                  <p:par>
-                    <p:cTn id="8" fill="hold">
-                      <p:stCondLst>
-                        <p:cond delay="indefinite"/>
-                      </p:stCondLst>
-                      <p:childTnLst>
-                        <p:par>
-                          <p:cTn id="9" fill="hold">
-                            <p:stCondLst>
-                              <p:cond delay="0"/>
-                            </p:stCondLst>
-                            <p:childTnLst>
-                              <p:par>
-                                <p:cTn id="10" presetID="10" presetClass="entr" presetSubtype="0" fill="hold" nodeType="clickEffect">
-                                  <p:stCondLst>
-                                    <p:cond delay="0"/>
-                                  </p:stCondLst>
-                                  <p:childTnLst>
-                                    <p:set>
-                                      <p:cBhvr>
-                                        <p:cTn id="11" dur="1" fill="hold">
-                                          <p:stCondLst>
-                                            <p:cond delay="0"/>
-                                          </p:stCondLst>
-                                        </p:cTn>
-                                        <p:tgtEl>
-                                          <p:spTgt spid="15">
-                                            <p:txEl>
-                                              <p:pRg st="3" end="3"/>
-                                            </p:txEl>
-                                          </p:spTgt>
-                                        </p:tgtEl>
-                                        <p:attrNameLst>
-                                          <p:attrName>style.visibility</p:attrName>
-                                        </p:attrNameLst>
-                                      </p:cBhvr>
-                                      <p:to>
-                                        <p:strVal val="visible"/>
-                                      </p:to>
-                                    </p:set>
-                                    <p:animEffect transition="in" filter="fade">
-                                      <p:cBhvr>
-                                        <p:cTn id="12" dur="500"/>
-                                        <p:tgtEl>
-                                          <p:spTgt spid="15">
-                                            <p:txEl>
-                                              <p:pRg st="3" end="3"/>
-                                            </p:txEl>
-                                          </p:spTgt>
-                                        </p:tgtEl>
-                                      </p:cBhvr>
-                                    </p:animEffect>
-                                  </p:childTnLst>
-                                </p:cTn>
-                              </p:par>
-                            </p:childTnLst>
-                          </p:cTn>
-                        </p:par>
-                      </p:childTnLst>
-                    </p:cTn>
-                  </p:par>
-                  <p:par>
-                    <p:cTn id="13" fill="hold">
-                      <p:stCondLst>
-                        <p:cond delay="indefinite"/>
-                      </p:stCondLst>
-                      <p:childTnLst>
-                        <p:par>
-                          <p:cTn id="14" fill="hold">
-                            <p:stCondLst>
-                              <p:cond delay="0"/>
-                            </p:stCondLst>
-                            <p:childTnLst>
-                              <p:par>
-                                <p:cTn id="15" presetID="10" presetClass="entr" presetSubtype="0" fill="hold" nodeType="clickEffect">
-                                  <p:stCondLst>
-                                    <p:cond delay="0"/>
-                                  </p:stCondLst>
-                                  <p:childTnLst>
-                                    <p:set>
-                                      <p:cBhvr>
-                                        <p:cTn id="16" dur="1" fill="hold">
-                                          <p:stCondLst>
-                                            <p:cond delay="0"/>
-                                          </p:stCondLst>
-                                        </p:cTn>
-                                        <p:tgtEl>
-                                          <p:spTgt spid="15">
-                                            <p:txEl>
-                                              <p:pRg st="4" end="4"/>
-                                            </p:txEl>
-                                          </p:spTgt>
-                                        </p:tgtEl>
-                                        <p:attrNameLst>
-                                          <p:attrName>style.visibility</p:attrName>
-                                        </p:attrNameLst>
-                                      </p:cBhvr>
-                                      <p:to>
-                                        <p:strVal val="visible"/>
-                                      </p:to>
-                                    </p:set>
-                                    <p:animEffect transition="in" filter="fade">
-                                      <p:cBhvr>
-                                        <p:cTn id="17" dur="500"/>
-                                        <p:tgtEl>
-                                          <p:spTgt spid="15">
-                                            <p:txEl>
-                                              <p:pRg st="4" end="4"/>
-                                            </p:txEl>
-                                          </p:spTgt>
-                                        </p:tgtEl>
-                                      </p:cBhvr>
-                                    </p:animEffect>
-                                  </p:childTnLst>
-                                </p:cTn>
-                              </p:par>
-                            </p:childTnLst>
-                          </p:cTn>
-                        </p:par>
-                      </p:childTnLst>
-                    </p:cTn>
-                  </p:par>
-                  <p:par>
-                    <p:cTn id="18" fill="hold">
-                      <p:stCondLst>
-                        <p:cond delay="indefinite"/>
-                      </p:stCondLst>
-                      <p:childTnLst>
-                        <p:par>
-                          <p:cTn id="19" fill="hold">
-                            <p:stCondLst>
-                              <p:cond delay="0"/>
-                            </p:stCondLst>
-                            <p:childTnLst>
-                              <p:par>
-                                <p:cTn id="20" presetID="10" presetClass="entr" presetSubtype="0" fill="hold" nodeType="clickEffect">
-                                  <p:stCondLst>
-                                    <p:cond delay="0"/>
-                                  </p:stCondLst>
-                                  <p:childTnLst>
-                                    <p:set>
-                                      <p:cBhvr>
-                                        <p:cTn id="21" dur="1" fill="hold">
-                                          <p:stCondLst>
-                                            <p:cond delay="0"/>
-                                          </p:stCondLst>
-                                        </p:cTn>
-                                        <p:tgtEl>
-                                          <p:spTgt spid="15">
-                                            <p:txEl>
-                                              <p:pRg st="5" end="5"/>
-                                            </p:txEl>
-                                          </p:spTgt>
-                                        </p:tgtEl>
-                                        <p:attrNameLst>
-                                          <p:attrName>style.visibility</p:attrName>
-                                        </p:attrNameLst>
-                                      </p:cBhvr>
-                                      <p:to>
-                                        <p:strVal val="visible"/>
-                                      </p:to>
-                                    </p:set>
-                                    <p:animEffect transition="in" filter="fade">
-                                      <p:cBhvr>
-                                        <p:cTn id="22" dur="500"/>
-                                        <p:tgtEl>
-                                          <p:spTgt spid="15">
-                                            <p:txEl>
-                                              <p:pRg st="5" end="5"/>
-                                            </p:txEl>
-                                          </p:spTgt>
-                                        </p:tgtEl>
-                                      </p:cBhvr>
-                                    </p:animEffect>
-                                  </p:childTnLst>
-                                </p:cTn>
-                              </p:par>
-                            </p:childTnLst>
-                          </p:cTn>
-                        </p:par>
-                      </p:childTnLst>
-                    </p:cTn>
-                  </p:par>
-                </p:childTnLst>
-              </p:cTn>
-              <p:prevCondLst>
-                <p:cond evt="onPrev" delay="0">
-                  <p:tgtEl>
-                    <p:sldTgt/>
-                  </p:tgtEl>
-                </p:cond>
-              </p:prevCondLst>
-              <p:nextCondLst>
-                <p:cond evt="onNext" delay="0">
-                  <p:tgtEl>
-                    <p:sldTgt/>
-                  </p:tgtEl>
-                </p:cond>
-              </p:nextCondLst>
-            </p:seq>
-          </p:childTnLst>
-        </p:cTn>
-      </p:par>
-    </p:tnLst>
-  </p:timing>
-</p:sld>
-</file>
-
-<file path=ppt/slides/slide6.xml><?xml version="1.0" encoding="utf-8"?>
-<p:sld xmlns:a="http://schemas.openxmlformats.org/drawingml/2006/main" xmlns:r="http://schemas.openxmlformats.org/officeDocument/2006/relationships" xmlns:p="http://schemas.openxmlformats.org/presentationml/2006/main">
-  <p:cSld>
-    <p:spTree>
-      <p:nvGrpSpPr>
-        <p:cNvPr id="1" name=""/>
-        <p:cNvGrpSpPr/>
-        <p:nvPr/>
-      </p:nvGrpSpPr>
-      <p:grpSpPr>
-        <a:xfrm>
-          <a:off x="0" y="0"/>
-          <a:ext cx="0" cy="0"/>
-          <a:chOff x="0" y="0"/>
-          <a:chExt cx="0" cy="0"/>
-        </a:xfrm>
-      </p:grpSpPr>
-      <p:sp>
-        <p:nvSpPr>
-          <p:cNvPr id="4" name="Rectangle 3"/>
-          <p:cNvSpPr/>
-          <p:nvPr/>
-        </p:nvSpPr>
-        <p:spPr>
-          <a:xfrm>
-            <a:off x="0" y="0"/>
-            <a:ext cx="9144000" cy="116632"/>
-          </a:xfrm>
-          <a:prstGeom prst="rect">
-            <a:avLst/>
-          </a:prstGeom>
-          <a:solidFill>
-            <a:srgbClr val="C00000"/>
-          </a:solidFill>
-          <a:ln>
-            <a:noFill/>
-          </a:ln>
-        </p:spPr>
-        <p:style>
-          <a:lnRef idx="2">
-            <a:schemeClr val="accent1">
-              <a:shade val="50000"/>
-            </a:schemeClr>
-          </a:lnRef>
-          <a:fillRef idx="1">
-            <a:schemeClr val="accent1"/>
-          </a:fillRef>
-          <a:effectRef idx="0">
-            <a:schemeClr val="accent1"/>
-          </a:effectRef>
-          <a:fontRef idx="minor">
-            <a:schemeClr val="lt1"/>
-          </a:fontRef>
-        </p:style>
-        <p:txBody>
-          <a:bodyPr rtlCol="0" anchor="ctr"/>
-          <a:lstStyle/>
-          <a:p>
-            <a:pPr algn="ctr"/>
-            <a:endParaRPr lang="fr-FR"/>
-          </a:p>
-        </p:txBody>
-      </p:sp>
-      <p:sp>
-        <p:nvSpPr>
-          <p:cNvPr id="5" name="ZoneTexte 4"/>
-          <p:cNvSpPr txBox="1"/>
-          <p:nvPr/>
-        </p:nvSpPr>
-        <p:spPr>
-          <a:xfrm>
-            <a:off x="0" y="116632"/>
-            <a:ext cx="2123728" cy="369332"/>
-          </a:xfrm>
-          <a:prstGeom prst="rect">
-            <a:avLst/>
-          </a:prstGeom>
-          <a:solidFill>
-            <a:srgbClr val="C00000"/>
-          </a:solidFill>
-        </p:spPr>
-        <p:txBody>
-          <a:bodyPr wrap="square" rtlCol="0">
-            <a:spAutoFit/>
-          </a:bodyPr>
-          <a:lstStyle/>
-          <a:p>
-            <a:r>
-              <a:rPr lang="fr-FR" dirty="0">
-                <a:solidFill>
-                  <a:schemeClr val="bg1"/>
-                </a:solidFill>
-                <a:latin typeface="Segoe UI Semibold" pitchFamily="34" charset="0"/>
-                <a:ea typeface="Segoe UI" pitchFamily="34" charset="0"/>
-                <a:cs typeface="Segoe UI" pitchFamily="34" charset="0"/>
-              </a:rPr>
-              <a:t> Introduction</a:t>
-            </a:r>
-          </a:p>
-        </p:txBody>
-      </p:sp>
-      <p:sp>
-        <p:nvSpPr>
-          <p:cNvPr id="6" name="ZoneTexte 5"/>
-          <p:cNvSpPr txBox="1"/>
-          <p:nvPr/>
-        </p:nvSpPr>
-        <p:spPr>
-          <a:xfrm>
-            <a:off x="2376264" y="116632"/>
-            <a:ext cx="2123728" cy="369332"/>
-          </a:xfrm>
-          <a:prstGeom prst="rect">
-            <a:avLst/>
-          </a:prstGeom>
-          <a:noFill/>
-        </p:spPr>
-        <p:txBody>
-          <a:bodyPr wrap="square" rtlCol="0">
-            <a:spAutoFit/>
-          </a:bodyPr>
-          <a:lstStyle/>
-          <a:p>
-            <a:r>
-              <a:rPr lang="fr-FR" dirty="0">
-                <a:solidFill>
-                  <a:schemeClr val="bg1">
-                    <a:lumMod val="50000"/>
-                  </a:schemeClr>
-                </a:solidFill>
-                <a:latin typeface="Segoe UI Semibold" pitchFamily="34" charset="0"/>
-              </a:rPr>
-              <a:t> Conception</a:t>
-            </a:r>
-          </a:p>
-        </p:txBody>
-      </p:sp>
-      <p:sp>
-        <p:nvSpPr>
-          <p:cNvPr id="7" name="ZoneTexte 6"/>
-          <p:cNvSpPr txBox="1"/>
-          <p:nvPr/>
-        </p:nvSpPr>
-        <p:spPr>
-          <a:xfrm>
-            <a:off x="4752528" y="116632"/>
-            <a:ext cx="2123728" cy="369332"/>
-          </a:xfrm>
-          <a:prstGeom prst="rect">
-            <a:avLst/>
-          </a:prstGeom>
-          <a:noFill/>
-        </p:spPr>
-        <p:txBody>
-          <a:bodyPr wrap="square" rtlCol="0">
-            <a:spAutoFit/>
-          </a:bodyPr>
-          <a:lstStyle/>
-          <a:p>
-            <a:r>
-              <a:rPr lang="fr-FR" dirty="0">
-                <a:solidFill>
-                  <a:schemeClr val="bg1">
-                    <a:lumMod val="50000"/>
-                  </a:schemeClr>
-                </a:solidFill>
-                <a:latin typeface="Segoe UI Semibold" pitchFamily="34" charset="0"/>
-              </a:rPr>
-              <a:t> </a:t>
-            </a:r>
-            <a:r>
-              <a:rPr lang="en-GB" dirty="0">
-                <a:solidFill>
-                  <a:schemeClr val="bg1">
-                    <a:lumMod val="50000"/>
-                  </a:schemeClr>
-                </a:solidFill>
-                <a:latin typeface="Segoe UI Semibold" panose="020B0702040204020203" pitchFamily="34" charset="0"/>
-                <a:cs typeface="Segoe UI Semibold" panose="020B0702040204020203" pitchFamily="34" charset="0"/>
-              </a:rPr>
-              <a:t>Production</a:t>
-            </a:r>
-            <a:endParaRPr lang="fr-FR" dirty="0">
-              <a:solidFill>
-                <a:schemeClr val="bg1">
-                  <a:lumMod val="50000"/>
-                </a:schemeClr>
-              </a:solidFill>
-              <a:latin typeface="Segoe UI Semibold" pitchFamily="34" charset="0"/>
-            </a:endParaRPr>
-          </a:p>
-        </p:txBody>
-      </p:sp>
       <p:pic>
         <p:nvPicPr>
           <p:cNvPr id="9" name="Picture 2" descr="C:\Users\REMICARLES\Documents\Dossier Partagé\EXIA A2\PROJET Systèmes &amp; Réseaux (18 - 27 janvier 2012)\metro icons\perso - big\white\arrow.png"/>
@@ -20900,7 +18491,7 @@
 </p:sld>
 </file>
 
-<file path=ppt/slides/slide7.xml><?xml version="1.0" encoding="utf-8"?>
+<file path=ppt/slides/slide6.xml><?xml version="1.0" encoding="utf-8"?>
 <p:sld xmlns:a="http://schemas.openxmlformats.org/drawingml/2006/main" xmlns:r="http://schemas.openxmlformats.org/officeDocument/2006/relationships" xmlns:p="http://schemas.openxmlformats.org/presentationml/2006/main">
   <p:cSld>
     <p:spTree>
@@ -22307,7 +19898,7 @@
 </p:sld>
 </file>
 
-<file path=ppt/slides/slide8.xml><?xml version="1.0" encoding="utf-8"?>
+<file path=ppt/slides/slide7.xml><?xml version="1.0" encoding="utf-8"?>
 <p:sld xmlns:a="http://schemas.openxmlformats.org/drawingml/2006/main" xmlns:r="http://schemas.openxmlformats.org/officeDocument/2006/relationships" xmlns:p="http://schemas.openxmlformats.org/presentationml/2006/main">
   <p:cSld>
     <p:spTree>
@@ -22857,7 +20448,7 @@
 </p:sld>
 </file>
 
-<file path=ppt/slides/slide9.xml><?xml version="1.0" encoding="utf-8"?>
+<file path=ppt/slides/slide8.xml><?xml version="1.0" encoding="utf-8"?>
 <p:sld xmlns:a="http://schemas.openxmlformats.org/drawingml/2006/main" xmlns:r="http://schemas.openxmlformats.org/officeDocument/2006/relationships" xmlns:p="http://schemas.openxmlformats.org/presentationml/2006/main">
   <p:cSld>
     <p:spTree>
@@ -23147,6 +20738,600 @@
       </p:par>
     </p:tnLst>
   </p:timing>
+</p:sld>
+</file>
+
+<file path=ppt/slides/slide9.xml><?xml version="1.0" encoding="utf-8"?>
+<p:sld xmlns:a="http://schemas.openxmlformats.org/drawingml/2006/main" xmlns:r="http://schemas.openxmlformats.org/officeDocument/2006/relationships" xmlns:p="http://schemas.openxmlformats.org/presentationml/2006/main">
+  <p:cSld>
+    <p:spTree>
+      <p:nvGrpSpPr>
+        <p:cNvPr id="1" name=""/>
+        <p:cNvGrpSpPr/>
+        <p:nvPr/>
+      </p:nvGrpSpPr>
+      <p:grpSpPr>
+        <a:xfrm>
+          <a:off x="0" y="0"/>
+          <a:ext cx="0" cy="0"/>
+          <a:chOff x="0" y="0"/>
+          <a:chExt cx="0" cy="0"/>
+        </a:xfrm>
+      </p:grpSpPr>
+      <p:sp>
+        <p:nvSpPr>
+          <p:cNvPr id="18" name="Rectangle 17"/>
+          <p:cNvSpPr/>
+          <p:nvPr/>
+        </p:nvSpPr>
+        <p:spPr>
+          <a:xfrm>
+            <a:off x="0" y="0"/>
+            <a:ext cx="9144000" cy="116632"/>
+          </a:xfrm>
+          <a:prstGeom prst="rect">
+            <a:avLst/>
+          </a:prstGeom>
+          <a:solidFill>
+            <a:srgbClr val="C00000"/>
+          </a:solidFill>
+          <a:ln>
+            <a:noFill/>
+          </a:ln>
+        </p:spPr>
+        <p:style>
+          <a:lnRef idx="2">
+            <a:schemeClr val="accent1">
+              <a:shade val="50000"/>
+            </a:schemeClr>
+          </a:lnRef>
+          <a:fillRef idx="1">
+            <a:schemeClr val="accent1"/>
+          </a:fillRef>
+          <a:effectRef idx="0">
+            <a:schemeClr val="accent1"/>
+          </a:effectRef>
+          <a:fontRef idx="minor">
+            <a:schemeClr val="lt1"/>
+          </a:fontRef>
+        </p:style>
+        <p:txBody>
+          <a:bodyPr rtlCol="0" anchor="ctr"/>
+          <a:lstStyle/>
+          <a:p>
+            <a:pPr algn="ctr"/>
+            <a:endParaRPr lang="fr-FR">
+              <a:solidFill>
+                <a:prstClr val="white"/>
+              </a:solidFill>
+            </a:endParaRPr>
+          </a:p>
+        </p:txBody>
+      </p:sp>
+      <p:sp>
+        <p:nvSpPr>
+          <p:cNvPr id="19" name="ZoneTexte 18"/>
+          <p:cNvSpPr txBox="1"/>
+          <p:nvPr/>
+        </p:nvSpPr>
+        <p:spPr>
+          <a:xfrm>
+            <a:off x="0" y="116632"/>
+            <a:ext cx="2123728" cy="369332"/>
+          </a:xfrm>
+          <a:prstGeom prst="rect">
+            <a:avLst/>
+          </a:prstGeom>
+          <a:solidFill>
+            <a:srgbClr val="E4E6E6"/>
+          </a:solidFill>
+        </p:spPr>
+        <p:txBody>
+          <a:bodyPr wrap="square" rtlCol="0">
+            <a:spAutoFit/>
+          </a:bodyPr>
+          <a:lstStyle/>
+          <a:p>
+            <a:r>
+              <a:rPr lang="fr-FR" dirty="0">
+                <a:solidFill>
+                  <a:prstClr val="white">
+                    <a:lumMod val="50000"/>
+                  </a:prstClr>
+                </a:solidFill>
+                <a:latin typeface="Segoe UI Semibold" pitchFamily="34" charset="0"/>
+                <a:ea typeface="Segoe UI" pitchFamily="34" charset="0"/>
+                <a:cs typeface="Segoe UI" pitchFamily="34" charset="0"/>
+              </a:rPr>
+              <a:t> Introduction</a:t>
+            </a:r>
+          </a:p>
+        </p:txBody>
+      </p:sp>
+      <p:sp>
+        <p:nvSpPr>
+          <p:cNvPr id="20" name="ZoneTexte 19"/>
+          <p:cNvSpPr txBox="1"/>
+          <p:nvPr/>
+        </p:nvSpPr>
+        <p:spPr>
+          <a:xfrm>
+            <a:off x="2376264" y="116632"/>
+            <a:ext cx="2123728" cy="369332"/>
+          </a:xfrm>
+          <a:prstGeom prst="rect">
+            <a:avLst/>
+          </a:prstGeom>
+          <a:solidFill>
+            <a:srgbClr val="C00000"/>
+          </a:solidFill>
+        </p:spPr>
+        <p:txBody>
+          <a:bodyPr wrap="square" rtlCol="0">
+            <a:spAutoFit/>
+          </a:bodyPr>
+          <a:lstStyle/>
+          <a:p>
+            <a:r>
+              <a:rPr lang="fr-FR" dirty="0">
+                <a:solidFill>
+                  <a:prstClr val="white">
+                    <a:lumMod val="50000"/>
+                  </a:prstClr>
+                </a:solidFill>
+                <a:latin typeface="Segoe UI Semibold" pitchFamily="34" charset="0"/>
+              </a:rPr>
+              <a:t> </a:t>
+            </a:r>
+            <a:r>
+              <a:rPr lang="fr-FR" dirty="0">
+                <a:solidFill>
+                  <a:prstClr val="white"/>
+                </a:solidFill>
+                <a:latin typeface="Segoe UI Semibold" pitchFamily="34" charset="0"/>
+              </a:rPr>
+              <a:t>Conception</a:t>
+            </a:r>
+          </a:p>
+        </p:txBody>
+      </p:sp>
+      <p:sp>
+        <p:nvSpPr>
+          <p:cNvPr id="21" name="ZoneTexte 20"/>
+          <p:cNvSpPr txBox="1"/>
+          <p:nvPr/>
+        </p:nvSpPr>
+        <p:spPr>
+          <a:xfrm>
+            <a:off x="4752528" y="116632"/>
+            <a:ext cx="2123728" cy="369332"/>
+          </a:xfrm>
+          <a:prstGeom prst="rect">
+            <a:avLst/>
+          </a:prstGeom>
+          <a:noFill/>
+        </p:spPr>
+        <p:txBody>
+          <a:bodyPr wrap="square" rtlCol="0">
+            <a:spAutoFit/>
+          </a:bodyPr>
+          <a:lstStyle/>
+          <a:p>
+            <a:r>
+              <a:rPr lang="fr-FR" dirty="0">
+                <a:solidFill>
+                  <a:prstClr val="white">
+                    <a:lumMod val="50000"/>
+                  </a:prstClr>
+                </a:solidFill>
+                <a:latin typeface="Segoe UI Semibold" pitchFamily="34" charset="0"/>
+              </a:rPr>
+              <a:t> </a:t>
+            </a:r>
+            <a:r>
+              <a:rPr lang="en-GB" dirty="0">
+                <a:solidFill>
+                  <a:schemeClr val="bg1">
+                    <a:lumMod val="50000"/>
+                  </a:schemeClr>
+                </a:solidFill>
+                <a:latin typeface="Segoe UI Semibold" panose="020B0702040204020203" pitchFamily="34" charset="0"/>
+                <a:cs typeface="Segoe UI Semibold" panose="020B0702040204020203" pitchFamily="34" charset="0"/>
+              </a:rPr>
+              <a:t>Production</a:t>
+            </a:r>
+            <a:endParaRPr lang="fr-FR" dirty="0">
+              <a:solidFill>
+                <a:prstClr val="white">
+                  <a:lumMod val="50000"/>
+                </a:prstClr>
+              </a:solidFill>
+              <a:latin typeface="Segoe UI Semibold" pitchFamily="34" charset="0"/>
+            </a:endParaRPr>
+          </a:p>
+        </p:txBody>
+      </p:sp>
+      <p:pic>
+        <p:nvPicPr>
+          <p:cNvPr id="23" name="Picture 2" descr="C:\Users\REMICARLES\Documents\Dossier Partagé\EXIA A2\PROJET Systèmes &amp; Réseaux (18 - 27 janvier 2012)\metro icons\perso - big\white\arrow.png"/>
+          <p:cNvPicPr>
+            <a:picLocks noChangeAspect="1" noChangeArrowheads="1"/>
+          </p:cNvPicPr>
+          <p:nvPr/>
+        </p:nvPicPr>
+        <p:blipFill>
+          <a:blip r:embed="rId3" cstate="print">
+            <a:extLst>
+              <a:ext uri="{BEBA8EAE-BF5A-486C-A8C5-ECC9F3942E4B}">
+                <a14:imgProps xmlns:a14="http://schemas.microsoft.com/office/drawing/2010/main">
+                  <a14:imgLayer r:embed="rId4">
+                    <a14:imgEffect>
+                      <a14:brightnessContrast bright="-40000"/>
+                    </a14:imgEffect>
+                  </a14:imgLayer>
+                </a14:imgProps>
+              </a:ext>
+              <a:ext uri="{28A0092B-C50C-407E-A947-70E740481C1C}">
+                <a14:useLocalDpi xmlns:a14="http://schemas.microsoft.com/office/drawing/2010/main" val="0"/>
+              </a:ext>
+            </a:extLst>
+          </a:blip>
+          <a:srcRect/>
+          <a:stretch>
+            <a:fillRect/>
+          </a:stretch>
+        </p:blipFill>
+        <p:spPr bwMode="auto">
+          <a:xfrm>
+            <a:off x="1641359" y="178463"/>
+            <a:ext cx="266345" cy="266345"/>
+          </a:xfrm>
+          <a:prstGeom prst="rect">
+            <a:avLst/>
+          </a:prstGeom>
+          <a:noFill/>
+          <a:extLst>
+            <a:ext uri="{909E8E84-426E-40DD-AFC4-6F175D3DCCD1}">
+              <a14:hiddenFill xmlns:a14="http://schemas.microsoft.com/office/drawing/2010/main">
+                <a:solidFill>
+                  <a:srgbClr val="FFFFFF"/>
+                </a:solidFill>
+              </a14:hiddenFill>
+            </a:ext>
+          </a:extLst>
+        </p:spPr>
+      </p:pic>
+      <p:pic>
+        <p:nvPicPr>
+          <p:cNvPr id="24" name="Picture 3" descr="C:\Users\REMICARLES\Documents\Dossier Partagé\EXIA A2\PROJET Systèmes &amp; Réseaux (18 - 27 janvier 2012)\metro icons\perso - big\white\diagram.png"/>
+          <p:cNvPicPr>
+            <a:picLocks noChangeAspect="1" noChangeArrowheads="1"/>
+          </p:cNvPicPr>
+          <p:nvPr/>
+        </p:nvPicPr>
+        <p:blipFill>
+          <a:blip r:embed="rId5" cstate="print">
+            <a:extLst>
+              <a:ext uri="{BEBA8EAE-BF5A-486C-A8C5-ECC9F3942E4B}">
+                <a14:imgProps xmlns:a14="http://schemas.microsoft.com/office/drawing/2010/main">
+                  <a14:imgLayer r:embed="rId6">
+                    <a14:imgEffect>
+                      <a14:brightnessContrast bright="40000" contrast="-40000"/>
+                    </a14:imgEffect>
+                  </a14:imgLayer>
+                </a14:imgProps>
+              </a:ext>
+              <a:ext uri="{28A0092B-C50C-407E-A947-70E740481C1C}">
+                <a14:useLocalDpi xmlns:a14="http://schemas.microsoft.com/office/drawing/2010/main" val="0"/>
+              </a:ext>
+            </a:extLst>
+          </a:blip>
+          <a:srcRect/>
+          <a:stretch>
+            <a:fillRect/>
+          </a:stretch>
+        </p:blipFill>
+        <p:spPr bwMode="auto">
+          <a:xfrm>
+            <a:off x="3873552" y="188640"/>
+            <a:ext cx="266400" cy="266400"/>
+          </a:xfrm>
+          <a:prstGeom prst="rect">
+            <a:avLst/>
+          </a:prstGeom>
+          <a:noFill/>
+          <a:extLst>
+            <a:ext uri="{909E8E84-426E-40DD-AFC4-6F175D3DCCD1}">
+              <a14:hiddenFill xmlns:a14="http://schemas.microsoft.com/office/drawing/2010/main">
+                <a:solidFill>
+                  <a:srgbClr val="FFFFFF"/>
+                </a:solidFill>
+              </a14:hiddenFill>
+            </a:ext>
+          </a:extLst>
+        </p:spPr>
+      </p:pic>
+      <p:pic>
+        <p:nvPicPr>
+          <p:cNvPr id="25" name="Picture 4" descr="C:\Users\REMICARLES\Documents\Dossier Partagé\EXIA A2\PROJET Systèmes &amp; Réseaux (18 - 27 janvier 2012)\metro icons\perso - big\white\parameters.png"/>
+          <p:cNvPicPr>
+            <a:picLocks noChangeAspect="1" noChangeArrowheads="1"/>
+          </p:cNvPicPr>
+          <p:nvPr/>
+        </p:nvPicPr>
+        <p:blipFill>
+          <a:blip r:embed="rId7" cstate="print">
+            <a:extLst>
+              <a:ext uri="{BEBA8EAE-BF5A-486C-A8C5-ECC9F3942E4B}">
+                <a14:imgProps xmlns:a14="http://schemas.microsoft.com/office/drawing/2010/main">
+                  <a14:imgLayer r:embed="rId8">
+                    <a14:imgEffect>
+                      <a14:brightnessContrast bright="-40000"/>
+                    </a14:imgEffect>
+                  </a14:imgLayer>
+                </a14:imgProps>
+              </a:ext>
+              <a:ext uri="{28A0092B-C50C-407E-A947-70E740481C1C}">
+                <a14:useLocalDpi xmlns:a14="http://schemas.microsoft.com/office/drawing/2010/main" val="0"/>
+              </a:ext>
+            </a:extLst>
+          </a:blip>
+          <a:srcRect/>
+          <a:stretch>
+            <a:fillRect/>
+          </a:stretch>
+        </p:blipFill>
+        <p:spPr bwMode="auto">
+          <a:xfrm>
+            <a:off x="6228184" y="188640"/>
+            <a:ext cx="266400" cy="266400"/>
+          </a:xfrm>
+          <a:prstGeom prst="rect">
+            <a:avLst/>
+          </a:prstGeom>
+          <a:noFill/>
+          <a:extLst>
+            <a:ext uri="{909E8E84-426E-40DD-AFC4-6F175D3DCCD1}">
+              <a14:hiddenFill xmlns:a14="http://schemas.microsoft.com/office/drawing/2010/main">
+                <a:solidFill>
+                  <a:srgbClr val="FFFFFF"/>
+                </a:solidFill>
+              </a14:hiddenFill>
+            </a:ext>
+          </a:extLst>
+        </p:spPr>
+      </p:pic>
+      <p:pic>
+        <p:nvPicPr>
+          <p:cNvPr id="26" name="Picture 5" descr="C:\Users\REMICARLES\Documents\Dossier Partagé\EXIA A2\PROJET Systèmes &amp; Réseaux (18 - 27 janvier 2012)\metro icons\perso - big\white\hub.png"/>
+          <p:cNvPicPr>
+            <a:picLocks noChangeAspect="1" noChangeArrowheads="1"/>
+          </p:cNvPicPr>
+          <p:nvPr/>
+        </p:nvPicPr>
+        <p:blipFill>
+          <a:blip r:embed="rId9" cstate="print">
+            <a:extLst>
+              <a:ext uri="{BEBA8EAE-BF5A-486C-A8C5-ECC9F3942E4B}">
+                <a14:imgProps xmlns:a14="http://schemas.microsoft.com/office/drawing/2010/main">
+                  <a14:imgLayer r:embed="rId10">
+                    <a14:imgEffect>
+                      <a14:brightnessContrast bright="-40000"/>
+                    </a14:imgEffect>
+                  </a14:imgLayer>
+                </a14:imgProps>
+              </a:ext>
+              <a:ext uri="{28A0092B-C50C-407E-A947-70E740481C1C}">
+                <a14:useLocalDpi xmlns:a14="http://schemas.microsoft.com/office/drawing/2010/main" val="0"/>
+              </a:ext>
+            </a:extLst>
+          </a:blip>
+          <a:srcRect/>
+          <a:stretch>
+            <a:fillRect/>
+          </a:stretch>
+        </p:blipFill>
+        <p:spPr bwMode="auto">
+          <a:xfrm>
+            <a:off x="8316416" y="188640"/>
+            <a:ext cx="266400" cy="266400"/>
+          </a:xfrm>
+          <a:prstGeom prst="rect">
+            <a:avLst/>
+          </a:prstGeom>
+          <a:noFill/>
+          <a:extLst>
+            <a:ext uri="{909E8E84-426E-40DD-AFC4-6F175D3DCCD1}">
+              <a14:hiddenFill xmlns:a14="http://schemas.microsoft.com/office/drawing/2010/main">
+                <a:solidFill>
+                  <a:srgbClr val="FFFFFF"/>
+                </a:solidFill>
+              </a14:hiddenFill>
+            </a:ext>
+          </a:extLst>
+        </p:spPr>
+      </p:pic>
+      <p:sp>
+        <p:nvSpPr>
+          <p:cNvPr id="29" name="ZoneTexte 28"/>
+          <p:cNvSpPr txBox="1"/>
+          <p:nvPr/>
+        </p:nvSpPr>
+        <p:spPr>
+          <a:xfrm>
+            <a:off x="1187624" y="781544"/>
+            <a:ext cx="9180512" cy="707886"/>
+          </a:xfrm>
+          <a:prstGeom prst="rect">
+            <a:avLst/>
+          </a:prstGeom>
+          <a:noFill/>
+        </p:spPr>
+        <p:txBody>
+          <a:bodyPr wrap="square" rtlCol="0">
+            <a:spAutoFit/>
+          </a:bodyPr>
+          <a:lstStyle/>
+          <a:p>
+            <a:r>
+              <a:rPr lang="fr-FR" sz="4000" dirty="0">
+                <a:solidFill>
+                  <a:schemeClr val="bg2">
+                    <a:lumMod val="75000"/>
+                  </a:schemeClr>
+                </a:solidFill>
+                <a:latin typeface="Segoe UI" pitchFamily="34" charset="0"/>
+                <a:ea typeface="Segoe UI" pitchFamily="34" charset="0"/>
+                <a:cs typeface="Segoe UI" pitchFamily="34" charset="0"/>
+              </a:rPr>
+              <a:t>Data-Base - MCD</a:t>
+            </a:r>
+            <a:endParaRPr lang="fr-FR" dirty="0">
+              <a:solidFill>
+                <a:schemeClr val="bg2">
+                  <a:lumMod val="75000"/>
+                </a:schemeClr>
+              </a:solidFill>
+              <a:latin typeface="Segoe UI" pitchFamily="34" charset="0"/>
+              <a:ea typeface="Segoe UI" pitchFamily="34" charset="0"/>
+              <a:cs typeface="Segoe UI" pitchFamily="34" charset="0"/>
+            </a:endParaRPr>
+          </a:p>
+        </p:txBody>
+      </p:sp>
+      <p:sp>
+        <p:nvSpPr>
+          <p:cNvPr id="14" name="ZoneTexte 13">
+            <a:extLst>
+              <a:ext uri="{FF2B5EF4-FFF2-40B4-BE49-F238E27FC236}">
+                <a16:creationId xmlns:a16="http://schemas.microsoft.com/office/drawing/2014/main" id="{D56A5352-ACA8-410C-A5D7-E31FB95692B3}"/>
+              </a:ext>
+            </a:extLst>
+          </p:cNvPr>
+          <p:cNvSpPr txBox="1"/>
+          <p:nvPr/>
+        </p:nvSpPr>
+        <p:spPr>
+          <a:xfrm>
+            <a:off x="6804248" y="116632"/>
+            <a:ext cx="2123728" cy="369332"/>
+          </a:xfrm>
+          <a:prstGeom prst="rect">
+            <a:avLst/>
+          </a:prstGeom>
+          <a:noFill/>
+        </p:spPr>
+        <p:txBody>
+          <a:bodyPr wrap="square" rtlCol="0">
+            <a:spAutoFit/>
+          </a:bodyPr>
+          <a:lstStyle/>
+          <a:p>
+            <a:r>
+              <a:rPr lang="fr-FR" dirty="0">
+                <a:solidFill>
+                  <a:schemeClr val="bg1">
+                    <a:lumMod val="50000"/>
+                  </a:schemeClr>
+                </a:solidFill>
+                <a:latin typeface="Segoe UI Semibold" pitchFamily="34" charset="0"/>
+              </a:rPr>
+              <a:t> </a:t>
+            </a:r>
+            <a:r>
+              <a:rPr lang="fr-FR" dirty="0">
+                <a:solidFill>
+                  <a:schemeClr val="bg1">
+                    <a:lumMod val="50000"/>
+                  </a:schemeClr>
+                </a:solidFill>
+                <a:latin typeface="Segoe UI Semibold" panose="020B0702040204020203" pitchFamily="34" charset="0"/>
+                <a:cs typeface="Segoe UI Semibold" panose="020B0702040204020203" pitchFamily="34" charset="0"/>
+              </a:rPr>
+              <a:t>   </a:t>
+            </a:r>
+            <a:r>
+              <a:rPr lang="en-GB" dirty="0">
+                <a:solidFill>
+                  <a:schemeClr val="bg1">
+                    <a:lumMod val="50000"/>
+                  </a:schemeClr>
+                </a:solidFill>
+                <a:latin typeface="Segoe UI Semibold" panose="020B0702040204020203" pitchFamily="34" charset="0"/>
+                <a:cs typeface="Segoe UI Semibold" panose="020B0702040204020203" pitchFamily="34" charset="0"/>
+              </a:rPr>
+              <a:t>Synthesis</a:t>
+            </a:r>
+            <a:endParaRPr lang="fr-FR" dirty="0">
+              <a:solidFill>
+                <a:schemeClr val="bg1">
+                  <a:lumMod val="50000"/>
+                </a:schemeClr>
+              </a:solidFill>
+              <a:latin typeface="Segoe UI Semibold" panose="020B0702040204020203" pitchFamily="34" charset="0"/>
+              <a:cs typeface="Segoe UI Semibold" panose="020B0702040204020203" pitchFamily="34" charset="0"/>
+            </a:endParaRPr>
+          </a:p>
+        </p:txBody>
+      </p:sp>
+      <p:pic>
+        <p:nvPicPr>
+          <p:cNvPr id="4" name="Image 3" descr="Une image contenant texte, carte&#10;&#10;Description générée avec un niveau de confiance très élevé">
+            <a:extLst>
+              <a:ext uri="{FF2B5EF4-FFF2-40B4-BE49-F238E27FC236}">
+                <a16:creationId xmlns:a16="http://schemas.microsoft.com/office/drawing/2014/main" id="{88C5C48E-7DF1-4C94-AC65-B256E5B19EAE}"/>
+              </a:ext>
+            </a:extLst>
+          </p:cNvPr>
+          <p:cNvPicPr>
+            <a:picLocks noChangeAspect="1"/>
+          </p:cNvPicPr>
+          <p:nvPr/>
+        </p:nvPicPr>
+        <p:blipFill>
+          <a:blip r:embed="rId11">
+            <a:extLst>
+              <a:ext uri="{28A0092B-C50C-407E-A947-70E740481C1C}">
+                <a14:useLocalDpi xmlns:a14="http://schemas.microsoft.com/office/drawing/2010/main" val="0"/>
+              </a:ext>
+            </a:extLst>
+          </a:blip>
+          <a:stretch>
+            <a:fillRect/>
+          </a:stretch>
+        </p:blipFill>
+        <p:spPr>
+          <a:xfrm>
+            <a:off x="1488418" y="1489430"/>
+            <a:ext cx="6528220" cy="4792359"/>
+          </a:xfrm>
+          <a:prstGeom prst="rect">
+            <a:avLst/>
+          </a:prstGeom>
+        </p:spPr>
+      </p:pic>
+    </p:spTree>
+    <p:extLst>
+      <p:ext uri="{BB962C8B-B14F-4D97-AF65-F5344CB8AC3E}">
+        <p14:creationId xmlns:p14="http://schemas.microsoft.com/office/powerpoint/2010/main" val="4045418804"/>
+      </p:ext>
+    </p:extLst>
+  </p:cSld>
+  <p:clrMapOvr>
+    <a:masterClrMapping/>
+  </p:clrMapOvr>
+  <mc:AlternateContent xmlns:mc="http://schemas.openxmlformats.org/markup-compatibility/2006" xmlns:p14="http://schemas.microsoft.com/office/powerpoint/2010/main">
+    <mc:Choice Requires="p14">
+      <p:transition spd="med" p14:dur="700">
+        <p:fade/>
+      </p:transition>
+    </mc:Choice>
+    <mc:Fallback xmlns="">
+      <p:transition spd="med">
+        <p:fade/>
+      </p:transition>
+    </mc:Fallback>
+  </mc:AlternateContent>
 </p:sld>
 </file>
 
